--- a/jbs-mekorot-android.pptx
+++ b/jbs-mekorot-android.pptx
@@ -2,30 +2,32 @@
 <file path=ppt/presentation.xml><?xml version="1.0" encoding="utf-8"?>
 <p:presentation xmlns:a="http://schemas.openxmlformats.org/drawingml/2006/main" xmlns:r="http://schemas.openxmlformats.org/officeDocument/2006/relationships" xmlns:p="http://schemas.openxmlformats.org/presentationml/2006/main">
   <p:sldMasterIdLst>
-    <p:sldMasterId id="2147483648" r:id="rId5"/>
+    <p:sldMasterId id="2147483648" r:id="rId1"/>
   </p:sldMasterIdLst>
   <p:notesMasterIdLst>
-    <p:notesMasterId r:id="rId7"/>
+    <p:notesMasterId r:id="rId22"/>
   </p:notesMasterIdLst>
   <p:sldIdLst>
-    <p:sldId id="256" r:id="rId8"/>
-    <p:sldId id="257" r:id="rId9"/>
-    <p:sldId id="258" r:id="rId10"/>
-    <p:sldId id="259" r:id="rId11"/>
-    <p:sldId id="260" r:id="rId12"/>
-    <p:sldId id="261" r:id="rId13"/>
-    <p:sldId id="262" r:id="rId14"/>
-    <p:sldId id="263" r:id="rId15"/>
-    <p:sldId id="264" r:id="rId16"/>
-    <p:sldId id="265" r:id="rId17"/>
-    <p:sldId id="266" r:id="rId18"/>
-    <p:sldId id="267" r:id="rId19"/>
-    <p:sldId id="268" r:id="rId20"/>
-    <p:sldId id="269" r:id="rId21"/>
-    <p:sldId id="270" r:id="rId22"/>
-    <p:sldId id="271" r:id="rId23"/>
-    <p:sldId id="272" r:id="rId24"/>
-    <p:sldId id="273" r:id="rId25"/>
+    <p:sldId id="256" r:id="rId2"/>
+    <p:sldId id="257" r:id="rId3"/>
+    <p:sldId id="275" r:id="rId4"/>
+    <p:sldId id="274" r:id="rId5"/>
+    <p:sldId id="258" r:id="rId6"/>
+    <p:sldId id="259" r:id="rId7"/>
+    <p:sldId id="260" r:id="rId8"/>
+    <p:sldId id="261" r:id="rId9"/>
+    <p:sldId id="262" r:id="rId10"/>
+    <p:sldId id="263" r:id="rId11"/>
+    <p:sldId id="264" r:id="rId12"/>
+    <p:sldId id="265" r:id="rId13"/>
+    <p:sldId id="266" r:id="rId14"/>
+    <p:sldId id="267" r:id="rId15"/>
+    <p:sldId id="268" r:id="rId16"/>
+    <p:sldId id="269" r:id="rId17"/>
+    <p:sldId id="270" r:id="rId18"/>
+    <p:sldId id="271" r:id="rId19"/>
+    <p:sldId id="272" r:id="rId20"/>
+    <p:sldId id="273" r:id="rId21"/>
   </p:sldIdLst>
   <p:sldSz cx="13004800" cy="9753600"/>
   <p:notesSz cx="6858000" cy="9144000"/>
@@ -45,7 +47,7 @@
       <a:buFontTx/>
       <a:buNone/>
       <a:tabLst/>
-      <a:defRPr b="0" baseline="0" cap="none" i="0" spc="0" strike="noStrike" sz="1800" u="none" kumimoji="0" normalizeH="0">
+      <a:defRPr kumimoji="0" sz="1800" b="0" i="0" u="none" strike="noStrike" cap="none" spc="0" normalizeH="0" baseline="0">
         <a:ln>
           <a:noFill/>
         </a:ln>
@@ -71,7 +73,7 @@
       <a:buFontTx/>
       <a:buNone/>
       <a:tabLst/>
-      <a:defRPr b="0" baseline="0" cap="none" i="0" spc="0" strike="noStrike" sz="3600" u="none" kumimoji="0" normalizeH="0">
+      <a:defRPr kumimoji="0" sz="3600" b="0" i="0" u="none" strike="noStrike" cap="none" spc="0" normalizeH="0" baseline="0">
         <a:ln>
           <a:noFill/>
         </a:ln>
@@ -101,7 +103,7 @@
       <a:buFontTx/>
       <a:buNone/>
       <a:tabLst/>
-      <a:defRPr b="0" baseline="0" cap="none" i="0" spc="0" strike="noStrike" sz="3600" u="none" kumimoji="0" normalizeH="0">
+      <a:defRPr kumimoji="0" sz="3600" b="0" i="0" u="none" strike="noStrike" cap="none" spc="0" normalizeH="0" baseline="0">
         <a:ln>
           <a:noFill/>
         </a:ln>
@@ -131,7 +133,7 @@
       <a:buFontTx/>
       <a:buNone/>
       <a:tabLst/>
-      <a:defRPr b="0" baseline="0" cap="none" i="0" spc="0" strike="noStrike" sz="3600" u="none" kumimoji="0" normalizeH="0">
+      <a:defRPr kumimoji="0" sz="3600" b="0" i="0" u="none" strike="noStrike" cap="none" spc="0" normalizeH="0" baseline="0">
         <a:ln>
           <a:noFill/>
         </a:ln>
@@ -161,7 +163,7 @@
       <a:buFontTx/>
       <a:buNone/>
       <a:tabLst/>
-      <a:defRPr b="0" baseline="0" cap="none" i="0" spc="0" strike="noStrike" sz="3600" u="none" kumimoji="0" normalizeH="0">
+      <a:defRPr kumimoji="0" sz="3600" b="0" i="0" u="none" strike="noStrike" cap="none" spc="0" normalizeH="0" baseline="0">
         <a:ln>
           <a:noFill/>
         </a:ln>
@@ -191,7 +193,7 @@
       <a:buFontTx/>
       <a:buNone/>
       <a:tabLst/>
-      <a:defRPr b="0" baseline="0" cap="none" i="0" spc="0" strike="noStrike" sz="3600" u="none" kumimoji="0" normalizeH="0">
+      <a:defRPr kumimoji="0" sz="3600" b="0" i="0" u="none" strike="noStrike" cap="none" spc="0" normalizeH="0" baseline="0">
         <a:ln>
           <a:noFill/>
         </a:ln>
@@ -221,7 +223,7 @@
       <a:buFontTx/>
       <a:buNone/>
       <a:tabLst/>
-      <a:defRPr b="0" baseline="0" cap="none" i="0" spc="0" strike="noStrike" sz="3600" u="none" kumimoji="0" normalizeH="0">
+      <a:defRPr kumimoji="0" sz="3600" b="0" i="0" u="none" strike="noStrike" cap="none" spc="0" normalizeH="0" baseline="0">
         <a:ln>
           <a:noFill/>
         </a:ln>
@@ -251,7 +253,7 @@
       <a:buFontTx/>
       <a:buNone/>
       <a:tabLst/>
-      <a:defRPr b="0" baseline="0" cap="none" i="0" spc="0" strike="noStrike" sz="3600" u="none" kumimoji="0" normalizeH="0">
+      <a:defRPr kumimoji="0" sz="3600" b="0" i="0" u="none" strike="noStrike" cap="none" spc="0" normalizeH="0" baseline="0">
         <a:ln>
           <a:noFill/>
         </a:ln>
@@ -281,7 +283,7 @@
       <a:buFontTx/>
       <a:buNone/>
       <a:tabLst/>
-      <a:defRPr b="0" baseline="0" cap="none" i="0" spc="0" strike="noStrike" sz="3600" u="none" kumimoji="0" normalizeH="0">
+      <a:defRPr kumimoji="0" sz="3600" b="0" i="0" u="none" strike="noStrike" cap="none" spc="0" normalizeH="0" baseline="0">
         <a:ln>
           <a:noFill/>
         </a:ln>
@@ -311,7 +313,7 @@
       <a:buFontTx/>
       <a:buNone/>
       <a:tabLst/>
-      <a:defRPr b="0" baseline="0" cap="none" i="0" spc="0" strike="noStrike" sz="3600" u="none" kumimoji="0" normalizeH="0">
+      <a:defRPr kumimoji="0" sz="3600" b="0" i="0" u="none" strike="noStrike" cap="none" spc="0" normalizeH="0" baseline="0">
         <a:ln>
           <a:noFill/>
         </a:ln>
@@ -330,13 +332,14 @@
 </p:presentation>
 </file>
 
-<file path=ppt/commentAuthors.xml><?xml version="1.0" encoding="utf-8"?>
-<p:cmAuthorLst xmlns:a="http://schemas.openxmlformats.org/drawingml/2006/main" xmlns:r="http://schemas.openxmlformats.org/officeDocument/2006/relationships" xmlns:p="http://schemas.openxmlformats.org/presentationml/2006/main"/>
-</file>
-
 <file path=ppt/notesMasters/notesMaster1.xml><?xml version="1.0" encoding="utf-8"?>
 <p:notesMaster xmlns:a="http://schemas.openxmlformats.org/drawingml/2006/main" xmlns:r="http://schemas.openxmlformats.org/officeDocument/2006/relationships" xmlns:p="http://schemas.openxmlformats.org/presentationml/2006/main">
   <p:cSld>
+    <p:bg>
+      <p:bgRef idx="1001">
+        <a:schemeClr val="bg1"/>
+      </p:bgRef>
+    </p:bg>
     <p:spTree>
       <p:nvGrpSpPr>
         <p:cNvPr id="1" name=""/>
@@ -354,7 +357,9 @@
       <p:sp>
         <p:nvSpPr>
           <p:cNvPr id="108" name="Shape 108"/>
-          <p:cNvSpPr/>
+          <p:cNvSpPr>
+            <a:spLocks noGrp="1" noRot="1" noChangeAspect="1"/>
+          </p:cNvSpPr>
           <p:nvPr>
             <p:ph type="sldImg"/>
           </p:nvPr>
@@ -372,14 +377,16 @@
           <a:bodyPr/>
           <a:lstStyle/>
           <a:p>
-            <a:pPr/>
+            <a:endParaRPr/>
           </a:p>
         </p:txBody>
       </p:sp>
       <p:sp>
         <p:nvSpPr>
           <p:cNvPr id="109" name="Shape 109"/>
-          <p:cNvSpPr/>
+          <p:cNvSpPr>
+            <a:spLocks noGrp="1"/>
+          </p:cNvSpPr>
           <p:nvPr>
             <p:ph type="body" sz="quarter" idx="1"/>
           </p:nvPr>
@@ -397,11 +404,16 @@
           <a:bodyPr/>
           <a:lstStyle/>
           <a:p>
-            <a:pPr/>
+            <a:endParaRPr/>
           </a:p>
         </p:txBody>
       </p:sp>
     </p:spTree>
+    <p:extLst>
+      <p:ext uri="{BB962C8B-B14F-4D97-AF65-F5344CB8AC3E}">
+        <p14:creationId xmlns:p14="http://schemas.microsoft.com/office/powerpoint/2010/main" val="28108118"/>
+      </p:ext>
+    </p:extLst>
   </p:cSld>
   <p:clrMap bg1="lt1" tx1="dk1" bg2="lt2" tx2="dk2" accent1="accent1" accent2="accent2" accent3="accent3" accent4="accent4" accent5="accent5" accent6="accent6" hlink="hlink" folHlink="folHlink"/>
   <p:notesStyle>
@@ -509,7 +521,7 @@
 </file>
 
 <file path=ppt/slideLayouts/slideLayout1.xml><?xml version="1.0" encoding="utf-8"?>
-<p:sldLayout xmlns:a="http://schemas.openxmlformats.org/drawingml/2006/main" xmlns:r="http://schemas.openxmlformats.org/officeDocument/2006/relationships" xmlns:p="http://schemas.openxmlformats.org/presentationml/2006/main" type="title" showMasterSp="1" showMasterPhAnim="1">
+<p:sldLayout xmlns:a="http://schemas.openxmlformats.org/drawingml/2006/main" xmlns:r="http://schemas.openxmlformats.org/officeDocument/2006/relationships" xmlns:p="http://schemas.openxmlformats.org/presentationml/2006/main" type="title">
   <p:cSld name="Title &amp; Subtitle">
     <p:spTree>
       <p:nvGrpSpPr>
@@ -528,7 +540,9 @@
       <p:sp>
         <p:nvSpPr>
           <p:cNvPr id="11" name="Title Text"/>
-          <p:cNvSpPr txBox="1"/>
+          <p:cNvSpPr txBox="1">
+            <a:spLocks noGrp="1"/>
+          </p:cNvSpPr>
           <p:nvPr>
             <p:ph type="title"/>
           </p:nvPr>
@@ -546,7 +560,6 @@
           <a:bodyPr anchor="b"/>
           <a:lstStyle/>
           <a:p>
-            <a:pPr/>
             <a:r>
               <a:t>Title Text</a:t>
             </a:r>
@@ -556,7 +569,9 @@
       <p:sp>
         <p:nvSpPr>
           <p:cNvPr id="12" name="Body Level One…"/>
-          <p:cNvSpPr txBox="1"/>
+          <p:cNvSpPr txBox="1">
+            <a:spLocks noGrp="1"/>
+          </p:cNvSpPr>
           <p:nvPr>
             <p:ph type="body" sz="half" idx="1"/>
           </p:nvPr>
@@ -615,7 +630,6 @@
             </a:lvl5pPr>
           </a:lstStyle>
           <a:p>
-            <a:pPr/>
             <a:r>
               <a:t>Body Level One</a:t>
             </a:r>
@@ -649,7 +663,9 @@
       <p:sp>
         <p:nvSpPr>
           <p:cNvPr id="13" name="Slide Number"/>
-          <p:cNvSpPr txBox="1"/>
+          <p:cNvSpPr txBox="1">
+            <a:spLocks noGrp="1"/>
+          </p:cNvSpPr>
           <p:nvPr>
             <p:ph type="sldNum" sz="quarter" idx="2"/>
           </p:nvPr>
@@ -663,8 +679,10 @@
           <a:bodyPr/>
           <a:lstStyle/>
           <a:p>
-            <a:pPr/>
-            <a:fld id="{86CB4B4D-7CA3-9044-876B-883B54F8677D}" type="slidenum"/>
+            <a:fld id="{86CB4B4D-7CA3-9044-876B-883B54F8677D}" type="slidenum">
+              <a:t>‹#›</a:t>
+            </a:fld>
+            <a:endParaRPr/>
           </a:p>
         </p:txBody>
       </p:sp>
@@ -673,12 +691,12 @@
   <p:clrMapOvr>
     <a:masterClrMapping/>
   </p:clrMapOvr>
-  <p:transition xmlns:p14="http://schemas.microsoft.com/office/powerpoint/2010/main" spd="med" advClick="1"/>
+  <p:transition spd="med"/>
 </p:sldLayout>
 </file>
 
 <file path=ppt/slideLayouts/slideLayout10.xml><?xml version="1.0" encoding="utf-8"?>
-<p:sldLayout xmlns:a="http://schemas.openxmlformats.org/drawingml/2006/main" xmlns:r="http://schemas.openxmlformats.org/officeDocument/2006/relationships" xmlns:p="http://schemas.openxmlformats.org/presentationml/2006/main" type="tx" showMasterSp="1" showMasterPhAnim="1">
+<p:sldLayout xmlns:a="http://schemas.openxmlformats.org/drawingml/2006/main" xmlns:r="http://schemas.openxmlformats.org/officeDocument/2006/relationships" xmlns:p="http://schemas.openxmlformats.org/presentationml/2006/main" type="tx">
   <p:cSld name="Quote">
     <p:spTree>
       <p:nvGrpSpPr>
@@ -697,7 +715,9 @@
       <p:sp>
         <p:nvSpPr>
           <p:cNvPr id="87" name="Body Level One…"/>
-          <p:cNvSpPr txBox="1"/>
+          <p:cNvSpPr txBox="1">
+            <a:spLocks noGrp="1"/>
+          </p:cNvSpPr>
           <p:nvPr>
             <p:ph type="body" sz="half" idx="1"/>
           </p:nvPr>
@@ -775,7 +795,6 @@
             </a:lvl5pPr>
           </a:lstStyle>
           <a:p>
-            <a:pPr/>
             <a:r>
               <a:t>Body Level One</a:t>
             </a:r>
@@ -809,7 +828,9 @@
       <p:sp>
         <p:nvSpPr>
           <p:cNvPr id="88" name="Slide Number"/>
-          <p:cNvSpPr txBox="1"/>
+          <p:cNvSpPr txBox="1">
+            <a:spLocks noGrp="1"/>
+          </p:cNvSpPr>
           <p:nvPr>
             <p:ph type="sldNum" sz="quarter" idx="2"/>
           </p:nvPr>
@@ -823,8 +844,10 @@
           <a:bodyPr/>
           <a:lstStyle/>
           <a:p>
-            <a:pPr/>
-            <a:fld id="{86CB4B4D-7CA3-9044-876B-883B54F8677D}" type="slidenum"/>
+            <a:fld id="{86CB4B4D-7CA3-9044-876B-883B54F8677D}" type="slidenum">
+              <a:t>‹#›</a:t>
+            </a:fld>
+            <a:endParaRPr/>
           </a:p>
         </p:txBody>
       </p:sp>
@@ -833,12 +856,12 @@
   <p:clrMapOvr>
     <a:masterClrMapping/>
   </p:clrMapOvr>
-  <p:transition xmlns:p14="http://schemas.microsoft.com/office/powerpoint/2010/main" spd="med" advClick="1"/>
+  <p:transition spd="med"/>
 </p:sldLayout>
 </file>
 
 <file path=ppt/slideLayouts/slideLayout11.xml><?xml version="1.0" encoding="utf-8"?>
-<p:sldLayout xmlns:a="http://schemas.openxmlformats.org/drawingml/2006/main" xmlns:r="http://schemas.openxmlformats.org/officeDocument/2006/relationships" xmlns:p="http://schemas.openxmlformats.org/presentationml/2006/main" type="tx" showMasterSp="1" showMasterPhAnim="1">
+<p:sldLayout xmlns:a="http://schemas.openxmlformats.org/drawingml/2006/main" xmlns:r="http://schemas.openxmlformats.org/officeDocument/2006/relationships" xmlns:p="http://schemas.openxmlformats.org/presentationml/2006/main" type="tx">
   <p:cSld name="Photo">
     <p:spTree>
       <p:nvGrpSpPr>
@@ -857,7 +880,9 @@
       <p:sp>
         <p:nvSpPr>
           <p:cNvPr id="95" name="Slide Number"/>
-          <p:cNvSpPr txBox="1"/>
+          <p:cNvSpPr txBox="1">
+            <a:spLocks noGrp="1"/>
+          </p:cNvSpPr>
           <p:nvPr>
             <p:ph type="sldNum" sz="quarter" idx="2"/>
           </p:nvPr>
@@ -871,8 +896,10 @@
           <a:bodyPr/>
           <a:lstStyle/>
           <a:p>
-            <a:pPr/>
-            <a:fld id="{86CB4B4D-7CA3-9044-876B-883B54F8677D}" type="slidenum"/>
+            <a:fld id="{86CB4B4D-7CA3-9044-876B-883B54F8677D}" type="slidenum">
+              <a:t>‹#›</a:t>
+            </a:fld>
+            <a:endParaRPr/>
           </a:p>
         </p:txBody>
       </p:sp>
@@ -881,12 +908,12 @@
   <p:clrMapOvr>
     <a:masterClrMapping/>
   </p:clrMapOvr>
-  <p:transition xmlns:p14="http://schemas.microsoft.com/office/powerpoint/2010/main" spd="med" advClick="1"/>
+  <p:transition spd="med"/>
 </p:sldLayout>
 </file>
 
 <file path=ppt/slideLayouts/slideLayout12.xml><?xml version="1.0" encoding="utf-8"?>
-<p:sldLayout xmlns:a="http://schemas.openxmlformats.org/drawingml/2006/main" xmlns:r="http://schemas.openxmlformats.org/officeDocument/2006/relationships" xmlns:p="http://schemas.openxmlformats.org/presentationml/2006/main" type="tx" showMasterSp="1" showMasterPhAnim="1">
+<p:sldLayout xmlns:a="http://schemas.openxmlformats.org/drawingml/2006/main" xmlns:r="http://schemas.openxmlformats.org/officeDocument/2006/relationships" xmlns:p="http://schemas.openxmlformats.org/presentationml/2006/main" type="tx">
   <p:cSld name="Blank">
     <p:spTree>
       <p:nvGrpSpPr>
@@ -905,7 +932,9 @@
       <p:sp>
         <p:nvSpPr>
           <p:cNvPr id="102" name="Slide Number"/>
-          <p:cNvSpPr txBox="1"/>
+          <p:cNvSpPr txBox="1">
+            <a:spLocks noGrp="1"/>
+          </p:cNvSpPr>
           <p:nvPr>
             <p:ph type="sldNum" sz="quarter" idx="2"/>
           </p:nvPr>
@@ -919,8 +948,10 @@
           <a:bodyPr/>
           <a:lstStyle/>
           <a:p>
-            <a:pPr/>
-            <a:fld id="{86CB4B4D-7CA3-9044-876B-883B54F8677D}" type="slidenum"/>
+            <a:fld id="{86CB4B4D-7CA3-9044-876B-883B54F8677D}" type="slidenum">
+              <a:t>‹#›</a:t>
+            </a:fld>
+            <a:endParaRPr/>
           </a:p>
         </p:txBody>
       </p:sp>
@@ -929,12 +960,12 @@
   <p:clrMapOvr>
     <a:masterClrMapping/>
   </p:clrMapOvr>
-  <p:transition xmlns:p14="http://schemas.microsoft.com/office/powerpoint/2010/main" spd="med" advClick="1"/>
+  <p:transition spd="med"/>
 </p:sldLayout>
 </file>
 
 <file path=ppt/slideLayouts/slideLayout2.xml><?xml version="1.0" encoding="utf-8"?>
-<p:sldLayout xmlns:a="http://schemas.openxmlformats.org/drawingml/2006/main" xmlns:r="http://schemas.openxmlformats.org/officeDocument/2006/relationships" xmlns:p="http://schemas.openxmlformats.org/presentationml/2006/main" type="tx" showMasterSp="1" showMasterPhAnim="1">
+<p:sldLayout xmlns:a="http://schemas.openxmlformats.org/drawingml/2006/main" xmlns:r="http://schemas.openxmlformats.org/officeDocument/2006/relationships" xmlns:p="http://schemas.openxmlformats.org/presentationml/2006/main" type="tx">
   <p:cSld name="Photo - Horizontal">
     <p:spTree>
       <p:nvGrpSpPr>
@@ -953,7 +984,9 @@
       <p:sp>
         <p:nvSpPr>
           <p:cNvPr id="20" name="Title Text"/>
-          <p:cNvSpPr txBox="1"/>
+          <p:cNvSpPr txBox="1">
+            <a:spLocks noGrp="1"/>
+          </p:cNvSpPr>
           <p:nvPr>
             <p:ph type="title"/>
           </p:nvPr>
@@ -971,7 +1004,6 @@
           <a:bodyPr anchor="b"/>
           <a:lstStyle/>
           <a:p>
-            <a:pPr/>
             <a:r>
               <a:t>Title Text</a:t>
             </a:r>
@@ -981,7 +1013,9 @@
       <p:sp>
         <p:nvSpPr>
           <p:cNvPr id="21" name="Body Level One…"/>
-          <p:cNvSpPr txBox="1"/>
+          <p:cNvSpPr txBox="1">
+            <a:spLocks noGrp="1"/>
+          </p:cNvSpPr>
           <p:nvPr>
             <p:ph type="body" sz="quarter" idx="1"/>
           </p:nvPr>
@@ -1040,7 +1074,6 @@
             </a:lvl5pPr>
           </a:lstStyle>
           <a:p>
-            <a:pPr/>
             <a:r>
               <a:t>Body Level One</a:t>
             </a:r>
@@ -1074,7 +1107,9 @@
       <p:sp>
         <p:nvSpPr>
           <p:cNvPr id="22" name="Slide Number"/>
-          <p:cNvSpPr txBox="1"/>
+          <p:cNvSpPr txBox="1">
+            <a:spLocks noGrp="1"/>
+          </p:cNvSpPr>
           <p:nvPr>
             <p:ph type="sldNum" sz="quarter" idx="2"/>
           </p:nvPr>
@@ -1092,8 +1127,10 @@
           <a:bodyPr/>
           <a:lstStyle/>
           <a:p>
-            <a:pPr/>
-            <a:fld id="{86CB4B4D-7CA3-9044-876B-883B54F8677D}" type="slidenum"/>
+            <a:fld id="{86CB4B4D-7CA3-9044-876B-883B54F8677D}" type="slidenum">
+              <a:t>‹#›</a:t>
+            </a:fld>
+            <a:endParaRPr/>
           </a:p>
         </p:txBody>
       </p:sp>
@@ -1102,12 +1139,12 @@
   <p:clrMapOvr>
     <a:masterClrMapping/>
   </p:clrMapOvr>
-  <p:transition xmlns:p14="http://schemas.microsoft.com/office/powerpoint/2010/main" spd="med" advClick="1"/>
+  <p:transition spd="med"/>
 </p:sldLayout>
 </file>
 
 <file path=ppt/slideLayouts/slideLayout3.xml><?xml version="1.0" encoding="utf-8"?>
-<p:sldLayout xmlns:a="http://schemas.openxmlformats.org/drawingml/2006/main" xmlns:r="http://schemas.openxmlformats.org/officeDocument/2006/relationships" xmlns:p="http://schemas.openxmlformats.org/presentationml/2006/main" type="tx" showMasterSp="1" showMasterPhAnim="1">
+<p:sldLayout xmlns:a="http://schemas.openxmlformats.org/drawingml/2006/main" xmlns:r="http://schemas.openxmlformats.org/officeDocument/2006/relationships" xmlns:p="http://schemas.openxmlformats.org/presentationml/2006/main" type="tx">
   <p:cSld name="Title - Center">
     <p:spTree>
       <p:nvGrpSpPr>
@@ -1126,7 +1163,9 @@
       <p:sp>
         <p:nvSpPr>
           <p:cNvPr id="29" name="Title Text"/>
-          <p:cNvSpPr txBox="1"/>
+          <p:cNvSpPr txBox="1">
+            <a:spLocks noGrp="1"/>
+          </p:cNvSpPr>
           <p:nvPr>
             <p:ph type="title"/>
           </p:nvPr>
@@ -1144,7 +1183,6 @@
           <a:bodyPr/>
           <a:lstStyle/>
           <a:p>
-            <a:pPr/>
             <a:r>
               <a:t>Title Text</a:t>
             </a:r>
@@ -1154,7 +1192,9 @@
       <p:sp>
         <p:nvSpPr>
           <p:cNvPr id="30" name="Slide Number"/>
-          <p:cNvSpPr txBox="1"/>
+          <p:cNvSpPr txBox="1">
+            <a:spLocks noGrp="1"/>
+          </p:cNvSpPr>
           <p:nvPr>
             <p:ph type="sldNum" sz="quarter" idx="2"/>
           </p:nvPr>
@@ -1168,8 +1208,10 @@
           <a:bodyPr/>
           <a:lstStyle/>
           <a:p>
-            <a:pPr/>
-            <a:fld id="{86CB4B4D-7CA3-9044-876B-883B54F8677D}" type="slidenum"/>
+            <a:fld id="{86CB4B4D-7CA3-9044-876B-883B54F8677D}" type="slidenum">
+              <a:t>‹#›</a:t>
+            </a:fld>
+            <a:endParaRPr/>
           </a:p>
         </p:txBody>
       </p:sp>
@@ -1178,12 +1220,12 @@
   <p:clrMapOvr>
     <a:masterClrMapping/>
   </p:clrMapOvr>
-  <p:transition xmlns:p14="http://schemas.microsoft.com/office/powerpoint/2010/main" spd="med" advClick="1"/>
+  <p:transition spd="med"/>
 </p:sldLayout>
 </file>
 
 <file path=ppt/slideLayouts/slideLayout4.xml><?xml version="1.0" encoding="utf-8"?>
-<p:sldLayout xmlns:a="http://schemas.openxmlformats.org/drawingml/2006/main" xmlns:r="http://schemas.openxmlformats.org/officeDocument/2006/relationships" xmlns:p="http://schemas.openxmlformats.org/presentationml/2006/main" type="tx" showMasterSp="1" showMasterPhAnim="1">
+<p:sldLayout xmlns:a="http://schemas.openxmlformats.org/drawingml/2006/main" xmlns:r="http://schemas.openxmlformats.org/officeDocument/2006/relationships" xmlns:p="http://schemas.openxmlformats.org/presentationml/2006/main" type="tx">
   <p:cSld name="Photo - Vertical">
     <p:spTree>
       <p:nvGrpSpPr>
@@ -1202,7 +1244,9 @@
       <p:sp>
         <p:nvSpPr>
           <p:cNvPr id="37" name="Title Text"/>
-          <p:cNvSpPr txBox="1"/>
+          <p:cNvSpPr txBox="1">
+            <a:spLocks noGrp="1"/>
+          </p:cNvSpPr>
           <p:nvPr>
             <p:ph type="title"/>
           </p:nvPr>
@@ -1224,7 +1268,6 @@
             </a:lvl1pPr>
           </a:lstStyle>
           <a:p>
-            <a:pPr/>
             <a:r>
               <a:t>Title Text</a:t>
             </a:r>
@@ -1234,7 +1277,9 @@
       <p:sp>
         <p:nvSpPr>
           <p:cNvPr id="38" name="Body Level One…"/>
-          <p:cNvSpPr txBox="1"/>
+          <p:cNvSpPr txBox="1">
+            <a:spLocks noGrp="1"/>
+          </p:cNvSpPr>
           <p:nvPr>
             <p:ph type="body" sz="half" idx="1"/>
           </p:nvPr>
@@ -1293,7 +1338,6 @@
             </a:lvl5pPr>
           </a:lstStyle>
           <a:p>
-            <a:pPr/>
             <a:r>
               <a:t>Body Level One</a:t>
             </a:r>
@@ -1327,7 +1371,9 @@
       <p:sp>
         <p:nvSpPr>
           <p:cNvPr id="39" name="Slide Number"/>
-          <p:cNvSpPr txBox="1"/>
+          <p:cNvSpPr txBox="1">
+            <a:spLocks noGrp="1"/>
+          </p:cNvSpPr>
           <p:nvPr>
             <p:ph type="sldNum" sz="quarter" idx="2"/>
           </p:nvPr>
@@ -1341,8 +1387,10 @@
           <a:bodyPr/>
           <a:lstStyle/>
           <a:p>
-            <a:pPr/>
-            <a:fld id="{86CB4B4D-7CA3-9044-876B-883B54F8677D}" type="slidenum"/>
+            <a:fld id="{86CB4B4D-7CA3-9044-876B-883B54F8677D}" type="slidenum">
+              <a:t>‹#›</a:t>
+            </a:fld>
+            <a:endParaRPr/>
           </a:p>
         </p:txBody>
       </p:sp>
@@ -1351,12 +1399,12 @@
   <p:clrMapOvr>
     <a:masterClrMapping/>
   </p:clrMapOvr>
-  <p:transition xmlns:p14="http://schemas.microsoft.com/office/powerpoint/2010/main" spd="med" advClick="1"/>
+  <p:transition spd="med"/>
 </p:sldLayout>
 </file>
 
 <file path=ppt/slideLayouts/slideLayout5.xml><?xml version="1.0" encoding="utf-8"?>
-<p:sldLayout xmlns:a="http://schemas.openxmlformats.org/drawingml/2006/main" xmlns:r="http://schemas.openxmlformats.org/officeDocument/2006/relationships" xmlns:p="http://schemas.openxmlformats.org/presentationml/2006/main" type="tx" showMasterSp="1" showMasterPhAnim="1">
+<p:sldLayout xmlns:a="http://schemas.openxmlformats.org/drawingml/2006/main" xmlns:r="http://schemas.openxmlformats.org/officeDocument/2006/relationships" xmlns:p="http://schemas.openxmlformats.org/presentationml/2006/main" type="tx">
   <p:cSld name="Title - Top">
     <p:spTree>
       <p:nvGrpSpPr>
@@ -1375,7 +1423,9 @@
       <p:sp>
         <p:nvSpPr>
           <p:cNvPr id="46" name="Title Text"/>
-          <p:cNvSpPr txBox="1"/>
+          <p:cNvSpPr txBox="1">
+            <a:spLocks noGrp="1"/>
+          </p:cNvSpPr>
           <p:nvPr>
             <p:ph type="title"/>
           </p:nvPr>
@@ -1393,7 +1443,6 @@
           <a:bodyPr/>
           <a:lstStyle/>
           <a:p>
-            <a:pPr/>
             <a:r>
               <a:t>Title Text</a:t>
             </a:r>
@@ -1403,7 +1452,9 @@
       <p:sp>
         <p:nvSpPr>
           <p:cNvPr id="47" name="Slide Number"/>
-          <p:cNvSpPr txBox="1"/>
+          <p:cNvSpPr txBox="1">
+            <a:spLocks noGrp="1"/>
+          </p:cNvSpPr>
           <p:nvPr>
             <p:ph type="sldNum" sz="quarter" idx="2"/>
           </p:nvPr>
@@ -1417,8 +1468,10 @@
           <a:bodyPr/>
           <a:lstStyle/>
           <a:p>
-            <a:pPr/>
-            <a:fld id="{86CB4B4D-7CA3-9044-876B-883B54F8677D}" type="slidenum"/>
+            <a:fld id="{86CB4B4D-7CA3-9044-876B-883B54F8677D}" type="slidenum">
+              <a:t>‹#›</a:t>
+            </a:fld>
+            <a:endParaRPr/>
           </a:p>
         </p:txBody>
       </p:sp>
@@ -1427,12 +1480,12 @@
   <p:clrMapOvr>
     <a:masterClrMapping/>
   </p:clrMapOvr>
-  <p:transition xmlns:p14="http://schemas.microsoft.com/office/powerpoint/2010/main" spd="med" advClick="1"/>
+  <p:transition spd="med"/>
 </p:sldLayout>
 </file>
 
 <file path=ppt/slideLayouts/slideLayout6.xml><?xml version="1.0" encoding="utf-8"?>
-<p:sldLayout xmlns:a="http://schemas.openxmlformats.org/drawingml/2006/main" xmlns:r="http://schemas.openxmlformats.org/officeDocument/2006/relationships" xmlns:p="http://schemas.openxmlformats.org/presentationml/2006/main" type="tx" showMasterSp="1" showMasterPhAnim="1">
+<p:sldLayout xmlns:a="http://schemas.openxmlformats.org/drawingml/2006/main" xmlns:r="http://schemas.openxmlformats.org/officeDocument/2006/relationships" xmlns:p="http://schemas.openxmlformats.org/presentationml/2006/main" type="tx">
   <p:cSld name="Title &amp; Bullets">
     <p:spTree>
       <p:nvGrpSpPr>
@@ -1451,7 +1504,9 @@
       <p:sp>
         <p:nvSpPr>
           <p:cNvPr id="54" name="Title Text"/>
-          <p:cNvSpPr txBox="1"/>
+          <p:cNvSpPr txBox="1">
+            <a:spLocks noGrp="1"/>
+          </p:cNvSpPr>
           <p:nvPr>
             <p:ph type="title"/>
           </p:nvPr>
@@ -1465,7 +1520,6 @@
           <a:bodyPr/>
           <a:lstStyle/>
           <a:p>
-            <a:pPr/>
             <a:r>
               <a:t>Title Text</a:t>
             </a:r>
@@ -1475,7 +1529,9 @@
       <p:sp>
         <p:nvSpPr>
           <p:cNvPr id="55" name="Body Level One…"/>
-          <p:cNvSpPr txBox="1"/>
+          <p:cNvSpPr txBox="1">
+            <a:spLocks noGrp="1"/>
+          </p:cNvSpPr>
           <p:nvPr>
             <p:ph type="body" idx="1"/>
           </p:nvPr>
@@ -1489,7 +1545,6 @@
           <a:bodyPr/>
           <a:lstStyle/>
           <a:p>
-            <a:pPr/>
             <a:r>
               <a:t>Body Level One</a:t>
             </a:r>
@@ -1523,7 +1578,9 @@
       <p:sp>
         <p:nvSpPr>
           <p:cNvPr id="56" name="Slide Number"/>
-          <p:cNvSpPr txBox="1"/>
+          <p:cNvSpPr txBox="1">
+            <a:spLocks noGrp="1"/>
+          </p:cNvSpPr>
           <p:nvPr>
             <p:ph type="sldNum" sz="quarter" idx="2"/>
           </p:nvPr>
@@ -1537,8 +1594,10 @@
           <a:bodyPr/>
           <a:lstStyle/>
           <a:p>
-            <a:pPr/>
-            <a:fld id="{86CB4B4D-7CA3-9044-876B-883B54F8677D}" type="slidenum"/>
+            <a:fld id="{86CB4B4D-7CA3-9044-876B-883B54F8677D}" type="slidenum">
+              <a:t>‹#›</a:t>
+            </a:fld>
+            <a:endParaRPr/>
           </a:p>
         </p:txBody>
       </p:sp>
@@ -1547,12 +1606,12 @@
   <p:clrMapOvr>
     <a:masterClrMapping/>
   </p:clrMapOvr>
-  <p:transition xmlns:p14="http://schemas.microsoft.com/office/powerpoint/2010/main" spd="med" advClick="1"/>
+  <p:transition spd="med"/>
 </p:sldLayout>
 </file>
 
 <file path=ppt/slideLayouts/slideLayout7.xml><?xml version="1.0" encoding="utf-8"?>
-<p:sldLayout xmlns:a="http://schemas.openxmlformats.org/drawingml/2006/main" xmlns:r="http://schemas.openxmlformats.org/officeDocument/2006/relationships" xmlns:p="http://schemas.openxmlformats.org/presentationml/2006/main" type="tx" showMasterSp="1" showMasterPhAnim="1">
+<p:sldLayout xmlns:a="http://schemas.openxmlformats.org/drawingml/2006/main" xmlns:r="http://schemas.openxmlformats.org/officeDocument/2006/relationships" xmlns:p="http://schemas.openxmlformats.org/presentationml/2006/main" type="tx">
   <p:cSld name="Title, Bullets &amp; Photo">
     <p:spTree>
       <p:nvGrpSpPr>
@@ -1571,7 +1630,9 @@
       <p:sp>
         <p:nvSpPr>
           <p:cNvPr id="63" name="Title Text"/>
-          <p:cNvSpPr txBox="1"/>
+          <p:cNvSpPr txBox="1">
+            <a:spLocks noGrp="1"/>
+          </p:cNvSpPr>
           <p:nvPr>
             <p:ph type="title"/>
           </p:nvPr>
@@ -1585,7 +1646,6 @@
           <a:bodyPr/>
           <a:lstStyle/>
           <a:p>
-            <a:pPr/>
             <a:r>
               <a:t>Title Text</a:t>
             </a:r>
@@ -1595,7 +1655,9 @@
       <p:sp>
         <p:nvSpPr>
           <p:cNvPr id="64" name="Body Level One…"/>
-          <p:cNvSpPr txBox="1"/>
+          <p:cNvSpPr txBox="1">
+            <a:spLocks noGrp="1"/>
+          </p:cNvSpPr>
           <p:nvPr>
             <p:ph type="body" sz="half" idx="1"/>
           </p:nvPr>
@@ -1644,7 +1706,6 @@
             </a:lvl5pPr>
           </a:lstStyle>
           <a:p>
-            <a:pPr/>
             <a:r>
               <a:t>Body Level One</a:t>
             </a:r>
@@ -1678,7 +1739,9 @@
       <p:sp>
         <p:nvSpPr>
           <p:cNvPr id="65" name="Slide Number"/>
-          <p:cNvSpPr txBox="1"/>
+          <p:cNvSpPr txBox="1">
+            <a:spLocks noGrp="1"/>
+          </p:cNvSpPr>
           <p:nvPr>
             <p:ph type="sldNum" sz="quarter" idx="2"/>
           </p:nvPr>
@@ -1692,8 +1755,10 @@
           <a:bodyPr/>
           <a:lstStyle/>
           <a:p>
-            <a:pPr/>
-            <a:fld id="{86CB4B4D-7CA3-9044-876B-883B54F8677D}" type="slidenum"/>
+            <a:fld id="{86CB4B4D-7CA3-9044-876B-883B54F8677D}" type="slidenum">
+              <a:t>‹#›</a:t>
+            </a:fld>
+            <a:endParaRPr/>
           </a:p>
         </p:txBody>
       </p:sp>
@@ -1702,12 +1767,12 @@
   <p:clrMapOvr>
     <a:masterClrMapping/>
   </p:clrMapOvr>
-  <p:transition xmlns:p14="http://schemas.microsoft.com/office/powerpoint/2010/main" spd="med" advClick="1"/>
+  <p:transition spd="med"/>
 </p:sldLayout>
 </file>
 
 <file path=ppt/slideLayouts/slideLayout8.xml><?xml version="1.0" encoding="utf-8"?>
-<p:sldLayout xmlns:a="http://schemas.openxmlformats.org/drawingml/2006/main" xmlns:r="http://schemas.openxmlformats.org/officeDocument/2006/relationships" xmlns:p="http://schemas.openxmlformats.org/presentationml/2006/main" type="tx" showMasterSp="1" showMasterPhAnim="1">
+<p:sldLayout xmlns:a="http://schemas.openxmlformats.org/drawingml/2006/main" xmlns:r="http://schemas.openxmlformats.org/officeDocument/2006/relationships" xmlns:p="http://schemas.openxmlformats.org/presentationml/2006/main" type="tx">
   <p:cSld name="Bullets">
     <p:spTree>
       <p:nvGrpSpPr>
@@ -1726,7 +1791,9 @@
       <p:sp>
         <p:nvSpPr>
           <p:cNvPr id="72" name="Body Level One…"/>
-          <p:cNvSpPr txBox="1"/>
+          <p:cNvSpPr txBox="1">
+            <a:spLocks noGrp="1"/>
+          </p:cNvSpPr>
           <p:nvPr>
             <p:ph type="body" idx="1"/>
           </p:nvPr>
@@ -1744,7 +1811,6 @@
           <a:bodyPr/>
           <a:lstStyle/>
           <a:p>
-            <a:pPr/>
             <a:r>
               <a:t>Body Level One</a:t>
             </a:r>
@@ -1778,7 +1844,9 @@
       <p:sp>
         <p:nvSpPr>
           <p:cNvPr id="73" name="Slide Number"/>
-          <p:cNvSpPr txBox="1"/>
+          <p:cNvSpPr txBox="1">
+            <a:spLocks noGrp="1"/>
+          </p:cNvSpPr>
           <p:nvPr>
             <p:ph type="sldNum" sz="quarter" idx="2"/>
           </p:nvPr>
@@ -1792,8 +1860,10 @@
           <a:bodyPr/>
           <a:lstStyle/>
           <a:p>
-            <a:pPr/>
-            <a:fld id="{86CB4B4D-7CA3-9044-876B-883B54F8677D}" type="slidenum"/>
+            <a:fld id="{86CB4B4D-7CA3-9044-876B-883B54F8677D}" type="slidenum">
+              <a:t>‹#›</a:t>
+            </a:fld>
+            <a:endParaRPr/>
           </a:p>
         </p:txBody>
       </p:sp>
@@ -1802,12 +1872,12 @@
   <p:clrMapOvr>
     <a:masterClrMapping/>
   </p:clrMapOvr>
-  <p:transition xmlns:p14="http://schemas.microsoft.com/office/powerpoint/2010/main" spd="med" advClick="1"/>
+  <p:transition spd="med"/>
 </p:sldLayout>
 </file>
 
 <file path=ppt/slideLayouts/slideLayout9.xml><?xml version="1.0" encoding="utf-8"?>
-<p:sldLayout xmlns:a="http://schemas.openxmlformats.org/drawingml/2006/main" xmlns:r="http://schemas.openxmlformats.org/officeDocument/2006/relationships" xmlns:p="http://schemas.openxmlformats.org/presentationml/2006/main" type="tx" showMasterSp="1" showMasterPhAnim="1">
+<p:sldLayout xmlns:a="http://schemas.openxmlformats.org/drawingml/2006/main" xmlns:r="http://schemas.openxmlformats.org/officeDocument/2006/relationships" xmlns:p="http://schemas.openxmlformats.org/presentationml/2006/main" type="tx">
   <p:cSld name="Photo - 3 Up">
     <p:spTree>
       <p:nvGrpSpPr>
@@ -1826,7 +1896,9 @@
       <p:sp>
         <p:nvSpPr>
           <p:cNvPr id="80" name="Slide Number"/>
-          <p:cNvSpPr txBox="1"/>
+          <p:cNvSpPr txBox="1">
+            <a:spLocks noGrp="1"/>
+          </p:cNvSpPr>
           <p:nvPr>
             <p:ph type="sldNum" sz="quarter" idx="2"/>
           </p:nvPr>
@@ -1840,8 +1912,10 @@
           <a:bodyPr/>
           <a:lstStyle/>
           <a:p>
-            <a:pPr/>
-            <a:fld id="{86CB4B4D-7CA3-9044-876B-883B54F8677D}" type="slidenum"/>
+            <a:fld id="{86CB4B4D-7CA3-9044-876B-883B54F8677D}" type="slidenum">
+              <a:t>‹#›</a:t>
+            </a:fld>
+            <a:endParaRPr/>
           </a:p>
         </p:txBody>
       </p:sp>
@@ -1850,7 +1924,7 @@
   <p:clrMapOvr>
     <a:masterClrMapping/>
   </p:clrMapOvr>
-  <p:transition xmlns:p14="http://schemas.microsoft.com/office/powerpoint/2010/main" spd="med" advClick="1"/>
+  <p:transition spd="med"/>
 </p:sldLayout>
 </file>
 
@@ -1862,6 +1936,7 @@
         <a:solidFill>
           <a:srgbClr val="FFFFFF"/>
         </a:solidFill>
+        <a:effectLst/>
       </p:bgPr>
     </p:bg>
     <p:spTree>
@@ -1881,7 +1956,9 @@
       <p:sp>
         <p:nvSpPr>
           <p:cNvPr id="2" name="Title Text"/>
-          <p:cNvSpPr txBox="1"/>
+          <p:cNvSpPr txBox="1">
+            <a:spLocks noGrp="1"/>
+          </p:cNvSpPr>
           <p:nvPr>
             <p:ph type="title"/>
           </p:nvPr>
@@ -1899,17 +1976,16 @@
           </a:ln>
           <a:extLst>
             <a:ext uri="{C572A759-6A51-4108-AA02-DFA0A04FC94B}">
-              <ma14:wrappingTextBoxFlag xmlns:ma14="http://schemas.microsoft.com/office/mac/drawingml/2011/main" val="1"/>
+              <ma14:wrappingTextBoxFlag xmlns:ma14="http://schemas.microsoft.com/office/mac/drawingml/2011/main" xmlns="" val="1"/>
             </a:ext>
           </a:extLst>
         </p:spPr>
         <p:txBody>
           <a:bodyPr lIns="50800" tIns="50800" rIns="50800" bIns="50800" anchor="ctr">
-            <a:normAutofit fontScale="100000" lnSpcReduction="0"/>
+            <a:normAutofit/>
           </a:bodyPr>
           <a:lstStyle/>
           <a:p>
-            <a:pPr/>
             <a:r>
               <a:t>Title Text</a:t>
             </a:r>
@@ -1919,7 +1995,9 @@
       <p:sp>
         <p:nvSpPr>
           <p:cNvPr id="3" name="Body Level One…"/>
-          <p:cNvSpPr txBox="1"/>
+          <p:cNvSpPr txBox="1">
+            <a:spLocks noGrp="1"/>
+          </p:cNvSpPr>
           <p:nvPr>
             <p:ph type="body" idx="1"/>
           </p:nvPr>
@@ -1937,17 +2015,16 @@
           </a:ln>
           <a:extLst>
             <a:ext uri="{C572A759-6A51-4108-AA02-DFA0A04FC94B}">
-              <ma14:wrappingTextBoxFlag xmlns:ma14="http://schemas.microsoft.com/office/mac/drawingml/2011/main" val="1"/>
+              <ma14:wrappingTextBoxFlag xmlns:ma14="http://schemas.microsoft.com/office/mac/drawingml/2011/main" xmlns="" val="1"/>
             </a:ext>
           </a:extLst>
         </p:spPr>
         <p:txBody>
           <a:bodyPr lIns="50800" tIns="50800" rIns="50800" bIns="50800" anchor="ctr">
-            <a:normAutofit fontScale="100000" lnSpcReduction="0"/>
+            <a:normAutofit/>
           </a:bodyPr>
           <a:lstStyle/>
           <a:p>
-            <a:pPr/>
             <a:r>
               <a:t>Body Level One</a:t>
             </a:r>
@@ -1981,7 +2058,9 @@
       <p:sp>
         <p:nvSpPr>
           <p:cNvPr id="4" name="Slide Number"/>
-          <p:cNvSpPr txBox="1"/>
+          <p:cNvSpPr txBox="1">
+            <a:spLocks noGrp="1"/>
+          </p:cNvSpPr>
           <p:nvPr>
             <p:ph type="sldNum" sz="quarter" idx="2"/>
           </p:nvPr>
@@ -2008,8 +2087,10 @@
             </a:lvl1pPr>
           </a:lstStyle>
           <a:p>
-            <a:pPr/>
-            <a:fld id="{86CB4B4D-7CA3-9044-876B-883B54F8677D}" type="slidenum"/>
+            <a:fld id="{86CB4B4D-7CA3-9044-876B-883B54F8677D}" type="slidenum">
+              <a:t>‹#›</a:t>
+            </a:fld>
+            <a:endParaRPr/>
           </a:p>
         </p:txBody>
       </p:sp>
@@ -2017,20 +2098,20 @@
   </p:cSld>
   <p:clrMap bg1="lt1" tx1="dk1" bg2="lt2" tx2="dk2" accent1="accent1" accent2="accent2" accent3="accent3" accent4="accent4" accent5="accent5" accent6="accent6" hlink="hlink" folHlink="folHlink"/>
   <p:sldLayoutIdLst>
-    <p:sldLayoutId id="2147483649" r:id="rId2"/>
-    <p:sldLayoutId id="2147483650" r:id="rId3"/>
-    <p:sldLayoutId id="2147483651" r:id="rId4"/>
-    <p:sldLayoutId id="2147483652" r:id="rId5"/>
-    <p:sldLayoutId id="2147483653" r:id="rId6"/>
-    <p:sldLayoutId id="2147483654" r:id="rId7"/>
-    <p:sldLayoutId id="2147483655" r:id="rId8"/>
-    <p:sldLayoutId id="2147483656" r:id="rId9"/>
-    <p:sldLayoutId id="2147483657" r:id="rId10"/>
-    <p:sldLayoutId id="2147483658" r:id="rId11"/>
-    <p:sldLayoutId id="2147483659" r:id="rId12"/>
-    <p:sldLayoutId id="2147483660" r:id="rId13"/>
+    <p:sldLayoutId id="2147483649" r:id="rId1"/>
+    <p:sldLayoutId id="2147483650" r:id="rId2"/>
+    <p:sldLayoutId id="2147483651" r:id="rId3"/>
+    <p:sldLayoutId id="2147483652" r:id="rId4"/>
+    <p:sldLayoutId id="2147483653" r:id="rId5"/>
+    <p:sldLayoutId id="2147483654" r:id="rId6"/>
+    <p:sldLayoutId id="2147483655" r:id="rId7"/>
+    <p:sldLayoutId id="2147483656" r:id="rId8"/>
+    <p:sldLayoutId id="2147483657" r:id="rId9"/>
+    <p:sldLayoutId id="2147483658" r:id="rId10"/>
+    <p:sldLayoutId id="2147483659" r:id="rId11"/>
+    <p:sldLayoutId id="2147483660" r:id="rId12"/>
   </p:sldLayoutIdLst>
-  <p:transition xmlns:p14="http://schemas.microsoft.com/office/powerpoint/2010/main" spd="med" advClick="1"/>
+  <p:transition spd="med"/>
   <p:txStyles>
     <p:titleStyle>
       <a:lvl1pPr marL="0" marR="0" indent="0" algn="ctr" defTabSz="584200" rtl="0" latinLnBrk="0">
@@ -2048,7 +2129,7 @@
         <a:buFontTx/>
         <a:buNone/>
         <a:tabLst/>
-        <a:defRPr b="0" baseline="0" cap="none" i="0" spc="0" strike="noStrike" sz="8000" u="none">
+        <a:defRPr sz="8000" b="0" i="0" u="none" strike="noStrike" cap="none" spc="0" baseline="0">
           <a:ln>
             <a:noFill/>
           </a:ln>
@@ -2077,7 +2158,7 @@
         <a:buFontTx/>
         <a:buNone/>
         <a:tabLst/>
-        <a:defRPr b="0" baseline="0" cap="none" i="0" spc="0" strike="noStrike" sz="8000" u="none">
+        <a:defRPr sz="8000" b="0" i="0" u="none" strike="noStrike" cap="none" spc="0" baseline="0">
           <a:ln>
             <a:noFill/>
           </a:ln>
@@ -2106,7 +2187,7 @@
         <a:buFontTx/>
         <a:buNone/>
         <a:tabLst/>
-        <a:defRPr b="0" baseline="0" cap="none" i="0" spc="0" strike="noStrike" sz="8000" u="none">
+        <a:defRPr sz="8000" b="0" i="0" u="none" strike="noStrike" cap="none" spc="0" baseline="0">
           <a:ln>
             <a:noFill/>
           </a:ln>
@@ -2135,7 +2216,7 @@
         <a:buFontTx/>
         <a:buNone/>
         <a:tabLst/>
-        <a:defRPr b="0" baseline="0" cap="none" i="0" spc="0" strike="noStrike" sz="8000" u="none">
+        <a:defRPr sz="8000" b="0" i="0" u="none" strike="noStrike" cap="none" spc="0" baseline="0">
           <a:ln>
             <a:noFill/>
           </a:ln>
@@ -2164,7 +2245,7 @@
         <a:buFontTx/>
         <a:buNone/>
         <a:tabLst/>
-        <a:defRPr b="0" baseline="0" cap="none" i="0" spc="0" strike="noStrike" sz="8000" u="none">
+        <a:defRPr sz="8000" b="0" i="0" u="none" strike="noStrike" cap="none" spc="0" baseline="0">
           <a:ln>
             <a:noFill/>
           </a:ln>
@@ -2193,7 +2274,7 @@
         <a:buFontTx/>
         <a:buNone/>
         <a:tabLst/>
-        <a:defRPr b="0" baseline="0" cap="none" i="0" spc="0" strike="noStrike" sz="8000" u="none">
+        <a:defRPr sz="8000" b="0" i="0" u="none" strike="noStrike" cap="none" spc="0" baseline="0">
           <a:ln>
             <a:noFill/>
           </a:ln>
@@ -2222,7 +2303,7 @@
         <a:buFontTx/>
         <a:buNone/>
         <a:tabLst/>
-        <a:defRPr b="0" baseline="0" cap="none" i="0" spc="0" strike="noStrike" sz="8000" u="none">
+        <a:defRPr sz="8000" b="0" i="0" u="none" strike="noStrike" cap="none" spc="0" baseline="0">
           <a:ln>
             <a:noFill/>
           </a:ln>
@@ -2251,7 +2332,7 @@
         <a:buFontTx/>
         <a:buNone/>
         <a:tabLst/>
-        <a:defRPr b="0" baseline="0" cap="none" i="0" spc="0" strike="noStrike" sz="8000" u="none">
+        <a:defRPr sz="8000" b="0" i="0" u="none" strike="noStrike" cap="none" spc="0" baseline="0">
           <a:ln>
             <a:noFill/>
           </a:ln>
@@ -2280,7 +2361,7 @@
         <a:buFontTx/>
         <a:buNone/>
         <a:tabLst/>
-        <a:defRPr b="0" baseline="0" cap="none" i="0" spc="0" strike="noStrike" sz="8000" u="none">
+        <a:defRPr sz="8000" b="0" i="0" u="none" strike="noStrike" cap="none" spc="0" baseline="0">
           <a:ln>
             <a:noFill/>
           </a:ln>
@@ -2311,7 +2392,7 @@
         <a:buFontTx/>
         <a:buChar char="•"/>
         <a:tabLst/>
-        <a:defRPr b="0" baseline="0" cap="none" i="0" spc="0" strike="noStrike" sz="3600" u="none">
+        <a:defRPr sz="3600" b="0" i="0" u="none" strike="noStrike" cap="none" spc="0" baseline="0">
           <a:ln>
             <a:noFill/>
           </a:ln>
@@ -2340,7 +2421,7 @@
         <a:buFontTx/>
         <a:buChar char="•"/>
         <a:tabLst/>
-        <a:defRPr b="0" baseline="0" cap="none" i="0" spc="0" strike="noStrike" sz="3600" u="none">
+        <a:defRPr sz="3600" b="0" i="0" u="none" strike="noStrike" cap="none" spc="0" baseline="0">
           <a:ln>
             <a:noFill/>
           </a:ln>
@@ -2369,7 +2450,7 @@
         <a:buFontTx/>
         <a:buChar char="•"/>
         <a:tabLst/>
-        <a:defRPr b="0" baseline="0" cap="none" i="0" spc="0" strike="noStrike" sz="3600" u="none">
+        <a:defRPr sz="3600" b="0" i="0" u="none" strike="noStrike" cap="none" spc="0" baseline="0">
           <a:ln>
             <a:noFill/>
           </a:ln>
@@ -2398,7 +2479,7 @@
         <a:buFontTx/>
         <a:buChar char="•"/>
         <a:tabLst/>
-        <a:defRPr b="0" baseline="0" cap="none" i="0" spc="0" strike="noStrike" sz="3600" u="none">
+        <a:defRPr sz="3600" b="0" i="0" u="none" strike="noStrike" cap="none" spc="0" baseline="0">
           <a:ln>
             <a:noFill/>
           </a:ln>
@@ -2427,7 +2508,7 @@
         <a:buFontTx/>
         <a:buChar char="•"/>
         <a:tabLst/>
-        <a:defRPr b="0" baseline="0" cap="none" i="0" spc="0" strike="noStrike" sz="3600" u="none">
+        <a:defRPr sz="3600" b="0" i="0" u="none" strike="noStrike" cap="none" spc="0" baseline="0">
           <a:ln>
             <a:noFill/>
           </a:ln>
@@ -2456,7 +2537,7 @@
         <a:buFontTx/>
         <a:buChar char="•"/>
         <a:tabLst/>
-        <a:defRPr b="0" baseline="0" cap="none" i="0" spc="0" strike="noStrike" sz="3600" u="none">
+        <a:defRPr sz="3600" b="0" i="0" u="none" strike="noStrike" cap="none" spc="0" baseline="0">
           <a:ln>
             <a:noFill/>
           </a:ln>
@@ -2485,7 +2566,7 @@
         <a:buFontTx/>
         <a:buChar char="•"/>
         <a:tabLst/>
-        <a:defRPr b="0" baseline="0" cap="none" i="0" spc="0" strike="noStrike" sz="3600" u="none">
+        <a:defRPr sz="3600" b="0" i="0" u="none" strike="noStrike" cap="none" spc="0" baseline="0">
           <a:ln>
             <a:noFill/>
           </a:ln>
@@ -2514,7 +2595,7 @@
         <a:buFontTx/>
         <a:buChar char="•"/>
         <a:tabLst/>
-        <a:defRPr b="0" baseline="0" cap="none" i="0" spc="0" strike="noStrike" sz="3600" u="none">
+        <a:defRPr sz="3600" b="0" i="0" u="none" strike="noStrike" cap="none" spc="0" baseline="0">
           <a:ln>
             <a:noFill/>
           </a:ln>
@@ -2543,7 +2624,7 @@
         <a:buFontTx/>
         <a:buChar char="•"/>
         <a:tabLst/>
-        <a:defRPr b="0" baseline="0" cap="none" i="0" spc="0" strike="noStrike" sz="3600" u="none">
+        <a:defRPr sz="3600" b="0" i="0" u="none" strike="noStrike" cap="none" spc="0" baseline="0">
           <a:ln>
             <a:noFill/>
           </a:ln>
@@ -2574,7 +2655,7 @@
         <a:buFontTx/>
         <a:buNone/>
         <a:tabLst/>
-        <a:defRPr b="0" baseline="0" cap="none" i="0" spc="0" strike="noStrike" sz="1800" u="none">
+        <a:defRPr sz="1800" b="0" i="0" u="none" strike="noStrike" cap="none" spc="0" baseline="0">
           <a:ln>
             <a:noFill/>
           </a:ln>
@@ -2603,7 +2684,7 @@
         <a:buFontTx/>
         <a:buNone/>
         <a:tabLst/>
-        <a:defRPr b="0" baseline="0" cap="none" i="0" spc="0" strike="noStrike" sz="1800" u="none">
+        <a:defRPr sz="1800" b="0" i="0" u="none" strike="noStrike" cap="none" spc="0" baseline="0">
           <a:ln>
             <a:noFill/>
           </a:ln>
@@ -2632,7 +2713,7 @@
         <a:buFontTx/>
         <a:buNone/>
         <a:tabLst/>
-        <a:defRPr b="0" baseline="0" cap="none" i="0" spc="0" strike="noStrike" sz="1800" u="none">
+        <a:defRPr sz="1800" b="0" i="0" u="none" strike="noStrike" cap="none" spc="0" baseline="0">
           <a:ln>
             <a:noFill/>
           </a:ln>
@@ -2661,7 +2742,7 @@
         <a:buFontTx/>
         <a:buNone/>
         <a:tabLst/>
-        <a:defRPr b="0" baseline="0" cap="none" i="0" spc="0" strike="noStrike" sz="1800" u="none">
+        <a:defRPr sz="1800" b="0" i="0" u="none" strike="noStrike" cap="none" spc="0" baseline="0">
           <a:ln>
             <a:noFill/>
           </a:ln>
@@ -2690,7 +2771,7 @@
         <a:buFontTx/>
         <a:buNone/>
         <a:tabLst/>
-        <a:defRPr b="0" baseline="0" cap="none" i="0" spc="0" strike="noStrike" sz="1800" u="none">
+        <a:defRPr sz="1800" b="0" i="0" u="none" strike="noStrike" cap="none" spc="0" baseline="0">
           <a:ln>
             <a:noFill/>
           </a:ln>
@@ -2719,7 +2800,7 @@
         <a:buFontTx/>
         <a:buNone/>
         <a:tabLst/>
-        <a:defRPr b="0" baseline="0" cap="none" i="0" spc="0" strike="noStrike" sz="1800" u="none">
+        <a:defRPr sz="1800" b="0" i="0" u="none" strike="noStrike" cap="none" spc="0" baseline="0">
           <a:ln>
             <a:noFill/>
           </a:ln>
@@ -2748,7 +2829,7 @@
         <a:buFontTx/>
         <a:buNone/>
         <a:tabLst/>
-        <a:defRPr b="0" baseline="0" cap="none" i="0" spc="0" strike="noStrike" sz="1800" u="none">
+        <a:defRPr sz="1800" b="0" i="0" u="none" strike="noStrike" cap="none" spc="0" baseline="0">
           <a:ln>
             <a:noFill/>
           </a:ln>
@@ -2777,7 +2858,7 @@
         <a:buFontTx/>
         <a:buNone/>
         <a:tabLst/>
-        <a:defRPr b="0" baseline="0" cap="none" i="0" spc="0" strike="noStrike" sz="1800" u="none">
+        <a:defRPr sz="1800" b="0" i="0" u="none" strike="noStrike" cap="none" spc="0" baseline="0">
           <a:ln>
             <a:noFill/>
           </a:ln>
@@ -2806,7 +2887,7 @@
         <a:buFontTx/>
         <a:buNone/>
         <a:tabLst/>
-        <a:defRPr b="0" baseline="0" cap="none" i="0" spc="0" strike="noStrike" sz="1800" u="none">
+        <a:defRPr sz="1800" b="0" i="0" u="none" strike="noStrike" cap="none" spc="0" baseline="0">
           <a:ln>
             <a:noFill/>
           </a:ln>
@@ -2826,13 +2907,14 @@
 </file>
 
 <file path=ppt/slides/slide1.xml><?xml version="1.0" encoding="utf-8"?>
-<p:sld xmlns:a="http://schemas.openxmlformats.org/drawingml/2006/main" xmlns:r="http://schemas.openxmlformats.org/officeDocument/2006/relationships" xmlns:p="http://schemas.openxmlformats.org/presentationml/2006/main" showMasterSp="1" showMasterPhAnim="1">
+<p:sld xmlns:a="http://schemas.openxmlformats.org/drawingml/2006/main" xmlns:r="http://schemas.openxmlformats.org/officeDocument/2006/relationships" xmlns:p="http://schemas.openxmlformats.org/presentationml/2006/main">
   <p:cSld>
     <p:bg>
       <p:bgPr>
         <a:solidFill>
           <a:srgbClr val="DCDEE0"/>
         </a:solidFill>
+        <a:effectLst/>
       </p:bgPr>
     </p:bg>
     <p:spTree>
@@ -2852,7 +2934,9 @@
       <p:sp>
         <p:nvSpPr>
           <p:cNvPr id="111" name="סולמות"/>
-          <p:cNvSpPr txBox="1"/>
+          <p:cNvSpPr txBox="1">
+            <a:spLocks noGrp="1"/>
+          </p:cNvSpPr>
           <p:nvPr>
             <p:ph type="ctrTitle"/>
           </p:nvPr>
@@ -2874,7 +2958,6 @@
             </a:lvl1pPr>
           </a:lstStyle>
           <a:p>
-            <a:pPr/>
             <a:r>
               <a:t>סולמות</a:t>
             </a:r>
@@ -2884,7 +2967,9 @@
       <p:sp>
         <p:nvSpPr>
           <p:cNvPr id="112" name="אפליקציית אנדרואיד מבוססת פסוקים בארון הספרים היהודי"/>
-          <p:cNvSpPr txBox="1"/>
+          <p:cNvSpPr txBox="1">
+            <a:spLocks noGrp="1"/>
+          </p:cNvSpPr>
           <p:nvPr>
             <p:ph type="subTitle" sz="quarter" idx="1"/>
           </p:nvPr>
@@ -2906,7 +2991,6 @@
             </a:lvl1pPr>
           </a:lstStyle>
           <a:p>
-            <a:pPr/>
             <a:r>
               <a:t>אפליקציית אנדרואיד מבוססת פסוקים בארון הספרים היהודי</a:t>
             </a:r>
@@ -2932,7 +3016,7 @@
           </a:ln>
           <a:extLst>
             <a:ext uri="{C572A759-6A51-4108-AA02-DFA0A04FC94B}">
-              <ma14:wrappingTextBoxFlag xmlns:ma14="http://schemas.microsoft.com/office/mac/drawingml/2011/main" val="1"/>
+              <ma14:wrappingTextBoxFlag xmlns:ma14="http://schemas.microsoft.com/office/mac/drawingml/2011/main" xmlns="" val="1"/>
             </a:ext>
           </a:extLst>
         </p:spPr>
@@ -2946,7 +3030,6 @@
             </a:lvl1pPr>
           </a:lstStyle>
           <a:p>
-            <a:pPr/>
             <a:r>
               <a:t>מנחה - ד״ר אורן משלי</a:t>
             </a:r>
@@ -2972,7 +3055,7 @@
           </a:ln>
           <a:extLst>
             <a:ext uri="{C572A759-6A51-4108-AA02-DFA0A04FC94B}">
-              <ma14:wrappingTextBoxFlag xmlns:ma14="http://schemas.microsoft.com/office/mac/drawingml/2011/main" val="1"/>
+              <ma14:wrappingTextBoxFlag xmlns:ma14="http://schemas.microsoft.com/office/mac/drawingml/2011/main" xmlns="" val="1"/>
             </a:ext>
           </a:extLst>
         </p:spPr>
@@ -2986,102 +3069,37 @@
             </a:lvl1pPr>
           </a:lstStyle>
           <a:p>
-            <a:pPr/>
             <a:r>
               <a:t>מגיש - תומר לוינסון</a:t>
             </a:r>
           </a:p>
         </p:txBody>
       </p:sp>
-      <p:pic>
-        <p:nvPicPr>
-          <p:cNvPr id="115" name="sulamot_icon.png" descr="sulamot_icon.png"/>
-          <p:cNvPicPr>
-            <a:picLocks noChangeAspect="1"/>
-          </p:cNvPicPr>
-          <p:nvPr/>
-        </p:nvPicPr>
-        <p:blipFill>
-          <a:blip r:embed="rId2">
-            <a:extLst/>
-          </a:blip>
-          <a:stretch>
-            <a:fillRect/>
-          </a:stretch>
-        </p:blipFill>
-        <p:spPr>
-          <a:xfrm>
-            <a:off x="3390900" y="2392164"/>
-            <a:ext cx="914400" cy="914402"/>
-          </a:xfrm>
-          <a:prstGeom prst="rect">
-            <a:avLst/>
-          </a:prstGeom>
-          <a:ln w="12700">
-            <a:miter lim="400000"/>
-          </a:ln>
-          <a:effectLst>
-            <a:outerShdw sx="100000" sy="100000" kx="0" ky="0" algn="b" rotWithShape="0" blurRad="38100" dist="25400" dir="5400000">
-              <a:srgbClr val="000000">
-                <a:alpha val="50000"/>
-              </a:srgbClr>
-            </a:outerShdw>
-          </a:effectLst>
-        </p:spPr>
-      </p:pic>
-      <p:pic>
-        <p:nvPicPr>
-          <p:cNvPr id="116" name="sulamot_icon.png" descr="sulamot_icon.png"/>
-          <p:cNvPicPr>
-            <a:picLocks noChangeAspect="1"/>
-          </p:cNvPicPr>
-          <p:nvPr/>
-        </p:nvPicPr>
-        <p:blipFill>
-          <a:blip r:embed="rId2">
-            <a:extLst/>
-          </a:blip>
-          <a:stretch>
-            <a:fillRect/>
-          </a:stretch>
-        </p:blipFill>
-        <p:spPr>
-          <a:xfrm>
-            <a:off x="8521700" y="2392164"/>
-            <a:ext cx="914400" cy="914402"/>
-          </a:xfrm>
-          <a:prstGeom prst="rect">
-            <a:avLst/>
-          </a:prstGeom>
-          <a:ln w="12700">
-            <a:miter lim="400000"/>
-          </a:ln>
-          <a:effectLst>
-            <a:outerShdw sx="100000" sy="100000" kx="0" ky="0" algn="b" rotWithShape="0" blurRad="38100" dist="25400" dir="5400000">
-              <a:srgbClr val="000000">
-                <a:alpha val="50000"/>
-              </a:srgbClr>
-            </a:outerShdw>
-          </a:effectLst>
-        </p:spPr>
-      </p:pic>
     </p:spTree>
   </p:cSld>
   <p:clrMapOvr>
     <a:masterClrMapping/>
   </p:clrMapOvr>
-  <p:transition xmlns:p14="http://schemas.microsoft.com/office/powerpoint/2010/main" spd="med" advClick="1"/>
+  <p:transition spd="med"/>
+  <p:timing>
+    <p:tnLst>
+      <p:par>
+        <p:cTn id="1" dur="indefinite" restart="never" nodeType="tmRoot"/>
+      </p:par>
+    </p:tnLst>
+  </p:timing>
 </p:sld>
 </file>
 
 <file path=ppt/slides/slide10.xml><?xml version="1.0" encoding="utf-8"?>
-<p:sld xmlns:a="http://schemas.openxmlformats.org/drawingml/2006/main" xmlns:r="http://schemas.openxmlformats.org/officeDocument/2006/relationships" xmlns:p="http://schemas.openxmlformats.org/presentationml/2006/main" showMasterSp="1" showMasterPhAnim="1">
+<p:sld xmlns:a="http://schemas.openxmlformats.org/drawingml/2006/main" xmlns:r="http://schemas.openxmlformats.org/officeDocument/2006/relationships" xmlns:p="http://schemas.openxmlformats.org/presentationml/2006/main">
   <p:cSld>
     <p:bg>
       <p:bgPr>
         <a:solidFill>
           <a:srgbClr val="DCDEE0"/>
         </a:solidFill>
+        <a:effectLst/>
       </p:bgPr>
     </p:bg>
     <p:spTree>
@@ -3100,8 +3118,10 @@
       </p:grpSpPr>
       <p:sp>
         <p:nvSpPr>
-          <p:cNvPr id="154" name="שימוש באפליקציה"/>
-          <p:cNvSpPr txBox="1"/>
+          <p:cNvPr id="144" name="שימוש באפליקציה"/>
+          <p:cNvSpPr txBox="1">
+            <a:spLocks noGrp="1"/>
+          </p:cNvSpPr>
           <p:nvPr>
             <p:ph type="title"/>
           </p:nvPr>
@@ -3123,7 +3143,530 @@
             </a:lvl1pPr>
           </a:lstStyle>
           <a:p>
-            <a:pPr/>
+            <a:r>
+              <a:t>שימוש באפליקציה</a:t>
+            </a:r>
+          </a:p>
+        </p:txBody>
+      </p:sp>
+      <p:sp>
+        <p:nvSpPr>
+          <p:cNvPr id="145" name="כעת נסנן את המקורות על ידי לחיצה על אייקון הסינון (בצד שמאל למעלה) ונבחר במדרשי אגדה. לאחר מכן נלחץ על ״בחר״."/>
+          <p:cNvSpPr txBox="1"/>
+          <p:nvPr/>
+        </p:nvSpPr>
+        <p:spPr>
+          <a:xfrm>
+            <a:off x="2179010" y="2184399"/>
+            <a:ext cx="8382214" cy="711201"/>
+          </a:xfrm>
+          <a:prstGeom prst="rect">
+            <a:avLst/>
+          </a:prstGeom>
+          <a:ln w="12700">
+            <a:miter lim="400000"/>
+          </a:ln>
+          <a:extLst>
+            <a:ext uri="{C572A759-6A51-4108-AA02-DFA0A04FC94B}">
+              <ma14:wrappingTextBoxFlag xmlns:ma14="http://schemas.microsoft.com/office/mac/drawingml/2011/main" xmlns="" val="1"/>
+            </a:ext>
+          </a:extLst>
+        </p:spPr>
+        <p:txBody>
+          <a:bodyPr lIns="50800" tIns="50800" rIns="50800" bIns="50800" anchor="ctr">
+            <a:spAutoFit/>
+          </a:bodyPr>
+          <a:lstStyle>
+            <a:lvl1pPr algn="r" rtl="1">
+              <a:defRPr sz="2000"/>
+            </a:lvl1pPr>
+          </a:lstStyle>
+          <a:p>
+            <a:r>
+              <a:rPr dirty="0" err="1"/>
+              <a:t>כעת</a:t>
+            </a:r>
+            <a:r>
+              <a:rPr dirty="0"/>
+              <a:t> </a:t>
+            </a:r>
+            <a:r>
+              <a:rPr dirty="0" err="1"/>
+              <a:t>נסנן</a:t>
+            </a:r>
+            <a:r>
+              <a:rPr dirty="0"/>
+              <a:t> </a:t>
+            </a:r>
+            <a:r>
+              <a:rPr dirty="0" err="1"/>
+              <a:t>את</a:t>
+            </a:r>
+            <a:r>
+              <a:rPr dirty="0"/>
+              <a:t> </a:t>
+            </a:r>
+            <a:r>
+              <a:rPr dirty="0" err="1"/>
+              <a:t>המקורות</a:t>
+            </a:r>
+            <a:r>
+              <a:rPr dirty="0"/>
+              <a:t> </a:t>
+            </a:r>
+            <a:r>
+              <a:rPr dirty="0" err="1"/>
+              <a:t>על</a:t>
+            </a:r>
+            <a:r>
+              <a:rPr dirty="0"/>
+              <a:t> </a:t>
+            </a:r>
+            <a:r>
+              <a:rPr dirty="0" err="1"/>
+              <a:t>ידי</a:t>
+            </a:r>
+            <a:r>
+              <a:rPr dirty="0"/>
+              <a:t> </a:t>
+            </a:r>
+            <a:r>
+              <a:rPr dirty="0" err="1"/>
+              <a:t>לחיצה</a:t>
+            </a:r>
+            <a:r>
+              <a:rPr dirty="0"/>
+              <a:t> </a:t>
+            </a:r>
+            <a:r>
+              <a:rPr dirty="0" err="1"/>
+              <a:t>על</a:t>
+            </a:r>
+            <a:r>
+              <a:rPr dirty="0"/>
+              <a:t> </a:t>
+            </a:r>
+            <a:r>
+              <a:rPr dirty="0" err="1"/>
+              <a:t>אייקון</a:t>
+            </a:r>
+            <a:r>
+              <a:rPr dirty="0"/>
+              <a:t> </a:t>
+            </a:r>
+            <a:r>
+              <a:rPr dirty="0" err="1" smtClean="0"/>
+              <a:t>הסינון</a:t>
+            </a:r>
+            <a:r>
+              <a:rPr lang="he-IL" dirty="0" smtClean="0"/>
+              <a:t>(</a:t>
+            </a:r>
+            <a:r>
+              <a:rPr dirty="0" err="1" smtClean="0"/>
+              <a:t>בצד</a:t>
+            </a:r>
+            <a:r>
+              <a:rPr dirty="0" smtClean="0"/>
+              <a:t> </a:t>
+            </a:r>
+            <a:r>
+              <a:rPr dirty="0" err="1"/>
+              <a:t>שמאל</a:t>
+            </a:r>
+            <a:r>
+              <a:rPr dirty="0"/>
+              <a:t> </a:t>
+            </a:r>
+            <a:r>
+              <a:rPr dirty="0" err="1" smtClean="0"/>
+              <a:t>למעלה</a:t>
+            </a:r>
+            <a:r>
+              <a:rPr lang="he-IL" dirty="0" smtClean="0"/>
+              <a:t>) </a:t>
+            </a:r>
+            <a:r>
+              <a:rPr dirty="0" err="1" smtClean="0"/>
+              <a:t>ונבחר</a:t>
+            </a:r>
+            <a:r>
+              <a:rPr dirty="0" smtClean="0"/>
+              <a:t> </a:t>
+            </a:r>
+            <a:r>
+              <a:rPr dirty="0" err="1"/>
+              <a:t>במדרשי</a:t>
+            </a:r>
+            <a:r>
+              <a:rPr dirty="0"/>
+              <a:t> </a:t>
+            </a:r>
+            <a:r>
+              <a:rPr dirty="0" err="1"/>
+              <a:t>אגדה</a:t>
+            </a:r>
+            <a:r>
+              <a:rPr dirty="0"/>
+              <a:t>. </a:t>
+            </a:r>
+            <a:r>
+              <a:rPr dirty="0" err="1"/>
+              <a:t>לאחר</a:t>
+            </a:r>
+            <a:r>
+              <a:rPr dirty="0"/>
+              <a:t> </a:t>
+            </a:r>
+            <a:r>
+              <a:rPr dirty="0" err="1"/>
+              <a:t>מכן</a:t>
+            </a:r>
+            <a:r>
+              <a:rPr dirty="0"/>
+              <a:t> </a:t>
+            </a:r>
+            <a:r>
+              <a:rPr dirty="0" err="1"/>
+              <a:t>נלחץ</a:t>
+            </a:r>
+            <a:r>
+              <a:rPr dirty="0"/>
+              <a:t> </a:t>
+            </a:r>
+            <a:r>
+              <a:rPr dirty="0" err="1"/>
+              <a:t>על</a:t>
+            </a:r>
+            <a:r>
+              <a:rPr dirty="0"/>
+              <a:t> ״</a:t>
+            </a:r>
+            <a:r>
+              <a:rPr dirty="0" err="1"/>
+              <a:t>בחר</a:t>
+            </a:r>
+            <a:r>
+              <a:rPr dirty="0"/>
+              <a:t>״.</a:t>
+            </a:r>
+          </a:p>
+        </p:txBody>
+      </p:sp>
+      <p:pic>
+        <p:nvPicPr>
+          <p:cNvPr id="146" name="Image" descr="Image"/>
+          <p:cNvPicPr>
+            <a:picLocks noChangeAspect="1"/>
+          </p:cNvPicPr>
+          <p:nvPr/>
+        </p:nvPicPr>
+        <p:blipFill>
+          <a:blip r:embed="rId2">
+            <a:extLst/>
+          </a:blip>
+          <a:stretch>
+            <a:fillRect/>
+          </a:stretch>
+        </p:blipFill>
+        <p:spPr>
+          <a:xfrm>
+            <a:off x="1796498" y="3049577"/>
+            <a:ext cx="3722204" cy="5884873"/>
+          </a:xfrm>
+          <a:prstGeom prst="rect">
+            <a:avLst/>
+          </a:prstGeom>
+          <a:ln w="12700">
+            <a:miter lim="400000"/>
+          </a:ln>
+        </p:spPr>
+      </p:pic>
+      <p:pic>
+        <p:nvPicPr>
+          <p:cNvPr id="147" name="Image" descr="Image"/>
+          <p:cNvPicPr>
+            <a:picLocks noChangeAspect="1"/>
+          </p:cNvPicPr>
+          <p:nvPr/>
+        </p:nvPicPr>
+        <p:blipFill>
+          <a:blip r:embed="rId3">
+            <a:extLst/>
+          </a:blip>
+          <a:stretch>
+            <a:fillRect/>
+          </a:stretch>
+        </p:blipFill>
+        <p:spPr>
+          <a:xfrm>
+            <a:off x="7392386" y="3025338"/>
+            <a:ext cx="3704010" cy="5884875"/>
+          </a:xfrm>
+          <a:prstGeom prst="rect">
+            <a:avLst/>
+          </a:prstGeom>
+          <a:ln w="12700">
+            <a:miter lim="400000"/>
+          </a:ln>
+        </p:spPr>
+      </p:pic>
+      <p:sp>
+        <p:nvSpPr>
+          <p:cNvPr id="148" name="Arrow"/>
+          <p:cNvSpPr/>
+          <p:nvPr/>
+        </p:nvSpPr>
+        <p:spPr>
+          <a:xfrm>
+            <a:off x="5867400" y="5118100"/>
+            <a:ext cx="1270000" cy="1270000"/>
+          </a:xfrm>
+          <a:prstGeom prst="rightArrow">
+            <a:avLst>
+              <a:gd name="adj1" fmla="val 32000"/>
+              <a:gd name="adj2" fmla="val 64000"/>
+            </a:avLst>
+          </a:prstGeom>
+          <a:blipFill>
+            <a:blip r:embed="rId4"/>
+          </a:blipFill>
+          <a:ln w="12700">
+            <a:miter lim="400000"/>
+          </a:ln>
+          <a:effectLst>
+            <a:outerShdw blurRad="38100" dist="25400" dir="5400000" rotWithShape="0">
+              <a:srgbClr val="000000">
+                <a:alpha val="50000"/>
+              </a:srgbClr>
+            </a:outerShdw>
+          </a:effectLst>
+        </p:spPr>
+        <p:txBody>
+          <a:bodyPr lIns="50800" tIns="50800" rIns="50800" bIns="50800" anchor="ctr"/>
+          <a:lstStyle/>
+          <a:p>
+            <a:pPr>
+              <a:defRPr sz="2400">
+                <a:solidFill>
+                  <a:srgbClr val="FFFFFF"/>
+                </a:solidFill>
+              </a:defRPr>
+            </a:pPr>
+            <a:endParaRPr/>
+          </a:p>
+        </p:txBody>
+      </p:sp>
+    </p:spTree>
+  </p:cSld>
+  <p:clrMapOvr>
+    <a:masterClrMapping/>
+  </p:clrMapOvr>
+  <p:transition spd="med"/>
+  <p:timing>
+    <p:tnLst>
+      <p:par>
+        <p:cTn id="1" dur="indefinite" restart="never" nodeType="tmRoot"/>
+      </p:par>
+    </p:tnLst>
+  </p:timing>
+</p:sld>
+</file>
+
+<file path=ppt/slides/slide11.xml><?xml version="1.0" encoding="utf-8"?>
+<p:sld xmlns:a="http://schemas.openxmlformats.org/drawingml/2006/main" xmlns:r="http://schemas.openxmlformats.org/officeDocument/2006/relationships" xmlns:p="http://schemas.openxmlformats.org/presentationml/2006/main">
+  <p:cSld>
+    <p:bg>
+      <p:bgPr>
+        <a:solidFill>
+          <a:srgbClr val="DCDEE0"/>
+        </a:solidFill>
+        <a:effectLst/>
+      </p:bgPr>
+    </p:bg>
+    <p:spTree>
+      <p:nvGrpSpPr>
+        <p:cNvPr id="1" name=""/>
+        <p:cNvGrpSpPr/>
+        <p:nvPr/>
+      </p:nvGrpSpPr>
+      <p:grpSpPr>
+        <a:xfrm>
+          <a:off x="0" y="0"/>
+          <a:ext cx="0" cy="0"/>
+          <a:chOff x="0" y="0"/>
+          <a:chExt cx="0" cy="0"/>
+        </a:xfrm>
+      </p:grpSpPr>
+      <p:sp>
+        <p:nvSpPr>
+          <p:cNvPr id="150" name="שימוש באפליקציה"/>
+          <p:cNvSpPr txBox="1">
+            <a:spLocks noGrp="1"/>
+          </p:cNvSpPr>
+          <p:nvPr>
+            <p:ph type="title"/>
+          </p:nvPr>
+        </p:nvSpPr>
+        <p:spPr>
+          <a:xfrm>
+            <a:off x="952500" y="444500"/>
+            <a:ext cx="11099800" cy="2159000"/>
+          </a:xfrm>
+          <a:prstGeom prst="rect">
+            <a:avLst/>
+          </a:prstGeom>
+        </p:spPr>
+        <p:txBody>
+          <a:bodyPr/>
+          <a:lstStyle>
+            <a:lvl1pPr rtl="1">
+              <a:defRPr/>
+            </a:lvl1pPr>
+          </a:lstStyle>
+          <a:p>
+            <a:r>
+              <a:t>שימוש באפליקציה</a:t>
+            </a:r>
+          </a:p>
+        </p:txBody>
+      </p:sp>
+      <p:sp>
+        <p:nvSpPr>
+          <p:cNvPr id="151" name="כעת בטאב המקורות יופיעו המקורות, מפולטרים על ידי ״מדרשי אגדה״."/>
+          <p:cNvSpPr txBox="1"/>
+          <p:nvPr/>
+        </p:nvSpPr>
+        <p:spPr>
+          <a:xfrm>
+            <a:off x="1917519" y="2463800"/>
+            <a:ext cx="7907105" cy="406401"/>
+          </a:xfrm>
+          <a:prstGeom prst="rect">
+            <a:avLst/>
+          </a:prstGeom>
+          <a:ln w="12700">
+            <a:miter lim="400000"/>
+          </a:ln>
+          <a:extLst>
+            <a:ext uri="{C572A759-6A51-4108-AA02-DFA0A04FC94B}">
+              <ma14:wrappingTextBoxFlag xmlns:ma14="http://schemas.microsoft.com/office/mac/drawingml/2011/main" xmlns="" val="1"/>
+            </a:ext>
+          </a:extLst>
+        </p:spPr>
+        <p:txBody>
+          <a:bodyPr lIns="50800" tIns="50800" rIns="50800" bIns="50800" anchor="ctr">
+            <a:spAutoFit/>
+          </a:bodyPr>
+          <a:lstStyle>
+            <a:lvl1pPr algn="r" rtl="1">
+              <a:defRPr sz="2000"/>
+            </a:lvl1pPr>
+          </a:lstStyle>
+          <a:p>
+            <a:r>
+              <a:t>כעת בטאב המקורות יופיעו המקורות, מפולטרים על ידי ״מדרשי אגדה״.</a:t>
+            </a:r>
+          </a:p>
+        </p:txBody>
+      </p:sp>
+      <p:pic>
+        <p:nvPicPr>
+          <p:cNvPr id="152" name="Image" descr="Image"/>
+          <p:cNvPicPr>
+            <a:picLocks noChangeAspect="1"/>
+          </p:cNvPicPr>
+          <p:nvPr/>
+        </p:nvPicPr>
+        <p:blipFill>
+          <a:blip r:embed="rId2">
+            <a:extLst/>
+          </a:blip>
+          <a:stretch>
+            <a:fillRect/>
+          </a:stretch>
+        </p:blipFill>
+        <p:spPr>
+          <a:xfrm>
+            <a:off x="4137616" y="3287812"/>
+            <a:ext cx="3466911" cy="5463977"/>
+          </a:xfrm>
+          <a:prstGeom prst="rect">
+            <a:avLst/>
+          </a:prstGeom>
+          <a:ln w="12700">
+            <a:miter lim="400000"/>
+          </a:ln>
+        </p:spPr>
+      </p:pic>
+    </p:spTree>
+  </p:cSld>
+  <p:clrMapOvr>
+    <a:masterClrMapping/>
+  </p:clrMapOvr>
+  <p:transition spd="med"/>
+  <p:timing>
+    <p:tnLst>
+      <p:par>
+        <p:cTn id="1" dur="indefinite" restart="never" nodeType="tmRoot"/>
+      </p:par>
+    </p:tnLst>
+  </p:timing>
+</p:sld>
+</file>
+
+<file path=ppt/slides/slide12.xml><?xml version="1.0" encoding="utf-8"?>
+<p:sld xmlns:a="http://schemas.openxmlformats.org/drawingml/2006/main" xmlns:r="http://schemas.openxmlformats.org/officeDocument/2006/relationships" xmlns:p="http://schemas.openxmlformats.org/presentationml/2006/main">
+  <p:cSld>
+    <p:bg>
+      <p:bgPr>
+        <a:solidFill>
+          <a:srgbClr val="DCDEE0"/>
+        </a:solidFill>
+        <a:effectLst/>
+      </p:bgPr>
+    </p:bg>
+    <p:spTree>
+      <p:nvGrpSpPr>
+        <p:cNvPr id="1" name=""/>
+        <p:cNvGrpSpPr/>
+        <p:nvPr/>
+      </p:nvGrpSpPr>
+      <p:grpSpPr>
+        <a:xfrm>
+          <a:off x="0" y="0"/>
+          <a:ext cx="0" cy="0"/>
+          <a:chOff x="0" y="0"/>
+          <a:chExt cx="0" cy="0"/>
+        </a:xfrm>
+      </p:grpSpPr>
+      <p:sp>
+        <p:nvSpPr>
+          <p:cNvPr id="154" name="שימוש באפליקציה"/>
+          <p:cNvSpPr txBox="1">
+            <a:spLocks noGrp="1"/>
+          </p:cNvSpPr>
+          <p:nvPr>
+            <p:ph type="title"/>
+          </p:nvPr>
+        </p:nvSpPr>
+        <p:spPr>
+          <a:xfrm>
+            <a:off x="952500" y="444500"/>
+            <a:ext cx="11099800" cy="2159000"/>
+          </a:xfrm>
+          <a:prstGeom prst="rect">
+            <a:avLst/>
+          </a:prstGeom>
+        </p:spPr>
+        <p:txBody>
+          <a:bodyPr/>
+          <a:lstStyle>
+            <a:lvl1pPr rtl="1">
+              <a:defRPr/>
+            </a:lvl1pPr>
+          </a:lstStyle>
+          <a:p>
             <a:r>
               <a:t>שימוש באפליקציה</a:t>
             </a:r>
@@ -3149,7 +3692,7 @@
           </a:ln>
           <a:extLst>
             <a:ext uri="{C572A759-6A51-4108-AA02-DFA0A04FC94B}">
-              <ma14:wrappingTextBoxFlag xmlns:ma14="http://schemas.microsoft.com/office/mac/drawingml/2011/main" val="1"/>
+              <ma14:wrappingTextBoxFlag xmlns:ma14="http://schemas.microsoft.com/office/mac/drawingml/2011/main" xmlns="" val="1"/>
             </a:ext>
           </a:extLst>
         </p:spPr>
@@ -3163,7 +3706,6 @@
             </a:lvl1pPr>
           </a:lstStyle>
           <a:p>
-            <a:pPr/>
             <a:r>
               <a:t>נסמן את ״מדרש רבה יתרו כז ט״ בתור נבחר, ולאחר מכן נלחץ על המקור.</a:t>
             </a:r>
@@ -3252,7 +3794,7 @@
             <a:miter lim="400000"/>
           </a:ln>
           <a:effectLst>
-            <a:outerShdw sx="100000" sy="100000" kx="0" ky="0" algn="b" rotWithShape="0" blurRad="38100" dist="25400" dir="5400000">
+            <a:outerShdw blurRad="38100" dist="25400" dir="5400000" rotWithShape="0">
               <a:srgbClr val="000000">
                 <a:alpha val="50000"/>
               </a:srgbClr>
@@ -3270,6 +3812,7 @@
                 </a:solidFill>
               </a:defRPr>
             </a:pPr>
+            <a:endParaRPr/>
           </a:p>
         </p:txBody>
       </p:sp>
@@ -3278,18 +3821,26 @@
   <p:clrMapOvr>
     <a:masterClrMapping/>
   </p:clrMapOvr>
-  <p:transition xmlns:p14="http://schemas.microsoft.com/office/powerpoint/2010/main" spd="med" advClick="1"/>
+  <p:transition spd="med"/>
+  <p:timing>
+    <p:tnLst>
+      <p:par>
+        <p:cTn id="1" dur="indefinite" restart="never" nodeType="tmRoot"/>
+      </p:par>
+    </p:tnLst>
+  </p:timing>
 </p:sld>
 </file>
 
-<file path=ppt/slides/slide11.xml><?xml version="1.0" encoding="utf-8"?>
-<p:sld xmlns:a="http://schemas.openxmlformats.org/drawingml/2006/main" xmlns:r="http://schemas.openxmlformats.org/officeDocument/2006/relationships" xmlns:p="http://schemas.openxmlformats.org/presentationml/2006/main" showMasterSp="1" showMasterPhAnim="1">
+<file path=ppt/slides/slide13.xml><?xml version="1.0" encoding="utf-8"?>
+<p:sld xmlns:a="http://schemas.openxmlformats.org/drawingml/2006/main" xmlns:r="http://schemas.openxmlformats.org/officeDocument/2006/relationships" xmlns:p="http://schemas.openxmlformats.org/presentationml/2006/main">
   <p:cSld>
     <p:bg>
       <p:bgPr>
         <a:solidFill>
           <a:srgbClr val="DCDEE0"/>
         </a:solidFill>
+        <a:effectLst/>
       </p:bgPr>
     </p:bg>
     <p:spTree>
@@ -3309,7 +3860,9 @@
       <p:sp>
         <p:nvSpPr>
           <p:cNvPr id="160" name="שימוש באפליקציה"/>
-          <p:cNvSpPr txBox="1"/>
+          <p:cNvSpPr txBox="1">
+            <a:spLocks noGrp="1"/>
+          </p:cNvSpPr>
           <p:nvPr>
             <p:ph type="title"/>
           </p:nvPr>
@@ -3331,7 +3884,6 @@
             </a:lvl1pPr>
           </a:lstStyle>
           <a:p>
-            <a:pPr/>
             <a:r>
               <a:t>שימוש באפליקציה</a:t>
             </a:r>
@@ -3357,7 +3909,7 @@
           </a:ln>
           <a:extLst>
             <a:ext uri="{C572A759-6A51-4108-AA02-DFA0A04FC94B}">
-              <ma14:wrappingTextBoxFlag xmlns:ma14="http://schemas.microsoft.com/office/mac/drawingml/2011/main" val="1"/>
+              <ma14:wrappingTextBoxFlag xmlns:ma14="http://schemas.microsoft.com/office/mac/drawingml/2011/main" xmlns="" val="1"/>
             </a:ext>
           </a:extLst>
         </p:spPr>
@@ -3371,7 +3923,6 @@
             </a:lvl1pPr>
           </a:lstStyle>
           <a:p>
-            <a:pPr/>
             <a:r>
               <a:t>כעת אנו נמצאים במסך המקור והטקסט שלו מוצג. </a:t>
             </a:r>
@@ -3426,7 +3977,7 @@
           </a:ln>
           <a:extLst>
             <a:ext uri="{C572A759-6A51-4108-AA02-DFA0A04FC94B}">
-              <ma14:wrappingTextBoxFlag xmlns:ma14="http://schemas.microsoft.com/office/mac/drawingml/2011/main" val="1"/>
+              <ma14:wrappingTextBoxFlag xmlns:ma14="http://schemas.microsoft.com/office/mac/drawingml/2011/main" xmlns="" val="1"/>
             </a:ext>
           </a:extLst>
         </p:spPr>
@@ -3440,7 +3991,6 @@
             </a:lvl1pPr>
           </a:lstStyle>
           <a:p>
-            <a:pPr/>
             <a:r>
               <a:t>נשים לב שבטקסט המקור ישנו טקסט מודגש. הטקסט המודגש הינו חלקים מהפסוקים שבחרנו בשלבים הקודמים.</a:t>
             </a:r>
@@ -3466,7 +4016,7 @@
           </a:ln>
           <a:extLst>
             <a:ext uri="{C572A759-6A51-4108-AA02-DFA0A04FC94B}">
-              <ma14:wrappingTextBoxFlag xmlns:ma14="http://schemas.microsoft.com/office/mac/drawingml/2011/main" val="1"/>
+              <ma14:wrappingTextBoxFlag xmlns:ma14="http://schemas.microsoft.com/office/mac/drawingml/2011/main" xmlns="" val="1"/>
             </a:ext>
           </a:extLst>
         </p:spPr>
@@ -3480,7 +4030,6 @@
             </a:lvl1pPr>
           </a:lstStyle>
           <a:p>
-            <a:pPr/>
             <a:r>
               <a:t>פרט לכך ישנם גם כפתורי ״הבא״ ו״הקודם״ שהם מאפשרים לנו לעבור בין הדגשות במקור ביתר קלות.</a:t>
             </a:r>
@@ -3492,18 +4041,26 @@
   <p:clrMapOvr>
     <a:masterClrMapping/>
   </p:clrMapOvr>
-  <p:transition xmlns:p14="http://schemas.microsoft.com/office/powerpoint/2010/main" spd="med" advClick="1"/>
+  <p:transition spd="med"/>
+  <p:timing>
+    <p:tnLst>
+      <p:par>
+        <p:cTn id="1" dur="indefinite" restart="never" nodeType="tmRoot"/>
+      </p:par>
+    </p:tnLst>
+  </p:timing>
 </p:sld>
 </file>
 
-<file path=ppt/slides/slide12.xml><?xml version="1.0" encoding="utf-8"?>
-<p:sld xmlns:a="http://schemas.openxmlformats.org/drawingml/2006/main" xmlns:r="http://schemas.openxmlformats.org/officeDocument/2006/relationships" xmlns:p="http://schemas.openxmlformats.org/presentationml/2006/main" showMasterSp="1" showMasterPhAnim="1">
+<file path=ppt/slides/slide14.xml><?xml version="1.0" encoding="utf-8"?>
+<p:sld xmlns:a="http://schemas.openxmlformats.org/drawingml/2006/main" xmlns:r="http://schemas.openxmlformats.org/officeDocument/2006/relationships" xmlns:p="http://schemas.openxmlformats.org/presentationml/2006/main">
   <p:cSld>
     <p:bg>
       <p:bgPr>
         <a:solidFill>
           <a:srgbClr val="DCDEE0"/>
         </a:solidFill>
+        <a:effectLst/>
       </p:bgPr>
     </p:bg>
     <p:spTree>
@@ -3523,7 +4080,9 @@
       <p:sp>
         <p:nvSpPr>
           <p:cNvPr id="166" name="שימוש באפליקציה"/>
-          <p:cNvSpPr txBox="1"/>
+          <p:cNvSpPr txBox="1">
+            <a:spLocks noGrp="1"/>
+          </p:cNvSpPr>
           <p:nvPr>
             <p:ph type="title"/>
           </p:nvPr>
@@ -3545,7 +4104,6 @@
             </a:lvl1pPr>
           </a:lstStyle>
           <a:p>
-            <a:pPr/>
             <a:r>
               <a:t>שימוש באפליקציה</a:t>
             </a:r>
@@ -3571,7 +4129,7 @@
           </a:ln>
           <a:extLst>
             <a:ext uri="{C572A759-6A51-4108-AA02-DFA0A04FC94B}">
-              <ma14:wrappingTextBoxFlag xmlns:ma14="http://schemas.microsoft.com/office/mac/drawingml/2011/main" val="1"/>
+              <ma14:wrappingTextBoxFlag xmlns:ma14="http://schemas.microsoft.com/office/mac/drawingml/2011/main" xmlns="" val="1"/>
             </a:ext>
           </a:extLst>
         </p:spPr>
@@ -3585,7 +4143,6 @@
             </a:lvl1pPr>
           </a:lstStyle>
           <a:p>
-            <a:pPr/>
             <a:r>
               <a:t>נחזור כעת למסך הקודם ונלך לטאב הנבחרים. באפשרותינו יהיה להכנס לקרוא את המקור שסימנו בטאב המקורות בתור ״נבחר״ בכל עת כעת. (אך ללא הדגשות)</a:t>
             </a:r>
@@ -3640,7 +4197,7 @@
           </a:ln>
           <a:extLst>
             <a:ext uri="{C572A759-6A51-4108-AA02-DFA0A04FC94B}">
-              <ma14:wrappingTextBoxFlag xmlns:ma14="http://schemas.microsoft.com/office/mac/drawingml/2011/main" val="1"/>
+              <ma14:wrappingTextBoxFlag xmlns:ma14="http://schemas.microsoft.com/office/mac/drawingml/2011/main" xmlns="" val="1"/>
             </a:ext>
           </a:extLst>
         </p:spPr>
@@ -3654,7 +4211,6 @@
             </a:lvl1pPr>
           </a:lstStyle>
           <a:p>
-            <a:pPr/>
             <a:r>
               <a:t>על מנת להסיר מקור מהנבחרים, יהיה עלינו ללחוץ על אייקון הלב. </a:t>
             </a:r>
@@ -3666,18 +4222,26 @@
   <p:clrMapOvr>
     <a:masterClrMapping/>
   </p:clrMapOvr>
-  <p:transition xmlns:p14="http://schemas.microsoft.com/office/powerpoint/2010/main" spd="med" advClick="1"/>
+  <p:transition spd="med"/>
+  <p:timing>
+    <p:tnLst>
+      <p:par>
+        <p:cTn id="1" dur="indefinite" restart="never" nodeType="tmRoot"/>
+      </p:par>
+    </p:tnLst>
+  </p:timing>
 </p:sld>
 </file>
 
-<file path=ppt/slides/slide13.xml><?xml version="1.0" encoding="utf-8"?>
-<p:sld xmlns:a="http://schemas.openxmlformats.org/drawingml/2006/main" xmlns:r="http://schemas.openxmlformats.org/officeDocument/2006/relationships" xmlns:p="http://schemas.openxmlformats.org/presentationml/2006/main" showMasterSp="1" showMasterPhAnim="1">
+<file path=ppt/slides/slide15.xml><?xml version="1.0" encoding="utf-8"?>
+<p:sld xmlns:a="http://schemas.openxmlformats.org/drawingml/2006/main" xmlns:r="http://schemas.openxmlformats.org/officeDocument/2006/relationships" xmlns:p="http://schemas.openxmlformats.org/presentationml/2006/main">
   <p:cSld>
     <p:bg>
       <p:bgPr>
         <a:solidFill>
           <a:srgbClr val="DCDEE0"/>
         </a:solidFill>
+        <a:effectLst/>
       </p:bgPr>
     </p:bg>
     <p:spTree>
@@ -3697,7 +4261,9 @@
       <p:sp>
         <p:nvSpPr>
           <p:cNvPr id="171" name="שימוש באפליקציה"/>
-          <p:cNvSpPr txBox="1"/>
+          <p:cNvSpPr txBox="1">
+            <a:spLocks noGrp="1"/>
+          </p:cNvSpPr>
           <p:nvPr>
             <p:ph type="title"/>
           </p:nvPr>
@@ -3719,7 +4285,6 @@
             </a:lvl1pPr>
           </a:lstStyle>
           <a:p>
-            <a:pPr/>
             <a:r>
               <a:t>שימוש באפליקציה</a:t>
             </a:r>
@@ -3745,7 +4310,7 @@
           </a:ln>
           <a:extLst>
             <a:ext uri="{C572A759-6A51-4108-AA02-DFA0A04FC94B}">
-              <ma14:wrappingTextBoxFlag xmlns:ma14="http://schemas.microsoft.com/office/mac/drawingml/2011/main" val="1"/>
+              <ma14:wrappingTextBoxFlag xmlns:ma14="http://schemas.microsoft.com/office/mac/drawingml/2011/main" xmlns="" val="1"/>
             </a:ext>
           </a:extLst>
         </p:spPr>
@@ -3759,7 +4324,6 @@
             </a:lvl1pPr>
           </a:lstStyle>
           <a:p>
-            <a:pPr/>
             <a:r>
               <a:t>נכנס כעת, לטקסט של ״מדרש רבה יתרו כז ט״. נוכל לשים לב לכמה דברים:</a:t>
             </a:r>
@@ -3814,7 +4378,7 @@
           </a:ln>
           <a:extLst>
             <a:ext uri="{C572A759-6A51-4108-AA02-DFA0A04FC94B}">
-              <ma14:wrappingTextBoxFlag xmlns:ma14="http://schemas.microsoft.com/office/mac/drawingml/2011/main" val="1"/>
+              <ma14:wrappingTextBoxFlag xmlns:ma14="http://schemas.microsoft.com/office/mac/drawingml/2011/main" xmlns="" val="1"/>
             </a:ext>
           </a:extLst>
         </p:spPr>
@@ -3828,9 +4392,73 @@
             </a:lvl1pPr>
           </a:lstStyle>
           <a:p>
-            <a:pPr/>
-            <a:r>
-              <a:t>1) הטקסט איננו מודגש כמו הטקסט הנגיש מטאב המקורות.</a:t>
+            <a:r>
+              <a:rPr lang="he-IL" dirty="0" smtClean="0"/>
+              <a:t>1) </a:t>
+            </a:r>
+            <a:r>
+              <a:rPr dirty="0" err="1" smtClean="0"/>
+              <a:t>הטקסט</a:t>
+            </a:r>
+            <a:r>
+              <a:rPr dirty="0" smtClean="0"/>
+              <a:t> </a:t>
+            </a:r>
+            <a:r>
+              <a:rPr dirty="0" err="1"/>
+              <a:t>איננו</a:t>
+            </a:r>
+            <a:r>
+              <a:rPr dirty="0"/>
+              <a:t> </a:t>
+            </a:r>
+            <a:r>
+              <a:rPr dirty="0" err="1"/>
+              <a:t>מודגש</a:t>
+            </a:r>
+            <a:r>
+              <a:rPr dirty="0"/>
+              <a:t> </a:t>
+            </a:r>
+            <a:r>
+              <a:rPr dirty="0" err="1"/>
+              <a:t>כמו</a:t>
+            </a:r>
+            <a:r>
+              <a:rPr dirty="0"/>
+              <a:t> </a:t>
+            </a:r>
+            <a:r>
+              <a:rPr dirty="0" err="1"/>
+              <a:t>הטקסט</a:t>
+            </a:r>
+            <a:r>
+              <a:rPr dirty="0"/>
+              <a:t> </a:t>
+            </a:r>
+            <a:r>
+              <a:rPr dirty="0" err="1"/>
+              <a:t>הנגיש</a:t>
+            </a:r>
+            <a:r>
+              <a:rPr dirty="0"/>
+              <a:t> </a:t>
+            </a:r>
+            <a:r>
+              <a:rPr dirty="0" err="1"/>
+              <a:t>מטאב</a:t>
+            </a:r>
+            <a:r>
+              <a:rPr dirty="0"/>
+              <a:t> </a:t>
+            </a:r>
+            <a:r>
+              <a:rPr dirty="0" err="1"/>
+              <a:t>המקורות</a:t>
+            </a:r>
+            <a:r>
+              <a:rPr dirty="0"/>
+              <a:t>.</a:t>
             </a:r>
           </a:p>
         </p:txBody>
@@ -3843,8 +4471,8 @@
         </p:nvSpPr>
         <p:spPr>
           <a:xfrm>
-            <a:off x="8867037" y="5035548"/>
-            <a:ext cx="3682758" cy="711201"/>
+            <a:off x="8867037" y="5185964"/>
+            <a:ext cx="3682758" cy="410369"/>
           </a:xfrm>
           <a:prstGeom prst="rect">
             <a:avLst/>
@@ -3854,7 +4482,7 @@
           </a:ln>
           <a:extLst>
             <a:ext uri="{C572A759-6A51-4108-AA02-DFA0A04FC94B}">
-              <ma14:wrappingTextBoxFlag xmlns:ma14="http://schemas.microsoft.com/office/mac/drawingml/2011/main" val="1"/>
+              <ma14:wrappingTextBoxFlag xmlns:ma14="http://schemas.microsoft.com/office/mac/drawingml/2011/main" xmlns="" val="1"/>
             </a:ext>
           </a:extLst>
         </p:spPr>
@@ -3868,9 +4496,41 @@
             </a:lvl1pPr>
           </a:lstStyle>
           <a:p>
-            <a:pPr/>
-            <a:r>
-              <a:t>2) באפשרותינו לשתף את הטקסט.</a:t>
+            <a:r>
+              <a:rPr lang="he-IL" dirty="0" smtClean="0"/>
+              <a:t>2) </a:t>
+            </a:r>
+            <a:r>
+              <a:rPr dirty="0" err="1" smtClean="0"/>
+              <a:t>באפשרותינו</a:t>
+            </a:r>
+            <a:r>
+              <a:rPr dirty="0" smtClean="0"/>
+              <a:t> </a:t>
+            </a:r>
+            <a:r>
+              <a:rPr dirty="0" err="1"/>
+              <a:t>לשתף</a:t>
+            </a:r>
+            <a:r>
+              <a:rPr dirty="0"/>
+              <a:t> </a:t>
+            </a:r>
+            <a:r>
+              <a:rPr dirty="0" err="1"/>
+              <a:t>את</a:t>
+            </a:r>
+            <a:r>
+              <a:rPr dirty="0"/>
+              <a:t> </a:t>
+            </a:r>
+            <a:r>
+              <a:rPr dirty="0" err="1"/>
+              <a:t>הטקסט</a:t>
+            </a:r>
+            <a:r>
+              <a:rPr dirty="0"/>
+              <a:t>.</a:t>
             </a:r>
           </a:p>
         </p:txBody>
@@ -3880,18 +4540,26 @@
   <p:clrMapOvr>
     <a:masterClrMapping/>
   </p:clrMapOvr>
-  <p:transition xmlns:p14="http://schemas.microsoft.com/office/powerpoint/2010/main" spd="med" advClick="1"/>
+  <p:transition spd="med"/>
+  <p:timing>
+    <p:tnLst>
+      <p:par>
+        <p:cTn id="1" dur="indefinite" restart="never" nodeType="tmRoot"/>
+      </p:par>
+    </p:tnLst>
+  </p:timing>
 </p:sld>
 </file>
 
-<file path=ppt/slides/slide14.xml><?xml version="1.0" encoding="utf-8"?>
-<p:sld xmlns:a="http://schemas.openxmlformats.org/drawingml/2006/main" xmlns:r="http://schemas.openxmlformats.org/officeDocument/2006/relationships" xmlns:p="http://schemas.openxmlformats.org/presentationml/2006/main" showMasterSp="1" showMasterPhAnim="1">
+<file path=ppt/slides/slide16.xml><?xml version="1.0" encoding="utf-8"?>
+<p:sld xmlns:a="http://schemas.openxmlformats.org/drawingml/2006/main" xmlns:r="http://schemas.openxmlformats.org/officeDocument/2006/relationships" xmlns:p="http://schemas.openxmlformats.org/presentationml/2006/main">
   <p:cSld>
     <p:bg>
       <p:bgPr>
         <a:solidFill>
           <a:srgbClr val="DCDEE0"/>
         </a:solidFill>
+        <a:effectLst/>
       </p:bgPr>
     </p:bg>
     <p:spTree>
@@ -3911,7 +4579,9 @@
       <p:sp>
         <p:nvSpPr>
           <p:cNvPr id="177" name="שימוש באפליקציה"/>
-          <p:cNvSpPr txBox="1"/>
+          <p:cNvSpPr txBox="1">
+            <a:spLocks noGrp="1"/>
+          </p:cNvSpPr>
           <p:nvPr>
             <p:ph type="title"/>
           </p:nvPr>
@@ -3933,7 +4603,6 @@
             </a:lvl1pPr>
           </a:lstStyle>
           <a:p>
-            <a:pPr/>
             <a:r>
               <a:t>שימוש באפליקציה</a:t>
             </a:r>
@@ -3959,7 +4628,7 @@
           </a:ln>
           <a:extLst>
             <a:ext uri="{C572A759-6A51-4108-AA02-DFA0A04FC94B}">
-              <ma14:wrappingTextBoxFlag xmlns:ma14="http://schemas.microsoft.com/office/mac/drawingml/2011/main" val="1"/>
+              <ma14:wrappingTextBoxFlag xmlns:ma14="http://schemas.microsoft.com/office/mac/drawingml/2011/main" xmlns="" val="1"/>
             </a:ext>
           </a:extLst>
         </p:spPr>
@@ -3973,7 +4642,6 @@
             </a:lvl1pPr>
           </a:lstStyle>
           <a:p>
-            <a:pPr/>
             <a:r>
               <a:t>נלחץ על אייקון השיתוף וייפתח בפנינו דיאלוג. הדיאלוג יציע לנו שתי אפשרויות:</a:t>
             </a:r>
@@ -3988,8 +4656,8 @@
         </p:nvSpPr>
         <p:spPr>
           <a:xfrm>
-            <a:off x="8740037" y="3244849"/>
-            <a:ext cx="3682758" cy="1016001"/>
+            <a:off x="8740037" y="3393777"/>
+            <a:ext cx="3682758" cy="718145"/>
           </a:xfrm>
           <a:prstGeom prst="rect">
             <a:avLst/>
@@ -3999,7 +4667,7 @@
           </a:ln>
           <a:extLst>
             <a:ext uri="{C572A759-6A51-4108-AA02-DFA0A04FC94B}">
-              <ma14:wrappingTextBoxFlag xmlns:ma14="http://schemas.microsoft.com/office/mac/drawingml/2011/main" val="1"/>
+              <ma14:wrappingTextBoxFlag xmlns:ma14="http://schemas.microsoft.com/office/mac/drawingml/2011/main" xmlns="" val="1"/>
             </a:ext>
           </a:extLst>
         </p:spPr>
@@ -4013,9 +4681,89 @@
             </a:lvl1pPr>
           </a:lstStyle>
           <a:p>
-            <a:pPr/>
-            <a:r>
-              <a:t>1) שיתוף טקסט מלא - יאפשר את שיתוף הטקסט כולה כמקשה אחת.</a:t>
+            <a:r>
+              <a:rPr lang="he-IL" dirty="0" smtClean="0"/>
+              <a:t>1) </a:t>
+            </a:r>
+            <a:r>
+              <a:rPr dirty="0" err="1" smtClean="0"/>
+              <a:t>שיתוף</a:t>
+            </a:r>
+            <a:r>
+              <a:rPr dirty="0" smtClean="0"/>
+              <a:t> </a:t>
+            </a:r>
+            <a:r>
+              <a:rPr dirty="0" err="1"/>
+              <a:t>טקסט</a:t>
+            </a:r>
+            <a:r>
+              <a:rPr dirty="0"/>
+              <a:t> </a:t>
+            </a:r>
+            <a:r>
+              <a:rPr dirty="0" err="1"/>
+              <a:t>מלא</a:t>
+            </a:r>
+            <a:r>
+              <a:rPr dirty="0"/>
+              <a:t> - </a:t>
+            </a:r>
+            <a:r>
+              <a:rPr dirty="0" err="1"/>
+              <a:t>יאפשר</a:t>
+            </a:r>
+            <a:r>
+              <a:rPr dirty="0"/>
+              <a:t> </a:t>
+            </a:r>
+            <a:r>
+              <a:rPr dirty="0" err="1"/>
+              <a:t>את</a:t>
+            </a:r>
+            <a:r>
+              <a:rPr dirty="0"/>
+              <a:t> </a:t>
+            </a:r>
+            <a:r>
+              <a:rPr dirty="0" err="1"/>
+              <a:t>שיתוף</a:t>
+            </a:r>
+            <a:r>
+              <a:rPr dirty="0"/>
+              <a:t> </a:t>
+            </a:r>
+            <a:r>
+              <a:rPr dirty="0" err="1"/>
+              <a:t>הטקסט</a:t>
+            </a:r>
+            <a:r>
+              <a:rPr dirty="0"/>
+              <a:t> </a:t>
+            </a:r>
+            <a:r>
+              <a:rPr dirty="0" err="1"/>
+              <a:t>כולה</a:t>
+            </a:r>
+            <a:r>
+              <a:rPr dirty="0"/>
+              <a:t> </a:t>
+            </a:r>
+            <a:r>
+              <a:rPr dirty="0" err="1"/>
+              <a:t>כמקשה</a:t>
+            </a:r>
+            <a:r>
+              <a:rPr dirty="0"/>
+              <a:t> </a:t>
+            </a:r>
+            <a:r>
+              <a:rPr dirty="0" err="1"/>
+              <a:t>אחת</a:t>
+            </a:r>
+            <a:r>
+              <a:rPr dirty="0"/>
+              <a:t>.</a:t>
             </a:r>
           </a:p>
         </p:txBody>
@@ -4039,7 +4787,7 @@
           </a:ln>
           <a:extLst>
             <a:ext uri="{C572A759-6A51-4108-AA02-DFA0A04FC94B}">
-              <ma14:wrappingTextBoxFlag xmlns:ma14="http://schemas.microsoft.com/office/mac/drawingml/2011/main" val="1"/>
+              <ma14:wrappingTextBoxFlag xmlns:ma14="http://schemas.microsoft.com/office/mac/drawingml/2011/main" xmlns="" val="1"/>
             </a:ext>
           </a:extLst>
         </p:spPr>
@@ -4053,7 +4801,136 @@
               <a:defRPr sz="2000"/>
             </a:pPr>
             <a:r>
-              <a:t>2) קישור לאתר - יספק קישור לאתר שבו נוכל לקרוא את הטקסט. במקרה שלנו נקבל את הקישור הבא:</a:t>
+              <a:rPr lang="he-IL" dirty="0" smtClean="0"/>
+              <a:t>2) </a:t>
+            </a:r>
+            <a:r>
+              <a:rPr dirty="0" err="1" smtClean="0"/>
+              <a:t>קישור</a:t>
+            </a:r>
+            <a:r>
+              <a:rPr dirty="0" smtClean="0"/>
+              <a:t> </a:t>
+            </a:r>
+            <a:r>
+              <a:rPr dirty="0" err="1"/>
+              <a:t>לאתר</a:t>
+            </a:r>
+            <a:r>
+              <a:rPr dirty="0"/>
+              <a:t> - </a:t>
+            </a:r>
+            <a:r>
+              <a:rPr dirty="0" err="1"/>
+              <a:t>יספק</a:t>
+            </a:r>
+            <a:r>
+              <a:rPr dirty="0"/>
+              <a:t> </a:t>
+            </a:r>
+            <a:r>
+              <a:rPr dirty="0" err="1"/>
+              <a:t>קישור</a:t>
+            </a:r>
+            <a:r>
+              <a:rPr dirty="0"/>
+              <a:t> </a:t>
+            </a:r>
+            <a:r>
+              <a:rPr dirty="0" err="1"/>
+              <a:t>לאתר</a:t>
+            </a:r>
+            <a:r>
+              <a:rPr dirty="0"/>
+              <a:t> </a:t>
+            </a:r>
+            <a:r>
+              <a:rPr dirty="0" err="1"/>
+              <a:t>שבו</a:t>
+            </a:r>
+            <a:r>
+              <a:rPr dirty="0"/>
+              <a:t> </a:t>
+            </a:r>
+            <a:r>
+              <a:rPr dirty="0" err="1"/>
+              <a:t>נוכל</a:t>
+            </a:r>
+            <a:r>
+              <a:rPr dirty="0"/>
+              <a:t> </a:t>
+            </a:r>
+            <a:r>
+              <a:rPr dirty="0" err="1"/>
+              <a:t>לקרוא</a:t>
+            </a:r>
+            <a:r>
+              <a:rPr dirty="0"/>
+              <a:t> </a:t>
+            </a:r>
+            <a:r>
+              <a:rPr dirty="0" err="1"/>
+              <a:t>את</a:t>
+            </a:r>
+            <a:r>
+              <a:rPr dirty="0"/>
+              <a:t> </a:t>
+            </a:r>
+            <a:r>
+              <a:rPr dirty="0" err="1"/>
+              <a:t>הטקסט</a:t>
+            </a:r>
+            <a:r>
+              <a:rPr dirty="0"/>
+              <a:t>. </a:t>
+            </a:r>
+            <a:r>
+              <a:rPr dirty="0" err="1"/>
+              <a:t>במקרה</a:t>
+            </a:r>
+            <a:r>
+              <a:rPr dirty="0"/>
+              <a:t> </a:t>
+            </a:r>
+            <a:r>
+              <a:rPr dirty="0" err="1"/>
+              <a:t>שלנו</a:t>
+            </a:r>
+            <a:r>
+              <a:rPr dirty="0"/>
+              <a:t> </a:t>
+            </a:r>
+            <a:r>
+              <a:rPr dirty="0" err="1"/>
+              <a:t>נקבל</a:t>
+            </a:r>
+            <a:r>
+              <a:rPr dirty="0"/>
+              <a:t> </a:t>
+            </a:r>
+            <a:r>
+              <a:rPr dirty="0" err="1"/>
+              <a:t>את</a:t>
+            </a:r>
+            <a:r>
+              <a:rPr dirty="0"/>
+              <a:t> </a:t>
+            </a:r>
+            <a:r>
+              <a:rPr dirty="0" err="1"/>
+              <a:t>הקישור</a:t>
+            </a:r>
+            <a:r>
+              <a:rPr dirty="0"/>
+              <a:t> </a:t>
+            </a:r>
+            <a:r>
+              <a:rPr dirty="0" err="1"/>
+              <a:t>הבא</a:t>
+            </a:r>
+            <a:r>
+              <a:rPr dirty="0"/>
+              <a:t>:</a:t>
             </a:r>
           </a:p>
           <a:p>
@@ -4061,7 +4938,7 @@
               <a:defRPr sz="2000"/>
             </a:pPr>
             <a:r>
-              <a:rPr u="sng">
+              <a:rPr u="sng" dirty="0">
                 <a:solidFill>
                   <a:srgbClr val="0000FF"/>
                 </a:solidFill>
@@ -4070,7 +4947,7 @@
                     <a:srgbClr val="0000FF"/>
                   </a:solidFill>
                 </a:uFill>
-                <a:hlinkClick r:id="rId2" invalidUrl="" action="" tgtFrame="" tooltip="" history="1" highlightClick="0" endSnd="0"/>
+                <a:hlinkClick r:id="rId2"/>
               </a:rPr>
               <a:t>http://tdk-p6.cs.technion.ac.il:3000/read?uri=jbr:text-tanach-midrashraba-2-27-9</a:t>
             </a:r>
@@ -4159,7 +5036,7 @@
             <a:miter lim="400000"/>
           </a:ln>
           <a:effectLst>
-            <a:outerShdw sx="100000" sy="100000" kx="0" ky="0" algn="b" rotWithShape="0" blurRad="38100" dist="25400" dir="5400000">
+            <a:outerShdw blurRad="38100" dist="25400" dir="5400000" rotWithShape="0">
               <a:srgbClr val="000000">
                 <a:alpha val="50000"/>
               </a:srgbClr>
@@ -4177,6 +5054,7 @@
                 </a:solidFill>
               </a:defRPr>
             </a:pPr>
+            <a:endParaRPr/>
           </a:p>
         </p:txBody>
       </p:sp>
@@ -4199,7 +5077,7 @@
           </a:ln>
           <a:extLst>
             <a:ext uri="{C572A759-6A51-4108-AA02-DFA0A04FC94B}">
-              <ma14:wrappingTextBoxFlag xmlns:ma14="http://schemas.microsoft.com/office/mac/drawingml/2011/main" val="1"/>
+              <ma14:wrappingTextBoxFlag xmlns:ma14="http://schemas.microsoft.com/office/mac/drawingml/2011/main" xmlns="" val="1"/>
             </a:ext>
           </a:extLst>
         </p:spPr>
@@ -4213,7 +5091,6 @@
             </a:lvl1pPr>
           </a:lstStyle>
           <a:p>
-            <a:pPr/>
             <a:r>
               <a:t>יוצגו לנו כל האפליקציות שמאפשרות שיתוף איתן על המכשיר שלנו</a:t>
             </a:r>
@@ -4225,18 +5102,26 @@
   <p:clrMapOvr>
     <a:masterClrMapping/>
   </p:clrMapOvr>
-  <p:transition xmlns:p14="http://schemas.microsoft.com/office/powerpoint/2010/main" spd="med" advClick="1"/>
+  <p:transition spd="med"/>
+  <p:timing>
+    <p:tnLst>
+      <p:par>
+        <p:cTn id="1" dur="indefinite" restart="never" nodeType="tmRoot"/>
+      </p:par>
+    </p:tnLst>
+  </p:timing>
 </p:sld>
 </file>
 
-<file path=ppt/slides/slide15.xml><?xml version="1.0" encoding="utf-8"?>
-<p:sld xmlns:a="http://schemas.openxmlformats.org/drawingml/2006/main" xmlns:r="http://schemas.openxmlformats.org/officeDocument/2006/relationships" xmlns:p="http://schemas.openxmlformats.org/presentationml/2006/main" showMasterSp="1" showMasterPhAnim="1">
+<file path=ppt/slides/slide17.xml><?xml version="1.0" encoding="utf-8"?>
+<p:sld xmlns:a="http://schemas.openxmlformats.org/drawingml/2006/main" xmlns:r="http://schemas.openxmlformats.org/officeDocument/2006/relationships" xmlns:p="http://schemas.openxmlformats.org/presentationml/2006/main">
   <p:cSld>
     <p:bg>
       <p:bgPr>
         <a:solidFill>
           <a:srgbClr val="DCDEE0"/>
         </a:solidFill>
+        <a:effectLst/>
       </p:bgPr>
     </p:bg>
     <p:spTree>
@@ -4256,7 +5141,9 @@
       <p:sp>
         <p:nvSpPr>
           <p:cNvPr id="186" name="שימוש באפליקציה"/>
-          <p:cNvSpPr txBox="1"/>
+          <p:cNvSpPr txBox="1">
+            <a:spLocks noGrp="1"/>
+          </p:cNvSpPr>
           <p:nvPr>
             <p:ph type="title"/>
           </p:nvPr>
@@ -4278,7 +5165,6 @@
             </a:lvl1pPr>
           </a:lstStyle>
           <a:p>
-            <a:pPr/>
             <a:r>
               <a:t>שימוש באפליקציה</a:t>
             </a:r>
@@ -4304,7 +5190,7 @@
           </a:ln>
           <a:extLst>
             <a:ext uri="{C572A759-6A51-4108-AA02-DFA0A04FC94B}">
-              <ma14:wrappingTextBoxFlag xmlns:ma14="http://schemas.microsoft.com/office/mac/drawingml/2011/main" val="1"/>
+              <ma14:wrappingTextBoxFlag xmlns:ma14="http://schemas.microsoft.com/office/mac/drawingml/2011/main" xmlns="" val="1"/>
             </a:ext>
           </a:extLst>
         </p:spPr>
@@ -4318,7 +5204,6 @@
             </a:lvl1pPr>
           </a:lstStyle>
           <a:p>
-            <a:pPr/>
             <a:r>
               <a:t>כעת נחזור למסך הראשי ונלך להגדרות. במסך זה נוכל לשנות את גודל הפונט ואת סוג הפונט בשימוש. לדוגמא, בעזרת לחיצה על גודל פונט מקורות ובחירה ב״קטן״.</a:t>
             </a:r>
@@ -4407,7 +5292,7 @@
             <a:miter lim="400000"/>
           </a:ln>
           <a:effectLst>
-            <a:outerShdw sx="100000" sy="100000" kx="0" ky="0" algn="b" rotWithShape="0" blurRad="38100" dist="25400" dir="5400000">
+            <a:outerShdw blurRad="38100" dist="25400" dir="5400000" rotWithShape="0">
               <a:srgbClr val="000000">
                 <a:alpha val="50000"/>
               </a:srgbClr>
@@ -4425,6 +5310,7 @@
                 </a:solidFill>
               </a:defRPr>
             </a:pPr>
+            <a:endParaRPr/>
           </a:p>
         </p:txBody>
       </p:sp>
@@ -4481,7 +5367,7 @@
             <a:miter lim="400000"/>
           </a:ln>
           <a:effectLst>
-            <a:outerShdw sx="100000" sy="100000" kx="0" ky="0" algn="b" rotWithShape="0" blurRad="38100" dist="25400" dir="5400000">
+            <a:outerShdw blurRad="38100" dist="25400" dir="5400000" rotWithShape="0">
               <a:srgbClr val="000000">
                 <a:alpha val="50000"/>
               </a:srgbClr>
@@ -4499,6 +5385,7 @@
                 </a:solidFill>
               </a:defRPr>
             </a:pPr>
+            <a:endParaRPr/>
           </a:p>
         </p:txBody>
       </p:sp>
@@ -4521,7 +5408,7 @@
           </a:ln>
           <a:extLst>
             <a:ext uri="{C572A759-6A51-4108-AA02-DFA0A04FC94B}">
-              <ma14:wrappingTextBoxFlag xmlns:ma14="http://schemas.microsoft.com/office/mac/drawingml/2011/main" val="1"/>
+              <ma14:wrappingTextBoxFlag xmlns:ma14="http://schemas.microsoft.com/office/mac/drawingml/2011/main" xmlns="" val="1"/>
             </a:ext>
           </a:extLst>
         </p:spPr>
@@ -4535,7 +5422,6 @@
             </a:lvl1pPr>
           </a:lstStyle>
           <a:p>
-            <a:pPr/>
             <a:r>
               <a:t>כעת גודל הפונט וסוגם ישתנו בטאב המקורות וכן במסך קריאת המקורות.</a:t>
             </a:r>
@@ -4547,18 +5433,26 @@
   <p:clrMapOvr>
     <a:masterClrMapping/>
   </p:clrMapOvr>
-  <p:transition xmlns:p14="http://schemas.microsoft.com/office/powerpoint/2010/main" spd="med" advClick="1"/>
+  <p:transition spd="med"/>
+  <p:timing>
+    <p:tnLst>
+      <p:par>
+        <p:cTn id="1" dur="indefinite" restart="never" nodeType="tmRoot"/>
+      </p:par>
+    </p:tnLst>
+  </p:timing>
 </p:sld>
 </file>
 
-<file path=ppt/slides/slide16.xml><?xml version="1.0" encoding="utf-8"?>
-<p:sld xmlns:a="http://schemas.openxmlformats.org/drawingml/2006/main" xmlns:r="http://schemas.openxmlformats.org/officeDocument/2006/relationships" xmlns:p="http://schemas.openxmlformats.org/presentationml/2006/main" showMasterSp="1" showMasterPhAnim="1">
+<file path=ppt/slides/slide18.xml><?xml version="1.0" encoding="utf-8"?>
+<p:sld xmlns:a="http://schemas.openxmlformats.org/drawingml/2006/main" xmlns:r="http://schemas.openxmlformats.org/officeDocument/2006/relationships" xmlns:p="http://schemas.openxmlformats.org/presentationml/2006/main">
   <p:cSld>
     <p:bg>
       <p:bgPr>
         <a:solidFill>
           <a:srgbClr val="DCDEE0"/>
         </a:solidFill>
+        <a:effectLst/>
       </p:bgPr>
     </p:bg>
     <p:spTree>
@@ -4578,7 +5472,9 @@
       <p:sp>
         <p:nvSpPr>
           <p:cNvPr id="195" name="השימוש בשאילתות"/>
-          <p:cNvSpPr txBox="1"/>
+          <p:cNvSpPr txBox="1">
+            <a:spLocks noGrp="1"/>
+          </p:cNvSpPr>
           <p:nvPr>
             <p:ph type="title"/>
           </p:nvPr>
@@ -4596,7 +5492,6 @@
             </a:lvl1pPr>
           </a:lstStyle>
           <a:p>
-            <a:pPr/>
             <a:r>
               <a:t>השימוש בשאילתות</a:t>
             </a:r>
@@ -4606,7 +5501,9 @@
       <p:sp>
         <p:nvSpPr>
           <p:cNvPr id="196" name="בעת עליית ה-Splash Screen, נבצע שאילתא לקבלת כל הפרקים והפרשות.…"/>
-          <p:cNvSpPr txBox="1"/>
+          <p:cNvSpPr txBox="1">
+            <a:spLocks noGrp="1"/>
+          </p:cNvSpPr>
           <p:nvPr>
             <p:ph type="body" idx="1"/>
           </p:nvPr>
@@ -4624,7 +5521,80 @@
               <a:defRPr sz="2000"/>
             </a:pPr>
             <a:r>
-              <a:t>בעת עליית ה-Splash Screen, נבצע שאילתא לקבלת כל הפרקים והפרשות.</a:t>
+              <a:rPr dirty="0" err="1"/>
+              <a:t>בעת</a:t>
+            </a:r>
+            <a:r>
+              <a:rPr dirty="0"/>
+              <a:t> </a:t>
+            </a:r>
+            <a:r>
+              <a:rPr dirty="0" err="1"/>
+              <a:t>עליית</a:t>
+            </a:r>
+            <a:r>
+              <a:rPr dirty="0"/>
+              <a:t> </a:t>
+            </a:r>
+            <a:r>
+              <a:rPr dirty="0" err="1" smtClean="0"/>
+              <a:t>הSplash</a:t>
+            </a:r>
+            <a:r>
+              <a:rPr dirty="0" smtClean="0"/>
+              <a:t> Screen</a:t>
+            </a:r>
+            <a:r>
+              <a:rPr lang="he-IL" dirty="0" smtClean="0"/>
+              <a:t> </a:t>
+            </a:r>
+            <a:r>
+              <a:rPr dirty="0" err="1" smtClean="0"/>
+              <a:t>נבצע</a:t>
+            </a:r>
+            <a:r>
+              <a:rPr dirty="0" smtClean="0"/>
+              <a:t> </a:t>
+            </a:r>
+            <a:r>
+              <a:rPr dirty="0" err="1"/>
+              <a:t>שאילתא</a:t>
+            </a:r>
+            <a:r>
+              <a:rPr dirty="0"/>
+              <a:t> </a:t>
+            </a:r>
+            <a:r>
+              <a:rPr dirty="0" err="1"/>
+              <a:t>לקבלת</a:t>
+            </a:r>
+            <a:r>
+              <a:rPr dirty="0"/>
+              <a:t> </a:t>
+            </a:r>
+            <a:r>
+              <a:rPr dirty="0" err="1"/>
+              <a:t>כל</a:t>
+            </a:r>
+            <a:r>
+              <a:rPr dirty="0"/>
+              <a:t> </a:t>
+            </a:r>
+            <a:r>
+              <a:rPr dirty="0" err="1"/>
+              <a:t>הפרקים</a:t>
+            </a:r>
+            <a:r>
+              <a:rPr dirty="0"/>
+              <a:t> </a:t>
+            </a:r>
+            <a:r>
+              <a:rPr dirty="0" err="1"/>
+              <a:t>והפרשות</a:t>
+            </a:r>
+            <a:r>
+              <a:rPr dirty="0"/>
+              <a:t>.</a:t>
             </a:r>
           </a:p>
           <a:p>
@@ -4632,7 +5602,108 @@
               <a:defRPr sz="2000"/>
             </a:pPr>
             <a:r>
-              <a:t>בעת בחירת פרק או פרשה ספציפים, נבצע שאילתא להבאת כל הפסוקים הרלוונטים לבחירתינו.</a:t>
+              <a:rPr dirty="0" err="1"/>
+              <a:t>בעת</a:t>
+            </a:r>
+            <a:r>
+              <a:rPr dirty="0"/>
+              <a:t> </a:t>
+            </a:r>
+            <a:r>
+              <a:rPr dirty="0" err="1"/>
+              <a:t>בחירת</a:t>
+            </a:r>
+            <a:r>
+              <a:rPr dirty="0"/>
+              <a:t> </a:t>
+            </a:r>
+            <a:r>
+              <a:rPr dirty="0" err="1"/>
+              <a:t>פרק</a:t>
+            </a:r>
+            <a:r>
+              <a:rPr dirty="0"/>
+              <a:t> </a:t>
+            </a:r>
+            <a:r>
+              <a:rPr dirty="0" err="1"/>
+              <a:t>או</a:t>
+            </a:r>
+            <a:r>
+              <a:rPr dirty="0"/>
+              <a:t> </a:t>
+            </a:r>
+            <a:r>
+              <a:rPr dirty="0" err="1"/>
+              <a:t>פרשה</a:t>
+            </a:r>
+            <a:r>
+              <a:rPr dirty="0"/>
+              <a:t> </a:t>
+            </a:r>
+            <a:r>
+              <a:rPr dirty="0" err="1"/>
+              <a:t>ספציפים</a:t>
+            </a:r>
+            <a:r>
+              <a:rPr dirty="0"/>
+              <a:t>, </a:t>
+            </a:r>
+            <a:r>
+              <a:rPr dirty="0" err="1"/>
+              <a:t>נבצע</a:t>
+            </a:r>
+            <a:r>
+              <a:rPr dirty="0"/>
+              <a:t> </a:t>
+            </a:r>
+            <a:r>
+              <a:rPr dirty="0" err="1"/>
+              <a:t>שאילתא</a:t>
+            </a:r>
+            <a:r>
+              <a:rPr dirty="0"/>
+              <a:t> </a:t>
+            </a:r>
+            <a:r>
+              <a:rPr dirty="0" err="1"/>
+              <a:t>להבאת</a:t>
+            </a:r>
+            <a:r>
+              <a:rPr dirty="0"/>
+              <a:t> </a:t>
+            </a:r>
+            <a:r>
+              <a:rPr dirty="0" err="1"/>
+              <a:t>כל</a:t>
+            </a:r>
+            <a:r>
+              <a:rPr dirty="0"/>
+              <a:t> </a:t>
+            </a:r>
+            <a:r>
+              <a:rPr dirty="0" err="1"/>
+              <a:t>הפסוקים</a:t>
+            </a:r>
+            <a:r>
+              <a:rPr dirty="0"/>
+              <a:t> </a:t>
+            </a:r>
+            <a:r>
+              <a:rPr dirty="0" err="1"/>
+              <a:t>הרלוונטים</a:t>
+            </a:r>
+            <a:r>
+              <a:rPr dirty="0"/>
+              <a:t> </a:t>
+            </a:r>
+            <a:r>
+              <a:rPr dirty="0" err="1"/>
+              <a:t>לבחירתינו</a:t>
+            </a:r>
+            <a:r>
+              <a:rPr dirty="0"/>
+              <a:t>.</a:t>
             </a:r>
           </a:p>
           <a:p>
@@ -4640,7 +5711,100 @@
               <a:defRPr sz="2000"/>
             </a:pPr>
             <a:r>
-              <a:t>בעת מעבר לטאב המקורות, נבצע שאילתא לטעינת כל המקורות הרלוונטים לפסוקים שנבחרו.</a:t>
+              <a:rPr dirty="0" err="1"/>
+              <a:t>בעת</a:t>
+            </a:r>
+            <a:r>
+              <a:rPr dirty="0"/>
+              <a:t> </a:t>
+            </a:r>
+            <a:r>
+              <a:rPr dirty="0" err="1"/>
+              <a:t>מעבר</a:t>
+            </a:r>
+            <a:r>
+              <a:rPr dirty="0"/>
+              <a:t> </a:t>
+            </a:r>
+            <a:r>
+              <a:rPr dirty="0" err="1"/>
+              <a:t>לטאב</a:t>
+            </a:r>
+            <a:r>
+              <a:rPr dirty="0"/>
+              <a:t> </a:t>
+            </a:r>
+            <a:r>
+              <a:rPr dirty="0" err="1"/>
+              <a:t>המקורות</a:t>
+            </a:r>
+            <a:r>
+              <a:rPr dirty="0"/>
+              <a:t>, </a:t>
+            </a:r>
+            <a:r>
+              <a:rPr dirty="0" err="1"/>
+              <a:t>נבצע</a:t>
+            </a:r>
+            <a:r>
+              <a:rPr dirty="0"/>
+              <a:t> </a:t>
+            </a:r>
+            <a:r>
+              <a:rPr dirty="0" err="1"/>
+              <a:t>שאילתא</a:t>
+            </a:r>
+            <a:r>
+              <a:rPr dirty="0"/>
+              <a:t> </a:t>
+            </a:r>
+            <a:r>
+              <a:rPr dirty="0" err="1"/>
+              <a:t>לטעינת</a:t>
+            </a:r>
+            <a:r>
+              <a:rPr dirty="0"/>
+              <a:t> </a:t>
+            </a:r>
+            <a:r>
+              <a:rPr dirty="0" err="1"/>
+              <a:t>כל</a:t>
+            </a:r>
+            <a:r>
+              <a:rPr dirty="0"/>
+              <a:t> </a:t>
+            </a:r>
+            <a:r>
+              <a:rPr dirty="0" err="1"/>
+              <a:t>המקורות</a:t>
+            </a:r>
+            <a:r>
+              <a:rPr dirty="0"/>
+              <a:t> </a:t>
+            </a:r>
+            <a:r>
+              <a:rPr dirty="0" err="1"/>
+              <a:t>הרלוונטים</a:t>
+            </a:r>
+            <a:r>
+              <a:rPr dirty="0"/>
+              <a:t> </a:t>
+            </a:r>
+            <a:r>
+              <a:rPr dirty="0" err="1"/>
+              <a:t>לפסוקים</a:t>
+            </a:r>
+            <a:r>
+              <a:rPr dirty="0"/>
+              <a:t> </a:t>
+            </a:r>
+            <a:r>
+              <a:rPr dirty="0" err="1"/>
+              <a:t>שנבחרו</a:t>
+            </a:r>
+            <a:r>
+              <a:rPr dirty="0"/>
+              <a:t>.</a:t>
             </a:r>
           </a:p>
           <a:p>
@@ -4648,7 +5812,132 @@
               <a:defRPr sz="2000"/>
             </a:pPr>
             <a:r>
-              <a:t>בעת הסינון בטאב המקורות, נבצע שאילתא נוספת שתחזיר לנו את המקורות על פי בחירתנו בדיאלוג הסינון.</a:t>
+              <a:rPr dirty="0" err="1"/>
+              <a:t>בעת</a:t>
+            </a:r>
+            <a:r>
+              <a:rPr dirty="0"/>
+              <a:t> </a:t>
+            </a:r>
+            <a:r>
+              <a:rPr dirty="0" err="1"/>
+              <a:t>הסינון</a:t>
+            </a:r>
+            <a:r>
+              <a:rPr dirty="0"/>
+              <a:t> </a:t>
+            </a:r>
+            <a:r>
+              <a:rPr dirty="0" err="1"/>
+              <a:t>בטאב</a:t>
+            </a:r>
+            <a:r>
+              <a:rPr dirty="0"/>
+              <a:t> </a:t>
+            </a:r>
+            <a:r>
+              <a:rPr dirty="0" err="1"/>
+              <a:t>המקורות</a:t>
+            </a:r>
+            <a:r>
+              <a:rPr dirty="0"/>
+              <a:t>, </a:t>
+            </a:r>
+            <a:r>
+              <a:rPr dirty="0" err="1"/>
+              <a:t>נבצע</a:t>
+            </a:r>
+            <a:r>
+              <a:rPr dirty="0"/>
+              <a:t> </a:t>
+            </a:r>
+            <a:r>
+              <a:rPr dirty="0" err="1"/>
+              <a:t>שאילתא</a:t>
+            </a:r>
+            <a:r>
+              <a:rPr dirty="0"/>
+              <a:t> </a:t>
+            </a:r>
+            <a:r>
+              <a:rPr dirty="0" err="1"/>
+              <a:t>נוספת</a:t>
+            </a:r>
+            <a:r>
+              <a:rPr dirty="0"/>
+              <a:t> </a:t>
+            </a:r>
+            <a:r>
+              <a:rPr dirty="0" err="1"/>
+              <a:t>שתחזיר</a:t>
+            </a:r>
+            <a:r>
+              <a:rPr dirty="0"/>
+              <a:t> </a:t>
+            </a:r>
+            <a:r>
+              <a:rPr dirty="0" err="1"/>
+              <a:t>לנו</a:t>
+            </a:r>
+            <a:r>
+              <a:rPr dirty="0"/>
+              <a:t> </a:t>
+            </a:r>
+            <a:r>
+              <a:rPr dirty="0" err="1"/>
+              <a:t>את</a:t>
+            </a:r>
+            <a:r>
+              <a:rPr dirty="0"/>
+              <a:t> </a:t>
+            </a:r>
+            <a:r>
+              <a:rPr dirty="0" err="1"/>
+              <a:t>המקורות</a:t>
+            </a:r>
+            <a:r>
+              <a:rPr dirty="0"/>
+              <a:t> </a:t>
+            </a:r>
+            <a:r>
+              <a:rPr dirty="0" err="1"/>
+              <a:t>על</a:t>
+            </a:r>
+            <a:r>
+              <a:rPr dirty="0"/>
+              <a:t> </a:t>
+            </a:r>
+            <a:r>
+              <a:rPr dirty="0" err="1"/>
+              <a:t>פי</a:t>
+            </a:r>
+            <a:r>
+              <a:rPr dirty="0"/>
+              <a:t> </a:t>
+            </a:r>
+            <a:r>
+              <a:rPr dirty="0" err="1"/>
+              <a:t>בחירתנו</a:t>
+            </a:r>
+            <a:r>
+              <a:rPr dirty="0"/>
+              <a:t> </a:t>
+            </a:r>
+            <a:r>
+              <a:rPr dirty="0" err="1"/>
+              <a:t>בדיאלוג</a:t>
+            </a:r>
+            <a:r>
+              <a:rPr dirty="0"/>
+              <a:t> </a:t>
+            </a:r>
+            <a:r>
+              <a:rPr dirty="0" err="1"/>
+              <a:t>הסינון</a:t>
+            </a:r>
+            <a:r>
+              <a:rPr dirty="0"/>
+              <a:t>.</a:t>
             </a:r>
           </a:p>
           <a:p>
@@ -4656,7 +5945,132 @@
               <a:defRPr sz="2000"/>
             </a:pPr>
             <a:r>
-              <a:t>בעת כניסה לקרוא מקור ספציפי, נבצע שאילתא שתביא לנו את כל הסימונים של הפסוקים שבחרנו במקור.</a:t>
+              <a:rPr dirty="0" err="1"/>
+              <a:t>בעת</a:t>
+            </a:r>
+            <a:r>
+              <a:rPr dirty="0"/>
+              <a:t> </a:t>
+            </a:r>
+            <a:r>
+              <a:rPr dirty="0" err="1"/>
+              <a:t>כניסה</a:t>
+            </a:r>
+            <a:r>
+              <a:rPr dirty="0"/>
+              <a:t> </a:t>
+            </a:r>
+            <a:r>
+              <a:rPr dirty="0" err="1"/>
+              <a:t>לקרוא</a:t>
+            </a:r>
+            <a:r>
+              <a:rPr dirty="0"/>
+              <a:t> </a:t>
+            </a:r>
+            <a:r>
+              <a:rPr dirty="0" err="1"/>
+              <a:t>מקור</a:t>
+            </a:r>
+            <a:r>
+              <a:rPr dirty="0"/>
+              <a:t> </a:t>
+            </a:r>
+            <a:r>
+              <a:rPr dirty="0" err="1"/>
+              <a:t>ספציפי</a:t>
+            </a:r>
+            <a:r>
+              <a:rPr dirty="0"/>
+              <a:t>, </a:t>
+            </a:r>
+            <a:r>
+              <a:rPr dirty="0" err="1"/>
+              <a:t>נבצע</a:t>
+            </a:r>
+            <a:r>
+              <a:rPr dirty="0"/>
+              <a:t> </a:t>
+            </a:r>
+            <a:r>
+              <a:rPr dirty="0" err="1"/>
+              <a:t>שאילתא</a:t>
+            </a:r>
+            <a:r>
+              <a:rPr dirty="0"/>
+              <a:t> </a:t>
+            </a:r>
+            <a:r>
+              <a:rPr dirty="0" err="1"/>
+              <a:t>שתביא</a:t>
+            </a:r>
+            <a:r>
+              <a:rPr dirty="0"/>
+              <a:t> </a:t>
+            </a:r>
+            <a:r>
+              <a:rPr dirty="0" err="1"/>
+              <a:t>לנו</a:t>
+            </a:r>
+            <a:r>
+              <a:rPr dirty="0"/>
+              <a:t> </a:t>
+            </a:r>
+            <a:r>
+              <a:rPr dirty="0" err="1"/>
+              <a:t>את</a:t>
+            </a:r>
+            <a:r>
+              <a:rPr dirty="0"/>
+              <a:t> </a:t>
+            </a:r>
+            <a:r>
+              <a:rPr dirty="0" err="1"/>
+              <a:t>כל</a:t>
+            </a:r>
+            <a:r>
+              <a:rPr dirty="0"/>
+              <a:t> </a:t>
+            </a:r>
+            <a:r>
+              <a:rPr dirty="0" err="1"/>
+              <a:t>הסימונים</a:t>
+            </a:r>
+            <a:r>
+              <a:rPr dirty="0"/>
+              <a:t> </a:t>
+            </a:r>
+            <a:r>
+              <a:rPr dirty="0" err="1"/>
+              <a:t>של</a:t>
+            </a:r>
+            <a:r>
+              <a:rPr dirty="0"/>
+              <a:t> </a:t>
+            </a:r>
+            <a:r>
+              <a:rPr dirty="0" err="1"/>
+              <a:t>הפסוקים</a:t>
+            </a:r>
+            <a:r>
+              <a:rPr dirty="0"/>
+              <a:t> </a:t>
+            </a:r>
+            <a:r>
+              <a:rPr dirty="0" err="1"/>
+              <a:t>שבחרנו</a:t>
+            </a:r>
+            <a:r>
+              <a:rPr dirty="0"/>
+              <a:t> </a:t>
+            </a:r>
+            <a:r>
+              <a:rPr dirty="0" err="1"/>
+              <a:t>במקור</a:t>
+            </a:r>
+            <a:r>
+              <a:rPr dirty="0"/>
+              <a:t>.</a:t>
             </a:r>
           </a:p>
           <a:p>
@@ -4664,17 +6078,125 @@
               <a:defRPr sz="2000"/>
             </a:pPr>
             <a:r>
-              <a:t>אופן אחזור הנתונים </a:t>
-            </a:r>
-            <a:r>
-              <a:rPr i="1">
+              <a:rPr dirty="0" err="1"/>
+              <a:t>אופן</a:t>
+            </a:r>
+            <a:r>
+              <a:rPr dirty="0"/>
+              <a:t> </a:t>
+            </a:r>
+            <a:r>
+              <a:rPr dirty="0" err="1"/>
+              <a:t>אחזור</a:t>
+            </a:r>
+            <a:r>
+              <a:rPr dirty="0"/>
+              <a:t> </a:t>
+            </a:r>
+            <a:r>
+              <a:rPr dirty="0" err="1"/>
+              <a:t>הנתונים</a:t>
+            </a:r>
+            <a:r>
+              <a:rPr dirty="0"/>
+              <a:t> </a:t>
+            </a:r>
+            <a:r>
+              <a:rPr i="1" dirty="0" err="1">
                 <a:latin typeface="+mj-lt"/>
                 <a:ea typeface="+mj-ea"/>
                 <a:cs typeface="+mj-cs"/>
                 <a:sym typeface="Helvetica"/>
               </a:rPr>
-              <a:t>מהשרת יתבצע בעזרת שאילתות SPARQL.</a:t>
-            </a:r>
+              <a:t>מהשרת</a:t>
+            </a:r>
+            <a:r>
+              <a:rPr i="1" dirty="0">
+                <a:latin typeface="+mj-lt"/>
+                <a:ea typeface="+mj-ea"/>
+                <a:cs typeface="+mj-cs"/>
+                <a:sym typeface="Helvetica"/>
+              </a:rPr>
+              <a:t> </a:t>
+            </a:r>
+            <a:r>
+              <a:rPr i="1" dirty="0" err="1">
+                <a:latin typeface="+mj-lt"/>
+                <a:ea typeface="+mj-ea"/>
+                <a:cs typeface="+mj-cs"/>
+                <a:sym typeface="Helvetica"/>
+              </a:rPr>
+              <a:t>יתבצע</a:t>
+            </a:r>
+            <a:r>
+              <a:rPr i="1" dirty="0">
+                <a:latin typeface="+mj-lt"/>
+                <a:ea typeface="+mj-ea"/>
+                <a:cs typeface="+mj-cs"/>
+                <a:sym typeface="Helvetica"/>
+              </a:rPr>
+              <a:t> </a:t>
+            </a:r>
+            <a:r>
+              <a:rPr i="1" dirty="0" err="1">
+                <a:latin typeface="+mj-lt"/>
+                <a:ea typeface="+mj-ea"/>
+                <a:cs typeface="+mj-cs"/>
+                <a:sym typeface="Helvetica"/>
+              </a:rPr>
+              <a:t>בעזרת</a:t>
+            </a:r>
+            <a:r>
+              <a:rPr i="1" dirty="0">
+                <a:latin typeface="+mj-lt"/>
+                <a:ea typeface="+mj-ea"/>
+                <a:cs typeface="+mj-cs"/>
+                <a:sym typeface="Helvetica"/>
+              </a:rPr>
+              <a:t> </a:t>
+            </a:r>
+            <a:r>
+              <a:rPr i="1" dirty="0" err="1">
+                <a:latin typeface="+mj-lt"/>
+                <a:ea typeface="+mj-ea"/>
+                <a:cs typeface="+mj-cs"/>
+                <a:sym typeface="Helvetica"/>
+              </a:rPr>
+              <a:t>שאילתות</a:t>
+            </a:r>
+            <a:r>
+              <a:rPr i="1" dirty="0">
+                <a:latin typeface="+mj-lt"/>
+                <a:ea typeface="+mj-ea"/>
+                <a:cs typeface="+mj-cs"/>
+                <a:sym typeface="Helvetica"/>
+              </a:rPr>
+              <a:t> </a:t>
+            </a:r>
+            <a:r>
+              <a:rPr i="1" dirty="0" smtClean="0">
+                <a:latin typeface="+mj-lt"/>
+                <a:ea typeface="+mj-ea"/>
+                <a:cs typeface="+mj-cs"/>
+                <a:sym typeface="Helvetica"/>
+              </a:rPr>
+              <a:t>SPARQL</a:t>
+            </a:r>
+            <a:r>
+              <a:rPr lang="he-IL" i="1" dirty="0" smtClean="0">
+                <a:latin typeface="+mj-lt"/>
+                <a:ea typeface="+mj-ea"/>
+                <a:cs typeface="+mj-cs"/>
+                <a:sym typeface="Helvetica"/>
+              </a:rPr>
+              <a:t>.</a:t>
+            </a:r>
+            <a:endParaRPr i="1" dirty="0">
+              <a:latin typeface="+mj-lt"/>
+              <a:ea typeface="+mj-ea"/>
+              <a:cs typeface="+mj-cs"/>
+              <a:sym typeface="Helvetica"/>
+            </a:endParaRPr>
           </a:p>
         </p:txBody>
       </p:sp>
@@ -4683,18 +6205,26 @@
   <p:clrMapOvr>
     <a:masterClrMapping/>
   </p:clrMapOvr>
-  <p:transition xmlns:p14="http://schemas.microsoft.com/office/powerpoint/2010/main" spd="med" advClick="1"/>
+  <p:transition spd="med"/>
+  <p:timing>
+    <p:tnLst>
+      <p:par>
+        <p:cTn id="1" dur="indefinite" restart="never" nodeType="tmRoot"/>
+      </p:par>
+    </p:tnLst>
+  </p:timing>
 </p:sld>
 </file>
 
-<file path=ppt/slides/slide17.xml><?xml version="1.0" encoding="utf-8"?>
-<p:sld xmlns:a="http://schemas.openxmlformats.org/drawingml/2006/main" xmlns:r="http://schemas.openxmlformats.org/officeDocument/2006/relationships" xmlns:p="http://schemas.openxmlformats.org/presentationml/2006/main" showMasterSp="1" showMasterPhAnim="1">
+<file path=ppt/slides/slide19.xml><?xml version="1.0" encoding="utf-8"?>
+<p:sld xmlns:a="http://schemas.openxmlformats.org/drawingml/2006/main" xmlns:r="http://schemas.openxmlformats.org/officeDocument/2006/relationships" xmlns:p="http://schemas.openxmlformats.org/presentationml/2006/main">
   <p:cSld>
     <p:bg>
       <p:bgPr>
         <a:solidFill>
           <a:srgbClr val="DCDEE0"/>
         </a:solidFill>
+        <a:effectLst/>
       </p:bgPr>
     </p:bg>
     <p:spTree>
@@ -4714,7 +6244,9 @@
       <p:sp>
         <p:nvSpPr>
           <p:cNvPr id="198" name="אתגרים בפיתוח האפליקציה"/>
-          <p:cNvSpPr txBox="1"/>
+          <p:cNvSpPr txBox="1">
+            <a:spLocks noGrp="1"/>
+          </p:cNvSpPr>
           <p:nvPr>
             <p:ph type="title"/>
           </p:nvPr>
@@ -4732,17 +6264,358 @@
             </a:lvl1pPr>
           </a:lstStyle>
           <a:p>
-            <a:pPr/>
-            <a:r>
-              <a:t>אתגרים בפיתוח האפליקציה</a:t>
-            </a:r>
+            <a:r>
+              <a:rPr dirty="0" err="1"/>
+              <a:t>אתגרים</a:t>
+            </a:r>
+            <a:r>
+              <a:rPr dirty="0"/>
+              <a:t> </a:t>
+            </a:r>
+            <a:r>
+              <a:rPr dirty="0" err="1"/>
+              <a:t>בפיתוח</a:t>
+            </a:r>
+            <a:r>
+              <a:rPr dirty="0"/>
+              <a:t> </a:t>
+            </a:r>
+            <a:r>
+              <a:rPr dirty="0" err="1"/>
+              <a:t>האפליקציה</a:t>
+            </a:r>
+            <a:endParaRPr dirty="0"/>
           </a:p>
         </p:txBody>
       </p:sp>
       <p:sp>
         <p:nvSpPr>
           <p:cNvPr id="199" name="עיקר האתגר בפיתוח האפליקצייה היה ביצוע שאילתות SPARQL אל מול השרת, הקושי נבע מכמה סיבות:…"/>
-          <p:cNvSpPr txBox="1"/>
+          <p:cNvSpPr txBox="1">
+            <a:spLocks noGrp="1"/>
+          </p:cNvSpPr>
+          <p:nvPr>
+            <p:ph type="body" idx="1"/>
+          </p:nvPr>
+        </p:nvSpPr>
+        <p:spPr>
+          <a:xfrm>
+            <a:off x="952500" y="2603500"/>
+            <a:ext cx="11099800" cy="6286500"/>
+          </a:xfrm>
+          <a:prstGeom prst="rect">
+            <a:avLst/>
+          </a:prstGeom>
+        </p:spPr>
+        <p:txBody>
+          <a:bodyPr anchor="t"/>
+          <a:lstStyle/>
+          <a:p>
+            <a:pPr marL="0" indent="0" algn="r" rtl="1">
+              <a:buNone/>
+              <a:defRPr sz="2000"/>
+            </a:pPr>
+            <a:r>
+              <a:rPr dirty="0" err="1" smtClean="0"/>
+              <a:t>עיקר</a:t>
+            </a:r>
+            <a:r>
+              <a:rPr dirty="0" smtClean="0"/>
+              <a:t> </a:t>
+            </a:r>
+            <a:r>
+              <a:rPr dirty="0" err="1"/>
+              <a:t>האתגר</a:t>
+            </a:r>
+            <a:r>
+              <a:rPr dirty="0"/>
+              <a:t> </a:t>
+            </a:r>
+            <a:r>
+              <a:rPr dirty="0" err="1"/>
+              <a:t>בפיתוח</a:t>
+            </a:r>
+            <a:r>
+              <a:rPr dirty="0"/>
+              <a:t> </a:t>
+            </a:r>
+            <a:r>
+              <a:rPr dirty="0" err="1"/>
+              <a:t>האפליקצייה</a:t>
+            </a:r>
+            <a:r>
+              <a:rPr dirty="0"/>
+              <a:t> </a:t>
+            </a:r>
+            <a:r>
+              <a:rPr dirty="0" err="1"/>
+              <a:t>היה</a:t>
+            </a:r>
+            <a:r>
+              <a:rPr dirty="0"/>
+              <a:t> </a:t>
+            </a:r>
+            <a:r>
+              <a:rPr dirty="0" err="1"/>
+              <a:t>ביצוע</a:t>
+            </a:r>
+            <a:r>
+              <a:rPr dirty="0"/>
+              <a:t> </a:t>
+            </a:r>
+            <a:r>
+              <a:rPr dirty="0" err="1" smtClean="0"/>
+              <a:t>שאילתותSPARQL</a:t>
+            </a:r>
+            <a:r>
+              <a:rPr dirty="0" smtClean="0"/>
+              <a:t> </a:t>
+            </a:r>
+            <a:r>
+              <a:rPr lang="he-IL" dirty="0" smtClean="0"/>
+              <a:t> </a:t>
+            </a:r>
+            <a:r>
+              <a:rPr dirty="0" err="1" smtClean="0"/>
+              <a:t>אל</a:t>
+            </a:r>
+            <a:r>
+              <a:rPr dirty="0" smtClean="0"/>
+              <a:t> </a:t>
+            </a:r>
+            <a:r>
+              <a:rPr dirty="0" err="1"/>
+              <a:t>מול</a:t>
+            </a:r>
+            <a:r>
+              <a:rPr dirty="0"/>
+              <a:t> </a:t>
+            </a:r>
+            <a:r>
+              <a:rPr dirty="0" err="1"/>
+              <a:t>השרת</a:t>
+            </a:r>
+            <a:r>
+              <a:rPr dirty="0"/>
+              <a:t>, </a:t>
+            </a:r>
+            <a:r>
+              <a:rPr dirty="0" err="1"/>
+              <a:t>הקושי</a:t>
+            </a:r>
+            <a:r>
+              <a:rPr dirty="0"/>
+              <a:t> </a:t>
+            </a:r>
+            <a:r>
+              <a:rPr dirty="0" err="1"/>
+              <a:t>נבע</a:t>
+            </a:r>
+            <a:r>
+              <a:rPr dirty="0"/>
+              <a:t> </a:t>
+            </a:r>
+            <a:r>
+              <a:rPr dirty="0" err="1"/>
+              <a:t>מכמה</a:t>
+            </a:r>
+            <a:r>
+              <a:rPr dirty="0"/>
+              <a:t> </a:t>
+            </a:r>
+            <a:r>
+              <a:rPr dirty="0" err="1" smtClean="0"/>
+              <a:t>סיבות</a:t>
+            </a:r>
+            <a:r>
+              <a:rPr dirty="0" smtClean="0"/>
+              <a:t>:</a:t>
+            </a:r>
+            <a:endParaRPr lang="he-IL" dirty="0" smtClean="0"/>
+          </a:p>
+          <a:p>
+            <a:pPr marL="457200" indent="-457200" algn="r" rtl="1">
+              <a:buAutoNum type="arabicParenR"/>
+              <a:defRPr sz="2000"/>
+            </a:pPr>
+            <a:r>
+              <a:rPr lang="en-US" dirty="0" err="1" smtClean="0"/>
+              <a:t>Androjena</a:t>
+            </a:r>
+            <a:r>
+              <a:rPr lang="he-IL" dirty="0" smtClean="0"/>
+              <a:t> איננה מתוחזקת כבר זמן רב.</a:t>
+            </a:r>
+          </a:p>
+          <a:p>
+            <a:pPr marL="457200" indent="-457200" algn="r" rtl="1">
+              <a:buAutoNum type="arabicParenR"/>
+              <a:defRPr sz="2000"/>
+            </a:pPr>
+            <a:r>
+              <a:rPr lang="he-IL" dirty="0" smtClean="0"/>
+              <a:t>לא היה תיעוד או מידע במנועי החיפוש לגבי אופן התקשורת של מכשיר </a:t>
+            </a:r>
+            <a:r>
+              <a:rPr lang="en-US" dirty="0" smtClean="0"/>
+              <a:t>Android</a:t>
+            </a:r>
+            <a:r>
+              <a:rPr lang="he-IL" dirty="0" smtClean="0"/>
+              <a:t> ב-</a:t>
+            </a:r>
+            <a:r>
+              <a:rPr lang="en-US" dirty="0" smtClean="0"/>
+              <a:t>SPARQL</a:t>
+            </a:r>
+            <a:r>
+              <a:rPr lang="he-IL" dirty="0" smtClean="0"/>
+              <a:t>.</a:t>
+            </a:r>
+          </a:p>
+          <a:p>
+            <a:pPr marL="0" indent="0" algn="r" rtl="1">
+              <a:buNone/>
+              <a:defRPr sz="2000"/>
+            </a:pPr>
+            <a:r>
+              <a:rPr lang="he-IL" dirty="0" smtClean="0"/>
+              <a:t>בסופו של דבר, השאילתות בוצעו ב-</a:t>
+            </a:r>
+            <a:r>
+              <a:rPr lang="en-US" dirty="0" smtClean="0"/>
+              <a:t>SPARQL</a:t>
+            </a:r>
+            <a:r>
+              <a:rPr lang="he-IL" dirty="0" smtClean="0"/>
+              <a:t> ללא בדיקות סינטקס פנימי של נכונותן.</a:t>
+            </a:r>
+          </a:p>
+          <a:p>
+            <a:pPr marL="0" indent="0" algn="r" rtl="1">
+              <a:buNone/>
+              <a:defRPr sz="2000"/>
+            </a:pPr>
+            <a:r>
+              <a:rPr lang="he-IL" dirty="0" smtClean="0"/>
+              <a:t>הסתמכתי הרבה על שאילתות שניתנו לי על ידי אורן ועל שאילתות מהפרוייקט </a:t>
+            </a:r>
+            <a:r>
+              <a:rPr lang="en-US" dirty="0" err="1" smtClean="0"/>
+              <a:t>jbs</a:t>
+            </a:r>
+            <a:r>
+              <a:rPr lang="en-US" dirty="0" smtClean="0"/>
+              <a:t>-search</a:t>
+            </a:r>
+            <a:r>
+              <a:rPr lang="he-IL" dirty="0" smtClean="0"/>
+              <a:t>, וכן על הרצת שאילתות מול ה-</a:t>
+            </a:r>
+            <a:r>
+              <a:rPr lang="en-US" dirty="0" smtClean="0"/>
+              <a:t>endpoint</a:t>
+            </a:r>
+            <a:r>
+              <a:rPr lang="he-IL" dirty="0" smtClean="0"/>
+              <a:t> שניתן לי על מנת לבחון את נכונותן (</a:t>
+            </a:r>
+            <a:r>
+              <a:rPr lang="en-US" dirty="0"/>
+              <a:t>http://</a:t>
+            </a:r>
+            <a:r>
+              <a:rPr lang="en-US" dirty="0" smtClean="0"/>
+              <a:t>tdk-p6.cs.technion.ac.il:8081/search.html</a:t>
+            </a:r>
+            <a:r>
+              <a:rPr lang="he-IL" dirty="0"/>
+              <a:t>)</a:t>
+            </a:r>
+            <a:r>
+              <a:rPr lang="he-IL" dirty="0" smtClean="0"/>
+              <a:t>.</a:t>
+            </a:r>
+            <a:endParaRPr lang="he-IL" dirty="0"/>
+          </a:p>
+        </p:txBody>
+      </p:sp>
+    </p:spTree>
+  </p:cSld>
+  <p:clrMapOvr>
+    <a:masterClrMapping/>
+  </p:clrMapOvr>
+  <p:transition spd="med"/>
+  <p:timing>
+    <p:tnLst>
+      <p:par>
+        <p:cTn id="1" dur="indefinite" restart="never" nodeType="tmRoot"/>
+      </p:par>
+    </p:tnLst>
+  </p:timing>
+</p:sld>
+</file>
+
+<file path=ppt/slides/slide2.xml><?xml version="1.0" encoding="utf-8"?>
+<p:sld xmlns:a="http://schemas.openxmlformats.org/drawingml/2006/main" xmlns:r="http://schemas.openxmlformats.org/officeDocument/2006/relationships" xmlns:p="http://schemas.openxmlformats.org/presentationml/2006/main">
+  <p:cSld>
+    <p:bg>
+      <p:bgPr>
+        <a:solidFill>
+          <a:srgbClr val="DCDEE0"/>
+        </a:solidFill>
+        <a:effectLst/>
+      </p:bgPr>
+    </p:bg>
+    <p:spTree>
+      <p:nvGrpSpPr>
+        <p:cNvPr id="1" name=""/>
+        <p:cNvGrpSpPr/>
+        <p:nvPr/>
+      </p:nvGrpSpPr>
+      <p:grpSpPr>
+        <a:xfrm>
+          <a:off x="0" y="0"/>
+          <a:ext cx="0" cy="0"/>
+          <a:chOff x="0" y="0"/>
+          <a:chExt cx="0" cy="0"/>
+        </a:xfrm>
+      </p:grpSpPr>
+      <p:sp>
+        <p:nvSpPr>
+          <p:cNvPr id="118" name="אודות האפליקציה"/>
+          <p:cNvSpPr txBox="1">
+            <a:spLocks noGrp="1"/>
+          </p:cNvSpPr>
+          <p:nvPr>
+            <p:ph type="title"/>
+          </p:nvPr>
+        </p:nvSpPr>
+        <p:spPr>
+          <a:prstGeom prst="rect">
+            <a:avLst/>
+          </a:prstGeom>
+        </p:spPr>
+        <p:txBody>
+          <a:bodyPr/>
+          <a:lstStyle>
+            <a:lvl1pPr rtl="1">
+              <a:defRPr/>
+            </a:lvl1pPr>
+          </a:lstStyle>
+          <a:p>
+            <a:r>
+              <a:t>אודות האפליקציה</a:t>
+            </a:r>
+          </a:p>
+        </p:txBody>
+      </p:sp>
+      <p:sp>
+        <p:nvSpPr>
+          <p:cNvPr id="119" name="האפליקציה מאפשרת למשתמש לחפש במאגרי המידע של ארון הספרים היהודי.…"/>
+          <p:cNvSpPr txBox="1">
+            <a:spLocks noGrp="1"/>
+          </p:cNvSpPr>
           <p:nvPr>
             <p:ph type="body" idx="1"/>
           </p:nvPr>
@@ -4756,37 +6629,161 @@
           <a:bodyPr anchor="t"/>
           <a:lstStyle/>
           <a:p>
-            <a:pPr algn="r" rtl="1">
-              <a:defRPr sz="2000"/>
-            </a:pPr>
-            <a:r>
-              <a:t>עיקר האתגר בפיתוח האפליקצייה היה ביצוע שאילתות SPARQL אל מול השרת, הקושי נבע מכמה סיבות:</a:t>
-            </a:r>
-          </a:p>
-          <a:p>
-            <a:pPr lvl="2" algn="r">
-              <a:defRPr sz="2000"/>
-            </a:pPr>
-            <a:r>
-              <a:t>Jena לאנדרואיד איננו מתוחזק זמן רב.</a:t>
-            </a:r>
-          </a:p>
-          <a:p>
-            <a:pPr lvl="2" algn="r" rtl="1">
-              <a:defRPr sz="2000"/>
-            </a:pPr>
-            <a:r>
-              <a:t>לא היה תיעוד או מדריכים במנועי החיפוש על איך לתקשר ממכשיר אנדרואיד ב-SPARQL .</a:t>
-            </a:r>
-          </a:p>
-          <a:p>
-            <a:pPr lvl="2" marL="0" indent="457200" algn="r" rtl="1">
+            <a:pPr marL="0" indent="0" algn="r">
               <a:buSzTx/>
               <a:buNone/>
-              <a:defRPr sz="2000"/>
+              <a:defRPr sz="2600"/>
             </a:pPr>
-            <a:r>
-              <a:t>בסופו של דבר, השאילתות בוצעו ב-SPARQL ללא בדיקות סינטקס פנימיות של נכונות השאילתא, והסתמכתי הרבה על שאילתות שניתנו לי על ידי אורן ורון ועל הרצת שאילתות אל מול ה-endpoint שניתנה לי על מנת לבחון את נכונותן.</a:t>
+            <a:endParaRPr dirty="0"/>
+          </a:p>
+          <a:p>
+            <a:pPr marL="0" indent="0" algn="r" rtl="1">
+              <a:buSzTx/>
+              <a:buNone/>
+              <a:defRPr sz="2600"/>
+            </a:pPr>
+            <a:r>
+              <a:rPr dirty="0" err="1"/>
+              <a:t>האפליקציה</a:t>
+            </a:r>
+            <a:r>
+              <a:rPr dirty="0"/>
+              <a:t> </a:t>
+            </a:r>
+            <a:r>
+              <a:rPr dirty="0" err="1"/>
+              <a:t>מאפשרת</a:t>
+            </a:r>
+            <a:r>
+              <a:rPr dirty="0"/>
+              <a:t> </a:t>
+            </a:r>
+            <a:r>
+              <a:rPr dirty="0" err="1"/>
+              <a:t>למשתמש</a:t>
+            </a:r>
+            <a:r>
+              <a:rPr dirty="0"/>
+              <a:t> </a:t>
+            </a:r>
+            <a:r>
+              <a:rPr dirty="0" err="1"/>
+              <a:t>לחפש</a:t>
+            </a:r>
+            <a:r>
+              <a:rPr dirty="0"/>
+              <a:t> </a:t>
+            </a:r>
+            <a:r>
+              <a:rPr dirty="0" err="1"/>
+              <a:t>במאגרי</a:t>
+            </a:r>
+            <a:r>
+              <a:rPr dirty="0"/>
+              <a:t> </a:t>
+            </a:r>
+            <a:r>
+              <a:rPr dirty="0" err="1"/>
+              <a:t>המידע</a:t>
+            </a:r>
+            <a:r>
+              <a:rPr dirty="0"/>
+              <a:t> </a:t>
+            </a:r>
+            <a:r>
+              <a:rPr dirty="0" err="1"/>
+              <a:t>של</a:t>
+            </a:r>
+            <a:r>
+              <a:rPr dirty="0"/>
+              <a:t> </a:t>
+            </a:r>
+            <a:r>
+              <a:rPr dirty="0" err="1"/>
+              <a:t>ארון</a:t>
+            </a:r>
+            <a:r>
+              <a:rPr dirty="0"/>
+              <a:t> </a:t>
+            </a:r>
+            <a:r>
+              <a:rPr dirty="0" err="1"/>
+              <a:t>הספרים</a:t>
+            </a:r>
+            <a:r>
+              <a:rPr dirty="0"/>
+              <a:t> </a:t>
+            </a:r>
+            <a:r>
+              <a:rPr dirty="0" err="1" smtClean="0"/>
+              <a:t>היהודי</a:t>
+            </a:r>
+            <a:r>
+              <a:rPr lang="he-IL" dirty="0" smtClean="0"/>
+              <a:t>. </a:t>
+            </a:r>
+            <a:endParaRPr lang="en-US" dirty="0" smtClean="0"/>
+          </a:p>
+          <a:p>
+            <a:pPr marL="0" indent="0" algn="r" rtl="1">
+              <a:buSzTx/>
+              <a:buNone/>
+              <a:defRPr sz="2600"/>
+            </a:pPr>
+            <a:r>
+              <a:rPr lang="he-IL" dirty="0" smtClean="0"/>
+              <a:t>מאגרי מידע אלו בנויים על גבי </a:t>
+            </a:r>
+            <a:r>
+              <a:rPr lang="en-US" dirty="0" smtClean="0"/>
+              <a:t>linked data set</a:t>
+            </a:r>
+            <a:r>
+              <a:rPr lang="he-IL" dirty="0" smtClean="0"/>
+              <a:t> הממומש על ידי </a:t>
+            </a:r>
+            <a:r>
+              <a:rPr lang="en-US" dirty="0" smtClean="0"/>
+              <a:t>RDF</a:t>
+            </a:r>
+            <a:r>
+              <a:rPr lang="he-IL" dirty="0" smtClean="0"/>
+              <a:t>. ניתן לגשת לפרוייקט המנגיש זאת</a:t>
+            </a:r>
+            <a:r>
+              <a:rPr lang="en-US" dirty="0" smtClean="0"/>
+              <a:t> </a:t>
+            </a:r>
+            <a:r>
+              <a:rPr lang="he-IL" dirty="0" smtClean="0"/>
+              <a:t>בלינק הבא: </a:t>
+            </a:r>
+            <a:r>
+              <a:rPr lang="en-US" dirty="0">
+                <a:hlinkClick r:id="rId2"/>
+              </a:rPr>
+              <a:t>https://</a:t>
+            </a:r>
+            <a:r>
+              <a:rPr lang="en-US" dirty="0" smtClean="0">
+                <a:hlinkClick r:id="rId2"/>
+              </a:rPr>
+              <a:t>github.com/TechnionTDK/jbs-project</a:t>
+            </a:r>
+            <a:r>
+              <a:rPr lang="he-IL" dirty="0" smtClean="0"/>
+              <a:t> .</a:t>
+            </a:r>
+          </a:p>
+          <a:p>
+            <a:pPr marL="0" indent="0" algn="r" rtl="1">
+              <a:buSzTx/>
+              <a:buNone/>
+              <a:defRPr sz="2600"/>
+            </a:pPr>
+            <a:r>
+              <a:rPr lang="he-IL" dirty="0" smtClean="0"/>
+              <a:t>האפליקצייה משתמשת במאגרי מידע אלו על מנת להציג מידע מעניין למשתמש, ולתת לו חוויה נוחה ומלאת אפשרויות. (פירוט בהמשך)</a:t>
             </a:r>
           </a:p>
         </p:txBody>
@@ -4796,18 +6793,26 @@
   <p:clrMapOvr>
     <a:masterClrMapping/>
   </p:clrMapOvr>
-  <p:transition xmlns:p14="http://schemas.microsoft.com/office/powerpoint/2010/main" spd="med" advClick="1"/>
+  <p:transition spd="med"/>
+  <p:timing>
+    <p:tnLst>
+      <p:par>
+        <p:cTn id="1" dur="indefinite" restart="never" nodeType="tmRoot"/>
+      </p:par>
+    </p:tnLst>
+  </p:timing>
 </p:sld>
 </file>
 
-<file path=ppt/slides/slide18.xml><?xml version="1.0" encoding="utf-8"?>
-<p:sld xmlns:a="http://schemas.openxmlformats.org/drawingml/2006/main" xmlns:r="http://schemas.openxmlformats.org/officeDocument/2006/relationships" xmlns:p="http://schemas.openxmlformats.org/presentationml/2006/main" showMasterSp="1" showMasterPhAnim="1">
+<file path=ppt/slides/slide20.xml><?xml version="1.0" encoding="utf-8"?>
+<p:sld xmlns:a="http://schemas.openxmlformats.org/drawingml/2006/main" xmlns:r="http://schemas.openxmlformats.org/officeDocument/2006/relationships" xmlns:p="http://schemas.openxmlformats.org/presentationml/2006/main">
   <p:cSld>
     <p:bg>
       <p:bgPr>
         <a:solidFill>
           <a:srgbClr val="DCDEE0"/>
         </a:solidFill>
+        <a:effectLst/>
       </p:bgPr>
     </p:bg>
     <p:spTree>
@@ -4827,7 +6832,9 @@
       <p:sp>
         <p:nvSpPr>
           <p:cNvPr id="201" name="לסיכום"/>
-          <p:cNvSpPr txBox="1"/>
+          <p:cNvSpPr txBox="1">
+            <a:spLocks noGrp="1"/>
+          </p:cNvSpPr>
           <p:nvPr>
             <p:ph type="title"/>
           </p:nvPr>
@@ -4845,7 +6852,6 @@
             </a:lvl1pPr>
           </a:lstStyle>
           <a:p>
-            <a:pPr/>
             <a:r>
               <a:t>לסיכום</a:t>
             </a:r>
@@ -4855,7 +6861,9 @@
       <p:sp>
         <p:nvSpPr>
           <p:cNvPr id="202" name="רשימת מקורות:…"/>
-          <p:cNvSpPr txBox="1"/>
+          <p:cNvSpPr txBox="1">
+            <a:spLocks noGrp="1"/>
+          </p:cNvSpPr>
           <p:nvPr>
             <p:ph type="body" idx="1"/>
           </p:nvPr>
@@ -4898,7 +6906,7 @@
                     <a:srgbClr val="0000FF"/>
                   </a:solidFill>
                 </a:uFill>
-                <a:hlinkClick r:id="rId2" invalidUrl="" action="" tgtFrame="" tooltip="" history="1" highlightClick="0" endSnd="0"/>
+                <a:hlinkClick r:id="rId2"/>
               </a:rPr>
               <a:t>https://github.com/lencinhaus/androjena</a:t>
             </a:r>
@@ -4919,7 +6927,7 @@
                     <a:srgbClr val="0000FF"/>
                   </a:solidFill>
                 </a:uFill>
-                <a:hlinkClick r:id="rId3" invalidUrl="" action="" tgtFrame="" tooltip="" history="1" highlightClick="0" endSnd="0"/>
+                <a:hlinkClick r:id="rId3"/>
               </a:rPr>
               <a:t>https://code.google.com/archive/p/androjena/</a:t>
             </a:r>
@@ -4940,7 +6948,7 @@
                     <a:srgbClr val="0000FF"/>
                   </a:solidFill>
                 </a:uFill>
-                <a:hlinkClick r:id="rId4" invalidUrl="" action="" tgtFrame="" tooltip="" history="1" highlightClick="0" endSnd="0"/>
+                <a:hlinkClick r:id="rId4"/>
               </a:rPr>
               <a:t>https://stackoverflow.com/search?q=androjena</a:t>
             </a:r>
@@ -4961,7 +6969,7 @@
                     <a:srgbClr val="0000FF"/>
                   </a:solidFill>
                 </a:uFill>
-                <a:hlinkClick r:id="rId5" invalidUrl="" action="" tgtFrame="" tooltip="" history="1" highlightClick="0" endSnd="0"/>
+                <a:hlinkClick r:id="rId5"/>
               </a:rPr>
               <a:t>https://developer.android.com/guide/index.html</a:t>
             </a:r>
@@ -4996,7 +7004,7 @@
                     <a:srgbClr val="0000FF"/>
                   </a:solidFill>
                 </a:uFill>
-                <a:hlinkClick r:id="rId6" invalidUrl="" action="" tgtFrame="" tooltip="" history="1" highlightClick="0" endSnd="0"/>
+                <a:hlinkClick r:id="rId6"/>
               </a:rPr>
               <a:t>https://github.com/TechnionTDK/jbs-mekorot-android</a:t>
             </a:r>
@@ -5008,18 +7016,26 @@
   <p:clrMapOvr>
     <a:masterClrMapping/>
   </p:clrMapOvr>
-  <p:transition xmlns:p14="http://schemas.microsoft.com/office/powerpoint/2010/main" spd="med" advClick="1"/>
+  <p:transition spd="med"/>
+  <p:timing>
+    <p:tnLst>
+      <p:par>
+        <p:cTn id="1" dur="indefinite" restart="never" nodeType="tmRoot"/>
+      </p:par>
+    </p:tnLst>
+  </p:timing>
 </p:sld>
 </file>
 
-<file path=ppt/slides/slide2.xml><?xml version="1.0" encoding="utf-8"?>
-<p:sld xmlns:a="http://schemas.openxmlformats.org/drawingml/2006/main" xmlns:r="http://schemas.openxmlformats.org/officeDocument/2006/relationships" xmlns:p="http://schemas.openxmlformats.org/presentationml/2006/main" showMasterSp="1" showMasterPhAnim="1">
+<file path=ppt/slides/slide3.xml><?xml version="1.0" encoding="utf-8"?>
+<p:sld xmlns:a="http://schemas.openxmlformats.org/drawingml/2006/main" xmlns:r="http://schemas.openxmlformats.org/officeDocument/2006/relationships" xmlns:p="http://schemas.openxmlformats.org/presentationml/2006/main">
   <p:cSld>
     <p:bg>
       <p:bgPr>
         <a:solidFill>
           <a:srgbClr val="DCDEE0"/>
         </a:solidFill>
+        <a:effectLst/>
       </p:bgPr>
     </p:bg>
     <p:spTree>
@@ -5039,7 +7055,9 @@
       <p:sp>
         <p:nvSpPr>
           <p:cNvPr id="118" name="אודות האפליקציה"/>
-          <p:cNvSpPr txBox="1"/>
+          <p:cNvSpPr txBox="1">
+            <a:spLocks noGrp="1"/>
+          </p:cNvSpPr>
           <p:nvPr>
             <p:ph type="title"/>
           </p:nvPr>
@@ -5057,17 +7075,202 @@
             </a:lvl1pPr>
           </a:lstStyle>
           <a:p>
-            <a:pPr/>
-            <a:r>
-              <a:t>אודות האפליקציה</a:t>
-            </a:r>
+            <a:r>
+              <a:rPr lang="he-IL" dirty="0" smtClean="0"/>
+              <a:t>טכנולוגיות בשימוש</a:t>
+            </a:r>
+            <a:endParaRPr dirty="0"/>
           </a:p>
         </p:txBody>
       </p:sp>
       <p:sp>
         <p:nvSpPr>
           <p:cNvPr id="119" name="האפליקציה מאפשרת למשתמש לחפש במאגרי המידע של ארון הספרים היהודי.…"/>
-          <p:cNvSpPr txBox="1"/>
+          <p:cNvSpPr txBox="1">
+            <a:spLocks noGrp="1"/>
+          </p:cNvSpPr>
+          <p:nvPr>
+            <p:ph type="body" idx="1"/>
+          </p:nvPr>
+        </p:nvSpPr>
+        <p:spPr>
+          <a:xfrm>
+            <a:off x="952500" y="2603500"/>
+            <a:ext cx="11099800" cy="6286500"/>
+          </a:xfrm>
+          <a:prstGeom prst="rect">
+            <a:avLst/>
+          </a:prstGeom>
+        </p:spPr>
+        <p:txBody>
+          <a:bodyPr anchor="t"/>
+          <a:lstStyle/>
+          <a:p>
+            <a:pPr marL="0" indent="0" algn="r">
+              <a:buSzTx/>
+              <a:buNone/>
+              <a:defRPr sz="2600"/>
+            </a:pPr>
+            <a:r>
+              <a:rPr lang="he-IL" dirty="0" smtClean="0"/>
+              <a:t> על מנת לאגור מידע ולהציגו בצורה נוחה.	</a:t>
+            </a:r>
+            <a:r>
+              <a:rPr lang="en-US" dirty="0" smtClean="0"/>
+              <a:t>SPARQL</a:t>
+            </a:r>
+            <a:r>
+              <a:rPr lang="he-IL" dirty="0" smtClean="0"/>
+              <a:t>האפלקיצייה משתמשת בשאילתות </a:t>
+            </a:r>
+          </a:p>
+          <a:p>
+            <a:pPr marL="0" indent="0" algn="r">
+              <a:buSzTx/>
+              <a:buNone/>
+              <a:defRPr sz="2600"/>
+            </a:pPr>
+            <a:r>
+              <a:rPr lang="en-US" b="1" dirty="0"/>
+              <a:t>Java</a:t>
+            </a:r>
+            <a:r>
+              <a:rPr lang="en-US" dirty="0"/>
+              <a:t> - https://docs.oracle.com/javase/specs/</a:t>
+            </a:r>
+            <a:r>
+              <a:rPr lang="he-IL" dirty="0" smtClean="0"/>
+              <a:t>1) </a:t>
+            </a:r>
+          </a:p>
+          <a:p>
+            <a:pPr marL="0" indent="0" algn="r">
+              <a:buSzTx/>
+              <a:buNone/>
+              <a:defRPr sz="2600"/>
+            </a:pPr>
+            <a:r>
+              <a:rPr lang="en-US" b="1" dirty="0"/>
+              <a:t>SPARQL</a:t>
+            </a:r>
+            <a:r>
+              <a:rPr lang="en-US" dirty="0"/>
+              <a:t> - 	https://www.w3.org/TR/rdf-sparql-query/</a:t>
+            </a:r>
+            <a:r>
+              <a:rPr lang="he-IL" dirty="0" smtClean="0"/>
+              <a:t>2) </a:t>
+            </a:r>
+          </a:p>
+          <a:p>
+            <a:pPr marL="0" indent="0" algn="r">
+              <a:buSzTx/>
+              <a:buNone/>
+              <a:defRPr sz="2600"/>
+            </a:pPr>
+            <a:r>
+              <a:rPr lang="en-US" b="1" dirty="0" err="1" smtClean="0"/>
+              <a:t>Androjena</a:t>
+            </a:r>
+            <a:r>
+              <a:rPr lang="en-US" dirty="0"/>
+              <a:t> - https://</a:t>
+            </a:r>
+            <a:r>
+              <a:rPr lang="en-US" dirty="0" smtClean="0"/>
+              <a:t>github.com/lencinhaus/androjena</a:t>
+            </a:r>
+            <a:r>
+              <a:rPr lang="he-IL" dirty="0" smtClean="0"/>
+              <a:t>3) </a:t>
+            </a:r>
+            <a:endParaRPr dirty="0"/>
+          </a:p>
+        </p:txBody>
+      </p:sp>
+    </p:spTree>
+    <p:extLst>
+      <p:ext uri="{BB962C8B-B14F-4D97-AF65-F5344CB8AC3E}">
+        <p14:creationId xmlns:p14="http://schemas.microsoft.com/office/powerpoint/2010/main" val="1658159039"/>
+      </p:ext>
+    </p:extLst>
+  </p:cSld>
+  <p:clrMapOvr>
+    <a:masterClrMapping/>
+  </p:clrMapOvr>
+  <p:transition spd="med"/>
+  <p:timing>
+    <p:tnLst>
+      <p:par>
+        <p:cTn id="1" dur="indefinite" restart="never" nodeType="tmRoot"/>
+      </p:par>
+    </p:tnLst>
+  </p:timing>
+</p:sld>
+</file>
+
+<file path=ppt/slides/slide4.xml><?xml version="1.0" encoding="utf-8"?>
+<p:sld xmlns:a="http://schemas.openxmlformats.org/drawingml/2006/main" xmlns:r="http://schemas.openxmlformats.org/officeDocument/2006/relationships" xmlns:p="http://schemas.openxmlformats.org/presentationml/2006/main">
+  <p:cSld>
+    <p:bg>
+      <p:bgPr>
+        <a:solidFill>
+          <a:srgbClr val="DCDEE0"/>
+        </a:solidFill>
+        <a:effectLst/>
+      </p:bgPr>
+    </p:bg>
+    <p:spTree>
+      <p:nvGrpSpPr>
+        <p:cNvPr id="1" name=""/>
+        <p:cNvGrpSpPr/>
+        <p:nvPr/>
+      </p:nvGrpSpPr>
+      <p:grpSpPr>
+        <a:xfrm>
+          <a:off x="0" y="0"/>
+          <a:ext cx="0" cy="0"/>
+          <a:chOff x="0" y="0"/>
+          <a:chExt cx="0" cy="0"/>
+        </a:xfrm>
+      </p:grpSpPr>
+      <p:sp>
+        <p:nvSpPr>
+          <p:cNvPr id="118" name="אודות האפליקציה"/>
+          <p:cNvSpPr txBox="1">
+            <a:spLocks noGrp="1"/>
+          </p:cNvSpPr>
+          <p:nvPr>
+            <p:ph type="title"/>
+          </p:nvPr>
+        </p:nvSpPr>
+        <p:spPr>
+          <a:prstGeom prst="rect">
+            <a:avLst/>
+          </a:prstGeom>
+        </p:spPr>
+        <p:txBody>
+          <a:bodyPr/>
+          <a:lstStyle>
+            <a:lvl1pPr rtl="1">
+              <a:defRPr/>
+            </a:lvl1pPr>
+          </a:lstStyle>
+          <a:p>
+            <a:r>
+              <a:rPr lang="he-IL" dirty="0" smtClean="0"/>
+              <a:t>ארכיטקטורה כללית</a:t>
+            </a:r>
+            <a:endParaRPr dirty="0"/>
+          </a:p>
+        </p:txBody>
+      </p:sp>
+      <p:sp>
+        <p:nvSpPr>
+          <p:cNvPr id="119" name="האפליקציה מאפשרת למשתמש לחפש במאגרי המידע של ארון הספרים היהודי.…"/>
+          <p:cNvSpPr txBox="1">
+            <a:spLocks noGrp="1"/>
+          </p:cNvSpPr>
           <p:nvPr>
             <p:ph type="body" idx="1"/>
           </p:nvPr>
@@ -5081,21 +7284,12 @@
           <a:bodyPr anchor="t"/>
           <a:lstStyle/>
           <a:p>
-            <a:pPr marL="0" indent="0" algn="r">
-              <a:buSzTx/>
-              <a:buNone/>
-              <a:defRPr sz="2600"/>
-            </a:pPr>
-          </a:p>
-          <a:p>
             <a:pPr marL="0" indent="0" algn="r" rtl="1">
               <a:buSzTx/>
               <a:buNone/>
               <a:defRPr sz="2600"/>
             </a:pPr>
-            <a:r>
-              <a:t>האפליקציה מאפשרת למשתמש לחפש במאגרי המידע של ארון הספרים היהודי.</a:t>
-            </a:r>
+            <a:endParaRPr lang="he-IL" dirty="0" smtClean="0"/>
           </a:p>
           <a:p>
             <a:pPr marL="0" indent="0" algn="r" rtl="1">
@@ -5104,28 +7298,504 @@
               <a:defRPr sz="2600"/>
             </a:pPr>
             <a:r>
-              <a:t>המשתמש בוחר פרק או פרשה, ולאחר בחירת פסוקים בפרק או בפרשה, האפליקציה מאפשרת לו לחפש במאגרי המידע את הפירושים המאזכרים את הפסוקים שבחר.</a:t>
-            </a:r>
+              <a:rPr lang="he-IL" dirty="0" smtClean="0"/>
+              <a:t>האפליקצייה פונה אל ה-</a:t>
+            </a:r>
+            <a:r>
+              <a:rPr lang="en-US" dirty="0" smtClean="0"/>
+              <a:t>linked data set</a:t>
+            </a:r>
+            <a:r>
+              <a:rPr lang="he-IL" dirty="0" smtClean="0"/>
+              <a:t> הממומש על ידי </a:t>
+            </a:r>
+            <a:r>
+              <a:rPr lang="en-US" dirty="0" smtClean="0"/>
+              <a:t>RDF</a:t>
+            </a:r>
+            <a:r>
+              <a:rPr lang="he-IL" dirty="0" smtClean="0"/>
+              <a:t> הנמצא על שרת ארון הספרים היהודי באמצעות שאילתות </a:t>
+            </a:r>
+            <a:r>
+              <a:rPr lang="en-US" dirty="0" smtClean="0"/>
+              <a:t>SPARQL</a:t>
+            </a:r>
+            <a:r>
+              <a:rPr lang="he-IL" dirty="0" smtClean="0"/>
+              <a:t>.</a:t>
+            </a:r>
+          </a:p>
+          <a:p>
+            <a:pPr marL="0" indent="0" algn="r" rtl="1">
+              <a:buSzTx/>
+              <a:buNone/>
+              <a:defRPr sz="2600"/>
+            </a:pPr>
+            <a:r>
+              <a:rPr lang="he-IL" dirty="0" smtClean="0"/>
+              <a:t>אופן התקשורת הנ"ל מאפשר לנו להשיג את כל המידע הנחוץ לאפליקצייה.</a:t>
+            </a:r>
+          </a:p>
+        </p:txBody>
+      </p:sp>
+      <p:sp>
+        <p:nvSpPr>
+          <p:cNvPr id="4" name="Flowchart: Magnetic Disk 3">
+            <a:extLst>
+              <a:ext uri="{FF2B5EF4-FFF2-40B4-BE49-F238E27FC236}">
+                <a16:creationId xmlns:a16="http://schemas.microsoft.com/office/drawing/2014/main" xmlns="" id="{08262231-3AF0-49D7-B816-CA65C44AA633}"/>
+              </a:ext>
+            </a:extLst>
+          </p:cNvPr>
+          <p:cNvSpPr/>
+          <p:nvPr/>
+        </p:nvSpPr>
+        <p:spPr>
+          <a:xfrm>
+            <a:off x="8236033" y="6213514"/>
+            <a:ext cx="1745250" cy="2419471"/>
+          </a:xfrm>
+          <a:prstGeom prst="flowChartMagneticDisk">
+            <a:avLst/>
+          </a:prstGeom>
+          <a:solidFill>
+            <a:schemeClr val="accent1">
+              <a:lumMod val="60000"/>
+              <a:lumOff val="40000"/>
+            </a:schemeClr>
+          </a:solidFill>
+        </p:spPr>
+        <p:style>
+          <a:lnRef idx="2">
+            <a:schemeClr val="accent1">
+              <a:shade val="50000"/>
+            </a:schemeClr>
+          </a:lnRef>
+          <a:fillRef idx="1">
+            <a:schemeClr val="accent1"/>
+          </a:fillRef>
+          <a:effectRef idx="0">
+            <a:schemeClr val="accent1"/>
+          </a:effectRef>
+          <a:fontRef idx="minor">
+            <a:schemeClr val="lt1"/>
+          </a:fontRef>
+        </p:style>
+        <p:txBody>
+          <a:bodyPr rtlCol="0" anchor="ctr"/>
+          <a:lstStyle/>
+          <a:p>
+            <a:pPr algn="ctr"/>
+            <a:r>
+              <a:rPr lang="en-US" b="1" dirty="0" err="1">
+                <a:solidFill>
+                  <a:schemeClr val="bg2">
+                    <a:lumMod val="25000"/>
+                  </a:schemeClr>
+                </a:solidFill>
+                <a:latin typeface="Arial" panose="020B0604020202020204" pitchFamily="34" charset="0"/>
+                <a:cs typeface="Arial" panose="020B0604020202020204" pitchFamily="34" charset="0"/>
+              </a:rPr>
+              <a:t>Sparql</a:t>
+            </a:r>
+            <a:endParaRPr lang="en-US" b="1" dirty="0">
+              <a:solidFill>
+                <a:schemeClr val="bg2">
+                  <a:lumMod val="25000"/>
+                </a:schemeClr>
+              </a:solidFill>
+              <a:latin typeface="Arial" panose="020B0604020202020204" pitchFamily="34" charset="0"/>
+              <a:cs typeface="Arial" panose="020B0604020202020204" pitchFamily="34" charset="0"/>
+            </a:endParaRPr>
+          </a:p>
+          <a:p>
+            <a:pPr algn="ctr"/>
+            <a:r>
+              <a:rPr lang="en-US" b="1" dirty="0">
+                <a:solidFill>
+                  <a:schemeClr val="bg2">
+                    <a:lumMod val="25000"/>
+                  </a:schemeClr>
+                </a:solidFill>
+                <a:latin typeface="Arial" panose="020B0604020202020204" pitchFamily="34" charset="0"/>
+                <a:cs typeface="Arial" panose="020B0604020202020204" pitchFamily="34" charset="0"/>
+              </a:rPr>
+              <a:t>Engine</a:t>
+            </a:r>
+            <a:endParaRPr lang="x-none" dirty="0">
+              <a:latin typeface="Arial" panose="020B0604020202020204" pitchFamily="34" charset="0"/>
+              <a:cs typeface="Arial" panose="020B0604020202020204" pitchFamily="34" charset="0"/>
+            </a:endParaRPr>
+          </a:p>
+        </p:txBody>
+      </p:sp>
+      <p:sp>
+        <p:nvSpPr>
+          <p:cNvPr id="5" name="Arrow: Left-Right 8">
+            <a:extLst>
+              <a:ext uri="{FF2B5EF4-FFF2-40B4-BE49-F238E27FC236}">
+                <a16:creationId xmlns:a16="http://schemas.microsoft.com/office/drawing/2014/main" xmlns="" id="{C9366E11-C10D-445D-BA2C-F06D88EC7442}"/>
+              </a:ext>
+            </a:extLst>
+          </p:cNvPr>
+          <p:cNvSpPr/>
+          <p:nvPr/>
+        </p:nvSpPr>
+        <p:spPr>
+          <a:xfrm>
+            <a:off x="4737913" y="7037451"/>
+            <a:ext cx="3098340" cy="614509"/>
+          </a:xfrm>
+          <a:prstGeom prst="leftRightArrow">
+            <a:avLst/>
+          </a:prstGeom>
+          <a:solidFill>
+            <a:schemeClr val="bg1"/>
+          </a:solidFill>
+        </p:spPr>
+        <p:style>
+          <a:lnRef idx="2">
+            <a:schemeClr val="accent1">
+              <a:shade val="50000"/>
+            </a:schemeClr>
+          </a:lnRef>
+          <a:fillRef idx="1">
+            <a:schemeClr val="accent1"/>
+          </a:fillRef>
+          <a:effectRef idx="0">
+            <a:schemeClr val="accent1"/>
+          </a:effectRef>
+          <a:fontRef idx="minor">
+            <a:schemeClr val="lt1"/>
+          </a:fontRef>
+        </p:style>
+        <p:txBody>
+          <a:bodyPr rtlCol="0" anchor="ctr"/>
+          <a:lstStyle/>
+          <a:p>
+            <a:pPr algn="ctr"/>
+            <a:endParaRPr lang="x-none" dirty="0">
+              <a:solidFill>
+                <a:schemeClr val="bg2">
+                  <a:lumMod val="25000"/>
+                </a:schemeClr>
+              </a:solidFill>
+              <a:latin typeface="Arial" panose="020B0604020202020204" pitchFamily="34" charset="0"/>
+              <a:cs typeface="Arial" panose="020B0604020202020204" pitchFamily="34" charset="0"/>
+            </a:endParaRPr>
+          </a:p>
+        </p:txBody>
+      </p:sp>
+      <p:sp>
+        <p:nvSpPr>
+          <p:cNvPr id="6" name="Flowchart: Alternate Process 5">
+            <a:extLst>
+              <a:ext uri="{FF2B5EF4-FFF2-40B4-BE49-F238E27FC236}">
+                <a16:creationId xmlns:a16="http://schemas.microsoft.com/office/drawing/2014/main" xmlns="" id="{01803E46-A686-4B1C-8F80-352ACF2DA2C7}"/>
+              </a:ext>
+            </a:extLst>
+          </p:cNvPr>
+          <p:cNvSpPr/>
+          <p:nvPr/>
+        </p:nvSpPr>
+        <p:spPr>
+          <a:xfrm>
+            <a:off x="2049137" y="6323682"/>
+            <a:ext cx="2288996" cy="2122016"/>
+          </a:xfrm>
+          <a:prstGeom prst="flowChartAlternateProcess">
+            <a:avLst/>
+          </a:prstGeom>
+          <a:solidFill>
+            <a:schemeClr val="accent1">
+              <a:lumMod val="60000"/>
+              <a:lumOff val="40000"/>
+            </a:schemeClr>
+          </a:solidFill>
+        </p:spPr>
+        <p:style>
+          <a:lnRef idx="2">
+            <a:schemeClr val="accent1">
+              <a:shade val="50000"/>
+            </a:schemeClr>
+          </a:lnRef>
+          <a:fillRef idx="1">
+            <a:schemeClr val="accent1"/>
+          </a:fillRef>
+          <a:effectRef idx="0">
+            <a:schemeClr val="accent1"/>
+          </a:effectRef>
+          <a:fontRef idx="minor">
+            <a:schemeClr val="lt1"/>
+          </a:fontRef>
+        </p:style>
+        <p:txBody>
+          <a:bodyPr rtlCol="0" anchor="ctr"/>
+          <a:lstStyle/>
+          <a:p>
+            <a:pPr algn="ctr"/>
+            <a:r>
+              <a:rPr lang="he-IL" dirty="0" smtClean="0">
+                <a:solidFill>
+                  <a:schemeClr val="bg2">
+                    <a:lumMod val="25000"/>
+                  </a:schemeClr>
+                </a:solidFill>
+                <a:latin typeface="Arial" panose="020B0604020202020204" pitchFamily="34" charset="0"/>
+                <a:cs typeface="Arial" panose="020B0604020202020204" pitchFamily="34" charset="0"/>
+              </a:rPr>
+              <a:t>אפליקציית </a:t>
+            </a:r>
+            <a:r>
+              <a:rPr lang="he-IL" sz="3600" dirty="0" smtClean="0">
+                <a:solidFill>
+                  <a:schemeClr val="bg2">
+                    <a:lumMod val="25000"/>
+                  </a:schemeClr>
+                </a:solidFill>
+                <a:latin typeface="Arial" panose="020B0604020202020204" pitchFamily="34" charset="0"/>
+                <a:cs typeface="Arial" panose="020B0604020202020204" pitchFamily="34" charset="0"/>
+              </a:rPr>
+              <a:t>סולמות</a:t>
+            </a:r>
+            <a:endParaRPr lang="en-US" sz="3600" dirty="0">
+              <a:solidFill>
+                <a:schemeClr val="bg2">
+                  <a:lumMod val="25000"/>
+                </a:schemeClr>
+              </a:solidFill>
+              <a:latin typeface="Arial" panose="020B0604020202020204" pitchFamily="34" charset="0"/>
+              <a:cs typeface="Arial" panose="020B0604020202020204" pitchFamily="34" charset="0"/>
+            </a:endParaRPr>
+          </a:p>
+        </p:txBody>
+      </p:sp>
+      <p:sp>
+        <p:nvSpPr>
+          <p:cNvPr id="2" name="TextBox 1"/>
+          <p:cNvSpPr txBox="1"/>
+          <p:nvPr/>
+        </p:nvSpPr>
+        <p:spPr>
+          <a:xfrm>
+            <a:off x="5299632" y="6551738"/>
+            <a:ext cx="1974901" cy="656590"/>
+          </a:xfrm>
+          <a:prstGeom prst="rect">
+            <a:avLst/>
+          </a:prstGeom>
+          <a:noFill/>
+          <a:ln w="12700" cap="flat">
+            <a:noFill/>
+            <a:miter lim="400000"/>
+          </a:ln>
+          <a:effectLst/>
+          <a:sp3d/>
+        </p:spPr>
+        <p:style>
+          <a:lnRef idx="0">
+            <a:scrgbClr r="0" g="0" b="0"/>
+          </a:lnRef>
+          <a:fillRef idx="0">
+            <a:scrgbClr r="0" g="0" b="0"/>
+          </a:fillRef>
+          <a:effectRef idx="0">
+            <a:scrgbClr r="0" g="0" b="0"/>
+          </a:effectRef>
+          <a:fontRef idx="none"/>
+        </p:style>
+        <p:txBody>
+          <a:bodyPr rot="0" spcFirstLastPara="1" vertOverflow="overflow" horzOverflow="overflow" vert="horz" wrap="none" lIns="50800" tIns="50800" rIns="50800" bIns="50800" numCol="1" spcCol="38100" rtlCol="0" anchor="ctr">
+            <a:spAutoFit/>
+          </a:bodyPr>
+          <a:lstStyle/>
+          <a:p>
+            <a:pPr marL="0" marR="0" indent="0" algn="ctr" defTabSz="584200" rtl="0" fontAlgn="auto" latinLnBrk="0" hangingPunct="0">
+              <a:lnSpc>
+                <a:spcPct val="100000"/>
+              </a:lnSpc>
+              <a:spcBef>
+                <a:spcPts val="0"/>
+              </a:spcBef>
+              <a:spcAft>
+                <a:spcPts val="0"/>
+              </a:spcAft>
+              <a:buClrTx/>
+              <a:buSzTx/>
+              <a:buFontTx/>
+              <a:buNone/>
+              <a:tabLst/>
+            </a:pPr>
+            <a:r>
+              <a:rPr lang="en-US" dirty="0" smtClean="0"/>
+              <a:t>SPARQL</a:t>
+            </a:r>
+            <a:endParaRPr kumimoji="0" lang="en-US" sz="3600" b="0" i="0" u="none" strike="noStrike" cap="none" spc="0" normalizeH="0" baseline="0" dirty="0">
+              <a:ln>
+                <a:noFill/>
+              </a:ln>
+              <a:solidFill>
+                <a:srgbClr val="000000"/>
+              </a:solidFill>
+              <a:effectLst/>
+              <a:uFillTx/>
+              <a:latin typeface="Helvetica Light"/>
+              <a:ea typeface="Helvetica Light"/>
+              <a:cs typeface="Helvetica Light"/>
+              <a:sym typeface="Helvetica Light"/>
+            </a:endParaRPr>
           </a:p>
         </p:txBody>
       </p:sp>
     </p:spTree>
+    <p:extLst>
+      <p:ext uri="{BB962C8B-B14F-4D97-AF65-F5344CB8AC3E}">
+        <p14:creationId xmlns:p14="http://schemas.microsoft.com/office/powerpoint/2010/main" val="3783491032"/>
+      </p:ext>
+    </p:extLst>
   </p:cSld>
   <p:clrMapOvr>
     <a:masterClrMapping/>
   </p:clrMapOvr>
-  <p:transition xmlns:p14="http://schemas.microsoft.com/office/powerpoint/2010/main" spd="med" advClick="1"/>
+  <p:transition spd="med"/>
+  <p:timing>
+    <p:tnLst>
+      <p:par>
+        <p:cTn id="1" dur="indefinite" restart="never" nodeType="tmRoot">
+          <p:childTnLst>
+            <p:seq concurrent="1" nextAc="seek">
+              <p:cTn id="2" dur="indefinite" nodeType="mainSeq">
+                <p:childTnLst>
+                  <p:par>
+                    <p:cTn id="3" fill="hold">
+                      <p:stCondLst>
+                        <p:cond delay="indefinite"/>
+                        <p:cond evt="onBegin" delay="0">
+                          <p:tn val="2"/>
+                        </p:cond>
+                      </p:stCondLst>
+                      <p:childTnLst>
+                        <p:par>
+                          <p:cTn id="4" fill="hold">
+                            <p:stCondLst>
+                              <p:cond delay="0"/>
+                            </p:stCondLst>
+                            <p:childTnLst>
+                              <p:par>
+                                <p:cTn id="5" presetID="10" presetClass="entr" presetSubtype="0" fill="hold" grpId="0" nodeType="withEffect">
+                                  <p:stCondLst>
+                                    <p:cond delay="0"/>
+                                  </p:stCondLst>
+                                  <p:childTnLst>
+                                    <p:set>
+                                      <p:cBhvr>
+                                        <p:cTn id="6" dur="1" fill="hold">
+                                          <p:stCondLst>
+                                            <p:cond delay="0"/>
+                                          </p:stCondLst>
+                                        </p:cTn>
+                                        <p:tgtEl>
+                                          <p:spTgt spid="4"/>
+                                        </p:tgtEl>
+                                        <p:attrNameLst>
+                                          <p:attrName>style.visibility</p:attrName>
+                                        </p:attrNameLst>
+                                      </p:cBhvr>
+                                      <p:to>
+                                        <p:strVal val="visible"/>
+                                      </p:to>
+                                    </p:set>
+                                    <p:animEffect transition="in" filter="fade">
+                                      <p:cBhvr>
+                                        <p:cTn id="7" dur="500"/>
+                                        <p:tgtEl>
+                                          <p:spTgt spid="4"/>
+                                        </p:tgtEl>
+                                      </p:cBhvr>
+                                    </p:animEffect>
+                                  </p:childTnLst>
+                                </p:cTn>
+                              </p:par>
+                              <p:par>
+                                <p:cTn id="8" presetID="10" presetClass="entr" presetSubtype="0" fill="hold" grpId="0" nodeType="withEffect">
+                                  <p:stCondLst>
+                                    <p:cond delay="0"/>
+                                  </p:stCondLst>
+                                  <p:childTnLst>
+                                    <p:set>
+                                      <p:cBhvr>
+                                        <p:cTn id="9" dur="1" fill="hold">
+                                          <p:stCondLst>
+                                            <p:cond delay="0"/>
+                                          </p:stCondLst>
+                                        </p:cTn>
+                                        <p:tgtEl>
+                                          <p:spTgt spid="5"/>
+                                        </p:tgtEl>
+                                        <p:attrNameLst>
+                                          <p:attrName>style.visibility</p:attrName>
+                                        </p:attrNameLst>
+                                      </p:cBhvr>
+                                      <p:to>
+                                        <p:strVal val="visible"/>
+                                      </p:to>
+                                    </p:set>
+                                    <p:animEffect transition="in" filter="fade">
+                                      <p:cBhvr>
+                                        <p:cTn id="10" dur="500"/>
+                                        <p:tgtEl>
+                                          <p:spTgt spid="5"/>
+                                        </p:tgtEl>
+                                      </p:cBhvr>
+                                    </p:animEffect>
+                                  </p:childTnLst>
+                                </p:cTn>
+                              </p:par>
+                            </p:childTnLst>
+                          </p:cTn>
+                        </p:par>
+                      </p:childTnLst>
+                    </p:cTn>
+                  </p:par>
+                </p:childTnLst>
+              </p:cTn>
+              <p:prevCondLst>
+                <p:cond evt="onPrev" delay="0">
+                  <p:tgtEl>
+                    <p:sldTgt/>
+                  </p:tgtEl>
+                </p:cond>
+              </p:prevCondLst>
+              <p:nextCondLst>
+                <p:cond evt="onNext" delay="0">
+                  <p:tgtEl>
+                    <p:sldTgt/>
+                  </p:tgtEl>
+                </p:cond>
+              </p:nextCondLst>
+            </p:seq>
+          </p:childTnLst>
+        </p:cTn>
+      </p:par>
+    </p:tnLst>
+    <p:bldLst>
+      <p:bldP spid="4" grpId="0" animBg="1"/>
+      <p:bldP spid="5" grpId="0" animBg="1"/>
+    </p:bldLst>
+  </p:timing>
 </p:sld>
 </file>
 
-<file path=ppt/slides/slide3.xml><?xml version="1.0" encoding="utf-8"?>
-<p:sld xmlns:a="http://schemas.openxmlformats.org/drawingml/2006/main" xmlns:r="http://schemas.openxmlformats.org/officeDocument/2006/relationships" xmlns:p="http://schemas.openxmlformats.org/presentationml/2006/main" showMasterSp="1" showMasterPhAnim="1">
+<file path=ppt/slides/slide5.xml><?xml version="1.0" encoding="utf-8"?>
+<p:sld xmlns:a="http://schemas.openxmlformats.org/drawingml/2006/main" xmlns:r="http://schemas.openxmlformats.org/officeDocument/2006/relationships" xmlns:p="http://schemas.openxmlformats.org/presentationml/2006/main">
   <p:cSld>
     <p:bg>
       <p:bgPr>
         <a:solidFill>
           <a:srgbClr val="DCDEE0"/>
         </a:solidFill>
+        <a:effectLst/>
       </p:bgPr>
     </p:bg>
     <p:spTree>
@@ -5145,7 +7815,9 @@
       <p:sp>
         <p:nvSpPr>
           <p:cNvPr id="121" name="שימוש באפליקציה"/>
-          <p:cNvSpPr txBox="1"/>
+          <p:cNvSpPr txBox="1">
+            <a:spLocks noGrp="1"/>
+          </p:cNvSpPr>
           <p:nvPr>
             <p:ph type="title"/>
           </p:nvPr>
@@ -5167,7 +7839,6 @@
             </a:lvl1pPr>
           </a:lstStyle>
           <a:p>
-            <a:pPr/>
             <a:r>
               <a:t>שימוש באפליקציה</a:t>
             </a:r>
@@ -5193,7 +7864,7 @@
           </a:ln>
           <a:extLst>
             <a:ext uri="{C572A759-6A51-4108-AA02-DFA0A04FC94B}">
-              <ma14:wrappingTextBoxFlag xmlns:ma14="http://schemas.microsoft.com/office/mac/drawingml/2011/main" val="1"/>
+              <ma14:wrappingTextBoxFlag xmlns:ma14="http://schemas.microsoft.com/office/mac/drawingml/2011/main" xmlns="" val="1"/>
             </a:ext>
           </a:extLst>
         </p:spPr>
@@ -5207,37 +7878,337 @@
               <a:defRPr sz="2000"/>
             </a:pPr>
             <a:r>
-              <a:t>לאחר שראינו את ה- Splash Screen, נגיע למסך המרכזי שבו נבחין בכמה אלמנטים: </a:t>
+              <a:rPr dirty="0" err="1"/>
+              <a:t>לאחר</a:t>
+            </a:r>
+            <a:r>
+              <a:rPr dirty="0"/>
+              <a:t> </a:t>
+            </a:r>
+            <a:r>
+              <a:rPr dirty="0" err="1"/>
+              <a:t>שראינו</a:t>
+            </a:r>
+            <a:r>
+              <a:rPr dirty="0"/>
+              <a:t> </a:t>
+            </a:r>
+            <a:r>
+              <a:rPr dirty="0" err="1"/>
+              <a:t>את</a:t>
+            </a:r>
+            <a:r>
+              <a:rPr dirty="0"/>
+              <a:t> ה- Splash Screen, </a:t>
+            </a:r>
+            <a:r>
+              <a:rPr dirty="0" err="1"/>
+              <a:t>נגיע</a:t>
+            </a:r>
+            <a:r>
+              <a:rPr dirty="0"/>
+              <a:t> </a:t>
+            </a:r>
+            <a:r>
+              <a:rPr dirty="0" err="1"/>
+              <a:t>למסך</a:t>
+            </a:r>
+            <a:r>
+              <a:rPr dirty="0"/>
+              <a:t> </a:t>
+            </a:r>
+            <a:r>
+              <a:rPr dirty="0" err="1"/>
+              <a:t>המרכזי</a:t>
+            </a:r>
+            <a:r>
+              <a:rPr dirty="0"/>
+              <a:t> </a:t>
+            </a:r>
+            <a:r>
+              <a:rPr dirty="0" err="1"/>
+              <a:t>שבו</a:t>
+            </a:r>
+            <a:r>
+              <a:rPr dirty="0"/>
+              <a:t> </a:t>
+            </a:r>
+            <a:r>
+              <a:rPr dirty="0" err="1"/>
+              <a:t>נבחין</a:t>
+            </a:r>
+            <a:r>
+              <a:rPr dirty="0"/>
+              <a:t> </a:t>
+            </a:r>
+            <a:r>
+              <a:rPr dirty="0" err="1"/>
+              <a:t>בכמה</a:t>
+            </a:r>
+            <a:r>
+              <a:rPr dirty="0"/>
+              <a:t> </a:t>
+            </a:r>
+            <a:r>
+              <a:rPr dirty="0" err="1"/>
+              <a:t>אלמנטים</a:t>
+            </a:r>
+            <a:r>
+              <a:rPr dirty="0"/>
+              <a:t>: </a:t>
             </a:r>
           </a:p>
           <a:p>
             <a:pPr marL="352776" indent="-352776" algn="r" rtl="1">
               <a:buSzPct val="100000"/>
-              <a:buAutoNum type="arabicParenR" startAt="1"/>
+              <a:buAutoNum type="arabicParenR"/>
               <a:defRPr sz="2000"/>
             </a:pPr>
             <a:r>
-              <a:t>פסוקים - טאב שבו יוצגו הפסוקים לאחר שהמשתמש יבחר פרק או פרשה.</a:t>
+              <a:rPr dirty="0" err="1"/>
+              <a:t>פסוקים</a:t>
+            </a:r>
+            <a:r>
+              <a:rPr dirty="0"/>
+              <a:t> - </a:t>
+            </a:r>
+            <a:r>
+              <a:rPr dirty="0" err="1"/>
+              <a:t>טאב</a:t>
+            </a:r>
+            <a:r>
+              <a:rPr dirty="0"/>
+              <a:t> </a:t>
+            </a:r>
+            <a:r>
+              <a:rPr dirty="0" err="1"/>
+              <a:t>שבו</a:t>
+            </a:r>
+            <a:r>
+              <a:rPr dirty="0"/>
+              <a:t> </a:t>
+            </a:r>
+            <a:r>
+              <a:rPr dirty="0" err="1"/>
+              <a:t>יוצגו</a:t>
+            </a:r>
+            <a:r>
+              <a:rPr dirty="0"/>
+              <a:t> </a:t>
+            </a:r>
+            <a:r>
+              <a:rPr dirty="0" err="1"/>
+              <a:t>הפסוקים</a:t>
+            </a:r>
+            <a:r>
+              <a:rPr dirty="0"/>
+              <a:t> </a:t>
+            </a:r>
+            <a:r>
+              <a:rPr dirty="0" err="1"/>
+              <a:t>לאחר</a:t>
+            </a:r>
+            <a:r>
+              <a:rPr dirty="0"/>
+              <a:t> </a:t>
+            </a:r>
+            <a:r>
+              <a:rPr dirty="0" err="1"/>
+              <a:t>שהמשתמש</a:t>
+            </a:r>
+            <a:r>
+              <a:rPr dirty="0"/>
+              <a:t> </a:t>
+            </a:r>
+            <a:r>
+              <a:rPr dirty="0" err="1"/>
+              <a:t>יבחר</a:t>
+            </a:r>
+            <a:r>
+              <a:rPr dirty="0"/>
+              <a:t> </a:t>
+            </a:r>
+            <a:r>
+              <a:rPr dirty="0" err="1"/>
+              <a:t>פרק</a:t>
+            </a:r>
+            <a:r>
+              <a:rPr dirty="0"/>
+              <a:t> </a:t>
+            </a:r>
+            <a:r>
+              <a:rPr dirty="0" err="1"/>
+              <a:t>או</a:t>
+            </a:r>
+            <a:r>
+              <a:rPr dirty="0"/>
+              <a:t> </a:t>
+            </a:r>
+            <a:r>
+              <a:rPr dirty="0" err="1"/>
+              <a:t>פרשה</a:t>
+            </a:r>
+            <a:r>
+              <a:rPr dirty="0"/>
+              <a:t>.</a:t>
             </a:r>
           </a:p>
           <a:p>
             <a:pPr marL="352776" indent="-352776" algn="r" rtl="1">
               <a:buSzPct val="100000"/>
-              <a:buAutoNum type="arabicParenR" startAt="1"/>
+              <a:buAutoNum type="arabicParenR"/>
               <a:defRPr sz="2000"/>
             </a:pPr>
             <a:r>
-              <a:t>מקורות - לאחר בחירת סט של פסוקים נראה את המקורות הקשורים אליהם.</a:t>
+              <a:rPr dirty="0" err="1"/>
+              <a:t>מקורות</a:t>
+            </a:r>
+            <a:r>
+              <a:rPr dirty="0"/>
+              <a:t> - </a:t>
+            </a:r>
+            <a:r>
+              <a:rPr dirty="0" err="1"/>
+              <a:t>לאחר</a:t>
+            </a:r>
+            <a:r>
+              <a:rPr dirty="0"/>
+              <a:t> </a:t>
+            </a:r>
+            <a:r>
+              <a:rPr dirty="0" err="1"/>
+              <a:t>בחירת</a:t>
+            </a:r>
+            <a:r>
+              <a:rPr dirty="0"/>
+              <a:t> </a:t>
+            </a:r>
+            <a:r>
+              <a:rPr dirty="0" err="1"/>
+              <a:t>סט</a:t>
+            </a:r>
+            <a:r>
+              <a:rPr dirty="0"/>
+              <a:t> </a:t>
+            </a:r>
+            <a:r>
+              <a:rPr dirty="0" err="1"/>
+              <a:t>של</a:t>
+            </a:r>
+            <a:r>
+              <a:rPr dirty="0"/>
+              <a:t> </a:t>
+            </a:r>
+            <a:r>
+              <a:rPr dirty="0" err="1"/>
+              <a:t>פסוקים</a:t>
+            </a:r>
+            <a:r>
+              <a:rPr dirty="0"/>
+              <a:t> </a:t>
+            </a:r>
+            <a:r>
+              <a:rPr dirty="0" err="1"/>
+              <a:t>נראה</a:t>
+            </a:r>
+            <a:r>
+              <a:rPr dirty="0"/>
+              <a:t> </a:t>
+            </a:r>
+            <a:r>
+              <a:rPr dirty="0" err="1"/>
+              <a:t>את</a:t>
+            </a:r>
+            <a:r>
+              <a:rPr dirty="0"/>
+              <a:t> </a:t>
+            </a:r>
+            <a:r>
+              <a:rPr dirty="0" err="1"/>
+              <a:t>המקורות</a:t>
+            </a:r>
+            <a:r>
+              <a:rPr dirty="0"/>
+              <a:t> </a:t>
+            </a:r>
+            <a:r>
+              <a:rPr dirty="0" err="1"/>
+              <a:t>הקשורים</a:t>
+            </a:r>
+            <a:r>
+              <a:rPr dirty="0"/>
+              <a:t> </a:t>
+            </a:r>
+            <a:r>
+              <a:rPr dirty="0" err="1"/>
+              <a:t>אליהם</a:t>
+            </a:r>
+            <a:r>
+              <a:rPr dirty="0"/>
+              <a:t>.</a:t>
             </a:r>
           </a:p>
           <a:p>
             <a:pPr marL="352776" indent="-352776" algn="r" rtl="1">
               <a:buSzPct val="100000"/>
-              <a:buAutoNum type="arabicParenR" startAt="1"/>
+              <a:buAutoNum type="arabicParenR"/>
               <a:defRPr sz="2000"/>
             </a:pPr>
             <a:r>
-              <a:t>נבחרים - טאב שיציג מקורות שסומנו במסך המקורות.</a:t>
+              <a:rPr dirty="0" err="1"/>
+              <a:t>נבחרים</a:t>
+            </a:r>
+            <a:r>
+              <a:rPr dirty="0"/>
+              <a:t> - </a:t>
+            </a:r>
+            <a:r>
+              <a:rPr dirty="0" err="1"/>
+              <a:t>טאב</a:t>
+            </a:r>
+            <a:r>
+              <a:rPr dirty="0"/>
+              <a:t> </a:t>
+            </a:r>
+            <a:r>
+              <a:rPr dirty="0" err="1"/>
+              <a:t>שיציג</a:t>
+            </a:r>
+            <a:r>
+              <a:rPr dirty="0"/>
+              <a:t> </a:t>
+            </a:r>
+            <a:r>
+              <a:rPr dirty="0" err="1"/>
+              <a:t>מקורות</a:t>
+            </a:r>
+            <a:r>
+              <a:rPr dirty="0"/>
+              <a:t> </a:t>
+            </a:r>
+            <a:r>
+              <a:rPr dirty="0" err="1"/>
+              <a:t>שסומנו</a:t>
+            </a:r>
+            <a:r>
+              <a:rPr dirty="0"/>
+              <a:t> </a:t>
+            </a:r>
+            <a:r>
+              <a:rPr dirty="0" err="1"/>
+              <a:t>במסך</a:t>
+            </a:r>
+            <a:r>
+              <a:rPr dirty="0"/>
+              <a:t> </a:t>
+            </a:r>
+            <a:r>
+              <a:rPr dirty="0" err="1"/>
+              <a:t>המקורות</a:t>
+            </a:r>
+            <a:r>
+              <a:rPr dirty="0"/>
+              <a:t>.</a:t>
             </a:r>
           </a:p>
           <a:p>
@@ -5245,15 +8216,102 @@
               <a:defRPr sz="2000"/>
             </a:pPr>
             <a:r>
-              <a:t>4) מסך ההגדרות הנגיש למשתמש על ידי לחיצה על כפתור</a:t>
-            </a:r>
+              <a:rPr lang="he-IL" dirty="0" smtClean="0"/>
+              <a:t>4) </a:t>
+            </a:r>
+            <a:r>
+              <a:rPr dirty="0" err="1" smtClean="0"/>
+              <a:t>מסך</a:t>
+            </a:r>
+            <a:r>
+              <a:rPr dirty="0" smtClean="0"/>
+              <a:t> </a:t>
+            </a:r>
+            <a:r>
+              <a:rPr dirty="0" err="1"/>
+              <a:t>ההגדרות</a:t>
+            </a:r>
+            <a:r>
+              <a:rPr dirty="0"/>
+              <a:t> </a:t>
+            </a:r>
+            <a:r>
+              <a:rPr dirty="0" err="1"/>
+              <a:t>הנגיש</a:t>
+            </a:r>
+            <a:r>
+              <a:rPr dirty="0"/>
+              <a:t> </a:t>
+            </a:r>
+            <a:r>
+              <a:rPr dirty="0" err="1"/>
+              <a:t>למשתמש</a:t>
+            </a:r>
+            <a:r>
+              <a:rPr dirty="0"/>
+              <a:t> </a:t>
+            </a:r>
+            <a:r>
+              <a:rPr dirty="0" err="1"/>
+              <a:t>על</a:t>
+            </a:r>
+            <a:r>
+              <a:rPr dirty="0"/>
+              <a:t> </a:t>
+            </a:r>
+            <a:r>
+              <a:rPr dirty="0" err="1"/>
+              <a:t>ידי</a:t>
+            </a:r>
+            <a:r>
+              <a:rPr dirty="0"/>
+              <a:t> </a:t>
+            </a:r>
+            <a:r>
+              <a:rPr dirty="0" err="1"/>
+              <a:t>לחיצה</a:t>
+            </a:r>
+            <a:r>
+              <a:rPr dirty="0"/>
+              <a:t> </a:t>
+            </a:r>
+            <a:r>
+              <a:rPr dirty="0" err="1"/>
+              <a:t>על</a:t>
+            </a:r>
+            <a:r>
+              <a:rPr dirty="0"/>
+              <a:t> </a:t>
+            </a:r>
+            <a:r>
+              <a:rPr dirty="0" err="1"/>
+              <a:t>כפתור</a:t>
+            </a:r>
+            <a:endParaRPr dirty="0"/>
           </a:p>
           <a:p>
             <a:pPr algn="r" rtl="1">
               <a:defRPr sz="2000"/>
             </a:pPr>
             <a:r>
-              <a:t>    האפשרויות באפליקציה.</a:t>
+              <a:rPr dirty="0"/>
+              <a:t>    </a:t>
+            </a:r>
+            <a:r>
+              <a:rPr dirty="0" err="1"/>
+              <a:t>האפשרויות</a:t>
+            </a:r>
+            <a:r>
+              <a:rPr dirty="0"/>
+              <a:t> </a:t>
+            </a:r>
+            <a:r>
+              <a:rPr dirty="0" err="1"/>
+              <a:t>באפליקציה</a:t>
+            </a:r>
+            <a:r>
+              <a:rPr dirty="0"/>
+              <a:t>.</a:t>
             </a:r>
           </a:p>
           <a:p>
@@ -5261,8 +8319,46 @@
               <a:defRPr sz="2000"/>
             </a:pPr>
             <a:r>
-              <a:t>5) בטאב הפסוקים נראה FAB (Floating Action Button).</a:t>
-            </a:r>
+              <a:rPr lang="he-IL" dirty="0" smtClean="0"/>
+              <a:t>5) </a:t>
+            </a:r>
+            <a:r>
+              <a:rPr dirty="0" err="1" smtClean="0"/>
+              <a:t>בטאב</a:t>
+            </a:r>
+            <a:r>
+              <a:rPr dirty="0" smtClean="0"/>
+              <a:t> </a:t>
+            </a:r>
+            <a:r>
+              <a:rPr dirty="0" err="1"/>
+              <a:t>הפסוקים</a:t>
+            </a:r>
+            <a:r>
+              <a:rPr dirty="0"/>
+              <a:t> </a:t>
+            </a:r>
+            <a:r>
+              <a:rPr dirty="0" err="1" smtClean="0"/>
+              <a:t>נראה</a:t>
+            </a:r>
+            <a:r>
+              <a:rPr dirty="0" smtClean="0"/>
+              <a:t> FAB </a:t>
+            </a:r>
+            <a:r>
+              <a:rPr dirty="0"/>
+              <a:t>(Floating Action Button</a:t>
+            </a:r>
+            <a:r>
+              <a:rPr dirty="0" smtClean="0"/>
+              <a:t>)</a:t>
+            </a:r>
+            <a:r>
+              <a:rPr lang="he-IL" dirty="0" smtClean="0"/>
+              <a:t>.</a:t>
+            </a:r>
+            <a:endParaRPr dirty="0"/>
           </a:p>
         </p:txBody>
       </p:sp>
@@ -5314,7 +8410,7 @@
           </a:ln>
           <a:extLst>
             <a:ext uri="{C572A759-6A51-4108-AA02-DFA0A04FC94B}">
-              <ma14:wrappingTextBoxFlag xmlns:ma14="http://schemas.microsoft.com/office/mac/drawingml/2011/main" val="1"/>
+              <ma14:wrappingTextBoxFlag xmlns:ma14="http://schemas.microsoft.com/office/mac/drawingml/2011/main" xmlns="" val="1"/>
             </a:ext>
           </a:extLst>
         </p:spPr>
@@ -5354,18 +8450,26 @@
   <p:clrMapOvr>
     <a:masterClrMapping/>
   </p:clrMapOvr>
-  <p:transition xmlns:p14="http://schemas.microsoft.com/office/powerpoint/2010/main" spd="med" advClick="1"/>
+  <p:transition spd="med"/>
+  <p:timing>
+    <p:tnLst>
+      <p:par>
+        <p:cTn id="1" dur="indefinite" restart="never" nodeType="tmRoot"/>
+      </p:par>
+    </p:tnLst>
+  </p:timing>
 </p:sld>
 </file>
 
-<file path=ppt/slides/slide4.xml><?xml version="1.0" encoding="utf-8"?>
-<p:sld xmlns:a="http://schemas.openxmlformats.org/drawingml/2006/main" xmlns:r="http://schemas.openxmlformats.org/officeDocument/2006/relationships" xmlns:p="http://schemas.openxmlformats.org/presentationml/2006/main" showMasterSp="1" showMasterPhAnim="1">
+<file path=ppt/slides/slide6.xml><?xml version="1.0" encoding="utf-8"?>
+<p:sld xmlns:a="http://schemas.openxmlformats.org/drawingml/2006/main" xmlns:r="http://schemas.openxmlformats.org/officeDocument/2006/relationships" xmlns:p="http://schemas.openxmlformats.org/presentationml/2006/main">
   <p:cSld>
     <p:bg>
       <p:bgPr>
         <a:solidFill>
           <a:srgbClr val="DCDEE0"/>
         </a:solidFill>
+        <a:effectLst/>
       </p:bgPr>
     </p:bg>
     <p:spTree>
@@ -5385,7 +8489,9 @@
       <p:sp>
         <p:nvSpPr>
           <p:cNvPr id="126" name="שימוש באפליקציה"/>
-          <p:cNvSpPr txBox="1"/>
+          <p:cNvSpPr txBox="1">
+            <a:spLocks noGrp="1"/>
+          </p:cNvSpPr>
           <p:nvPr>
             <p:ph type="title"/>
           </p:nvPr>
@@ -5407,7 +8513,6 @@
             </a:lvl1pPr>
           </a:lstStyle>
           <a:p>
-            <a:pPr/>
             <a:r>
               <a:t>שימוש באפליקציה</a:t>
             </a:r>
@@ -5433,7 +8538,7 @@
           </a:ln>
           <a:extLst>
             <a:ext uri="{C572A759-6A51-4108-AA02-DFA0A04FC94B}">
-              <ma14:wrappingTextBoxFlag xmlns:ma14="http://schemas.microsoft.com/office/mac/drawingml/2011/main" val="1"/>
+              <ma14:wrappingTextBoxFlag xmlns:ma14="http://schemas.microsoft.com/office/mac/drawingml/2011/main" xmlns="" val="1"/>
             </a:ext>
           </a:extLst>
         </p:spPr>
@@ -5447,7 +8552,6 @@
             </a:lvl1pPr>
           </a:lstStyle>
           <a:p>
-            <a:pPr/>
             <a:r>
               <a:t>כעת נלחץ על ה-FAB ויופיע לנו דיאלוג בחירה של פרק או פרשה</a:t>
             </a:r>
@@ -5488,18 +8592,26 @@
   <p:clrMapOvr>
     <a:masterClrMapping/>
   </p:clrMapOvr>
-  <p:transition xmlns:p14="http://schemas.microsoft.com/office/powerpoint/2010/main" spd="med" advClick="1"/>
+  <p:transition spd="med"/>
+  <p:timing>
+    <p:tnLst>
+      <p:par>
+        <p:cTn id="1" dur="indefinite" restart="never" nodeType="tmRoot"/>
+      </p:par>
+    </p:tnLst>
+  </p:timing>
 </p:sld>
 </file>
 
-<file path=ppt/slides/slide5.xml><?xml version="1.0" encoding="utf-8"?>
-<p:sld xmlns:a="http://schemas.openxmlformats.org/drawingml/2006/main" xmlns:r="http://schemas.openxmlformats.org/officeDocument/2006/relationships" xmlns:p="http://schemas.openxmlformats.org/presentationml/2006/main" showMasterSp="1" showMasterPhAnim="1">
+<file path=ppt/slides/slide7.xml><?xml version="1.0" encoding="utf-8"?>
+<p:sld xmlns:a="http://schemas.openxmlformats.org/drawingml/2006/main" xmlns:r="http://schemas.openxmlformats.org/officeDocument/2006/relationships" xmlns:p="http://schemas.openxmlformats.org/presentationml/2006/main">
   <p:cSld>
     <p:bg>
       <p:bgPr>
         <a:solidFill>
           <a:srgbClr val="DCDEE0"/>
         </a:solidFill>
+        <a:effectLst/>
       </p:bgPr>
     </p:bg>
     <p:spTree>
@@ -5519,7 +8631,9 @@
       <p:sp>
         <p:nvSpPr>
           <p:cNvPr id="130" name="שימוש באפליקציה"/>
-          <p:cNvSpPr txBox="1"/>
+          <p:cNvSpPr txBox="1">
+            <a:spLocks noGrp="1"/>
+          </p:cNvSpPr>
           <p:nvPr>
             <p:ph type="title"/>
           </p:nvPr>
@@ -5541,7 +8655,6 @@
             </a:lvl1pPr>
           </a:lstStyle>
           <a:p>
-            <a:pPr/>
             <a:r>
               <a:t>שימוש באפליקציה</a:t>
             </a:r>
@@ -5567,7 +8680,7 @@
           </a:ln>
           <a:extLst>
             <a:ext uri="{C572A759-6A51-4108-AA02-DFA0A04FC94B}">
-              <ma14:wrappingTextBoxFlag xmlns:ma14="http://schemas.microsoft.com/office/mac/drawingml/2011/main" val="1"/>
+              <ma14:wrappingTextBoxFlag xmlns:ma14="http://schemas.microsoft.com/office/mac/drawingml/2011/main" xmlns="" val="1"/>
             </a:ext>
           </a:extLst>
         </p:spPr>
@@ -5581,7 +8694,6 @@
             </a:lvl1pPr>
           </a:lstStyle>
           <a:p>
-            <a:pPr/>
             <a:r>
               <a:t>נכניס את פרשת יתרו ונלחץ עליה. כתוצאה מהבחירה, תתבצע שאילתא נוספת למאגר הנתונים שתחזיר לנו את הפסוקים הקשורים לפרשת יתרו.</a:t>
             </a:r>
@@ -5670,7 +8782,7 @@
             <a:miter lim="400000"/>
           </a:ln>
           <a:effectLst>
-            <a:outerShdw sx="100000" sy="100000" kx="0" ky="0" algn="b" rotWithShape="0" blurRad="38100" dist="25400" dir="5400000">
+            <a:outerShdw blurRad="38100" dist="25400" dir="5400000" rotWithShape="0">
               <a:srgbClr val="000000">
                 <a:alpha val="50000"/>
               </a:srgbClr>
@@ -5688,6 +8800,7 @@
                 </a:solidFill>
               </a:defRPr>
             </a:pPr>
+            <a:endParaRPr/>
           </a:p>
         </p:txBody>
       </p:sp>
@@ -5696,18 +8809,26 @@
   <p:clrMapOvr>
     <a:masterClrMapping/>
   </p:clrMapOvr>
-  <p:transition xmlns:p14="http://schemas.microsoft.com/office/powerpoint/2010/main" spd="med" advClick="1"/>
+  <p:transition spd="med"/>
+  <p:timing>
+    <p:tnLst>
+      <p:par>
+        <p:cTn id="1" dur="indefinite" restart="never" nodeType="tmRoot"/>
+      </p:par>
+    </p:tnLst>
+  </p:timing>
 </p:sld>
 </file>
 
-<file path=ppt/slides/slide6.xml><?xml version="1.0" encoding="utf-8"?>
-<p:sld xmlns:a="http://schemas.openxmlformats.org/drawingml/2006/main" xmlns:r="http://schemas.openxmlformats.org/officeDocument/2006/relationships" xmlns:p="http://schemas.openxmlformats.org/presentationml/2006/main" showMasterSp="1" showMasterPhAnim="1">
+<file path=ppt/slides/slide8.xml><?xml version="1.0" encoding="utf-8"?>
+<p:sld xmlns:a="http://schemas.openxmlformats.org/drawingml/2006/main" xmlns:r="http://schemas.openxmlformats.org/officeDocument/2006/relationships" xmlns:p="http://schemas.openxmlformats.org/presentationml/2006/main">
   <p:cSld>
     <p:bg>
       <p:bgPr>
         <a:solidFill>
           <a:srgbClr val="DCDEE0"/>
         </a:solidFill>
+        <a:effectLst/>
       </p:bgPr>
     </p:bg>
     <p:spTree>
@@ -5727,7 +8848,9 @@
       <p:sp>
         <p:nvSpPr>
           <p:cNvPr id="136" name="שימוש באפליקציה"/>
-          <p:cNvSpPr txBox="1"/>
+          <p:cNvSpPr txBox="1">
+            <a:spLocks noGrp="1"/>
+          </p:cNvSpPr>
           <p:nvPr>
             <p:ph type="title"/>
           </p:nvPr>
@@ -5749,7 +8872,6 @@
             </a:lvl1pPr>
           </a:lstStyle>
           <a:p>
-            <a:pPr/>
             <a:r>
               <a:t>שימוש באפליקציה</a:t>
             </a:r>
@@ -5775,7 +8897,7 @@
           </a:ln>
           <a:extLst>
             <a:ext uri="{C572A759-6A51-4108-AA02-DFA0A04FC94B}">
-              <ma14:wrappingTextBoxFlag xmlns:ma14="http://schemas.microsoft.com/office/mac/drawingml/2011/main" val="1"/>
+              <ma14:wrappingTextBoxFlag xmlns:ma14="http://schemas.microsoft.com/office/mac/drawingml/2011/main" xmlns="" val="1"/>
             </a:ext>
           </a:extLst>
         </p:spPr>
@@ -5789,7 +8911,6 @@
             </a:lvl1pPr>
           </a:lstStyle>
           <a:p>
-            <a:pPr/>
             <a:r>
               <a:t>נבחר את שלושת הפסוקים הראשונים בפרשה. ניתן גם לבחור את כל הפסוקים בעזרת לחיצה על ״בחר הכל״.</a:t>
             </a:r>
@@ -5830,18 +8951,26 @@
   <p:clrMapOvr>
     <a:masterClrMapping/>
   </p:clrMapOvr>
-  <p:transition xmlns:p14="http://schemas.microsoft.com/office/powerpoint/2010/main" spd="med" advClick="1"/>
+  <p:transition spd="med"/>
+  <p:timing>
+    <p:tnLst>
+      <p:par>
+        <p:cTn id="1" dur="indefinite" restart="never" nodeType="tmRoot"/>
+      </p:par>
+    </p:tnLst>
+  </p:timing>
 </p:sld>
 </file>
 
-<file path=ppt/slides/slide7.xml><?xml version="1.0" encoding="utf-8"?>
-<p:sld xmlns:a="http://schemas.openxmlformats.org/drawingml/2006/main" xmlns:r="http://schemas.openxmlformats.org/officeDocument/2006/relationships" xmlns:p="http://schemas.openxmlformats.org/presentationml/2006/main" showMasterSp="1" showMasterPhAnim="1">
+<file path=ppt/slides/slide9.xml><?xml version="1.0" encoding="utf-8"?>
+<p:sld xmlns:a="http://schemas.openxmlformats.org/drawingml/2006/main" xmlns:r="http://schemas.openxmlformats.org/officeDocument/2006/relationships" xmlns:p="http://schemas.openxmlformats.org/presentationml/2006/main">
   <p:cSld>
     <p:bg>
       <p:bgPr>
         <a:solidFill>
           <a:srgbClr val="DCDEE0"/>
         </a:solidFill>
+        <a:effectLst/>
       </p:bgPr>
     </p:bg>
     <p:spTree>
@@ -5861,7 +8990,9 @@
       <p:sp>
         <p:nvSpPr>
           <p:cNvPr id="140" name="שימוש באפליקציה"/>
-          <p:cNvSpPr txBox="1"/>
+          <p:cNvSpPr txBox="1">
+            <a:spLocks noGrp="1"/>
+          </p:cNvSpPr>
           <p:nvPr>
             <p:ph type="title"/>
           </p:nvPr>
@@ -5883,7 +9014,6 @@
             </a:lvl1pPr>
           </a:lstStyle>
           <a:p>
-            <a:pPr/>
             <a:r>
               <a:t>שימוש באפליקציה</a:t>
             </a:r>
@@ -5909,7 +9039,7 @@
           </a:ln>
           <a:extLst>
             <a:ext uri="{C572A759-6A51-4108-AA02-DFA0A04FC94B}">
-              <ma14:wrappingTextBoxFlag xmlns:ma14="http://schemas.microsoft.com/office/mac/drawingml/2011/main" val="1"/>
+              <ma14:wrappingTextBoxFlag xmlns:ma14="http://schemas.microsoft.com/office/mac/drawingml/2011/main" xmlns="" val="1"/>
             </a:ext>
           </a:extLst>
         </p:spPr>
@@ -5929,7 +9059,7 @@
           <a:p>
             <a:pPr marL="352776" indent="-352776" algn="r" rtl="1">
               <a:buSzPct val="100000"/>
-              <a:buAutoNum type="arabicParenR" startAt="1"/>
+              <a:buAutoNum type="arabicParenR"/>
               <a:defRPr sz="2000"/>
             </a:pPr>
             <a:r>
@@ -5939,7 +9069,7 @@
           <a:p>
             <a:pPr marL="352776" indent="-352776" algn="r" rtl="1">
               <a:buSzPct val="100000"/>
-              <a:buAutoNum type="arabicParenR" startAt="1"/>
+              <a:buAutoNum type="arabicParenR"/>
               <a:defRPr sz="2000"/>
             </a:pPr>
             <a:r>
@@ -5949,7 +9079,7 @@
           <a:p>
             <a:pPr marL="352776" indent="-352776" algn="r" rtl="1">
               <a:buSzPct val="100000"/>
-              <a:buAutoNum type="arabicParenR" startAt="1"/>
+              <a:buAutoNum type="arabicParenR"/>
               <a:defRPr sz="2000"/>
             </a:pPr>
             <a:r>
@@ -6000,354 +9130,19 @@
   <p:clrMapOvr>
     <a:masterClrMapping/>
   </p:clrMapOvr>
-  <p:transition xmlns:p14="http://schemas.microsoft.com/office/powerpoint/2010/main" spd="med" advClick="1"/>
-</p:sld>
-</file>
-
-<file path=ppt/slides/slide8.xml><?xml version="1.0" encoding="utf-8"?>
-<p:sld xmlns:a="http://schemas.openxmlformats.org/drawingml/2006/main" xmlns:r="http://schemas.openxmlformats.org/officeDocument/2006/relationships" xmlns:p="http://schemas.openxmlformats.org/presentationml/2006/main" showMasterSp="1" showMasterPhAnim="1">
-  <p:cSld>
-    <p:bg>
-      <p:bgPr>
-        <a:solidFill>
-          <a:srgbClr val="DCDEE0"/>
-        </a:solidFill>
-      </p:bgPr>
-    </p:bg>
-    <p:spTree>
-      <p:nvGrpSpPr>
-        <p:cNvPr id="1" name=""/>
-        <p:cNvGrpSpPr/>
-        <p:nvPr/>
-      </p:nvGrpSpPr>
-      <p:grpSpPr>
-        <a:xfrm>
-          <a:off x="0" y="0"/>
-          <a:ext cx="0" cy="0"/>
-          <a:chOff x="0" y="0"/>
-          <a:chExt cx="0" cy="0"/>
-        </a:xfrm>
-      </p:grpSpPr>
-      <p:sp>
-        <p:nvSpPr>
-          <p:cNvPr id="144" name="שימוש באפליקציה"/>
-          <p:cNvSpPr txBox="1"/>
-          <p:nvPr>
-            <p:ph type="title"/>
-          </p:nvPr>
-        </p:nvSpPr>
-        <p:spPr>
-          <a:xfrm>
-            <a:off x="952500" y="444500"/>
-            <a:ext cx="11099800" cy="2159000"/>
-          </a:xfrm>
-          <a:prstGeom prst="rect">
-            <a:avLst/>
-          </a:prstGeom>
-        </p:spPr>
-        <p:txBody>
-          <a:bodyPr/>
-          <a:lstStyle>
-            <a:lvl1pPr rtl="1">
-              <a:defRPr/>
-            </a:lvl1pPr>
-          </a:lstStyle>
-          <a:p>
-            <a:pPr/>
-            <a:r>
-              <a:t>שימוש באפליקציה</a:t>
-            </a:r>
-          </a:p>
-        </p:txBody>
-      </p:sp>
-      <p:sp>
-        <p:nvSpPr>
-          <p:cNvPr id="145" name="כעת נסנן את המקורות על ידי לחיצה על אייקון הסינון (בצד שמאל למעלה) ונבחר במדרשי אגדה. לאחר מכן נלחץ על ״בחר״."/>
-          <p:cNvSpPr txBox="1"/>
-          <p:nvPr/>
-        </p:nvSpPr>
-        <p:spPr>
-          <a:xfrm>
-            <a:off x="2179010" y="2184399"/>
-            <a:ext cx="8382214" cy="711201"/>
-          </a:xfrm>
-          <a:prstGeom prst="rect">
-            <a:avLst/>
-          </a:prstGeom>
-          <a:ln w="12700">
-            <a:miter lim="400000"/>
-          </a:ln>
-          <a:extLst>
-            <a:ext uri="{C572A759-6A51-4108-AA02-DFA0A04FC94B}">
-              <ma14:wrappingTextBoxFlag xmlns:ma14="http://schemas.microsoft.com/office/mac/drawingml/2011/main" val="1"/>
-            </a:ext>
-          </a:extLst>
-        </p:spPr>
-        <p:txBody>
-          <a:bodyPr lIns="50800" tIns="50800" rIns="50800" bIns="50800" anchor="ctr">
-            <a:spAutoFit/>
-          </a:bodyPr>
-          <a:lstStyle>
-            <a:lvl1pPr algn="r" rtl="1">
-              <a:defRPr sz="2000"/>
-            </a:lvl1pPr>
-          </a:lstStyle>
-          <a:p>
-            <a:pPr/>
-            <a:r>
-              <a:t>כעת נסנן את המקורות על ידי לחיצה על אייקון הסינון (בצד שמאל למעלה) ונבחר במדרשי אגדה. לאחר מכן נלחץ על ״בחר״.</a:t>
-            </a:r>
-          </a:p>
-        </p:txBody>
-      </p:sp>
-      <p:pic>
-        <p:nvPicPr>
-          <p:cNvPr id="146" name="Image" descr="Image"/>
-          <p:cNvPicPr>
-            <a:picLocks noChangeAspect="1"/>
-          </p:cNvPicPr>
-          <p:nvPr/>
-        </p:nvPicPr>
-        <p:blipFill>
-          <a:blip r:embed="rId2">
-            <a:extLst/>
-          </a:blip>
-          <a:stretch>
-            <a:fillRect/>
-          </a:stretch>
-        </p:blipFill>
-        <p:spPr>
-          <a:xfrm>
-            <a:off x="1796498" y="3049577"/>
-            <a:ext cx="3722204" cy="5884873"/>
-          </a:xfrm>
-          <a:prstGeom prst="rect">
-            <a:avLst/>
-          </a:prstGeom>
-          <a:ln w="12700">
-            <a:miter lim="400000"/>
-          </a:ln>
-        </p:spPr>
-      </p:pic>
-      <p:pic>
-        <p:nvPicPr>
-          <p:cNvPr id="147" name="Image" descr="Image"/>
-          <p:cNvPicPr>
-            <a:picLocks noChangeAspect="1"/>
-          </p:cNvPicPr>
-          <p:nvPr/>
-        </p:nvPicPr>
-        <p:blipFill>
-          <a:blip r:embed="rId3">
-            <a:extLst/>
-          </a:blip>
-          <a:stretch>
-            <a:fillRect/>
-          </a:stretch>
-        </p:blipFill>
-        <p:spPr>
-          <a:xfrm>
-            <a:off x="7392386" y="3025338"/>
-            <a:ext cx="3704010" cy="5884875"/>
-          </a:xfrm>
-          <a:prstGeom prst="rect">
-            <a:avLst/>
-          </a:prstGeom>
-          <a:ln w="12700">
-            <a:miter lim="400000"/>
-          </a:ln>
-        </p:spPr>
-      </p:pic>
-      <p:sp>
-        <p:nvSpPr>
-          <p:cNvPr id="148" name="Arrow"/>
-          <p:cNvSpPr/>
-          <p:nvPr/>
-        </p:nvSpPr>
-        <p:spPr>
-          <a:xfrm>
-            <a:off x="5867400" y="5118100"/>
-            <a:ext cx="1270000" cy="1270000"/>
-          </a:xfrm>
-          <a:prstGeom prst="rightArrow">
-            <a:avLst>
-              <a:gd name="adj1" fmla="val 32000"/>
-              <a:gd name="adj2" fmla="val 64000"/>
-            </a:avLst>
-          </a:prstGeom>
-          <a:blipFill>
-            <a:blip r:embed="rId4"/>
-          </a:blipFill>
-          <a:ln w="12700">
-            <a:miter lim="400000"/>
-          </a:ln>
-          <a:effectLst>
-            <a:outerShdw sx="100000" sy="100000" kx="0" ky="0" algn="b" rotWithShape="0" blurRad="38100" dist="25400" dir="5400000">
-              <a:srgbClr val="000000">
-                <a:alpha val="50000"/>
-              </a:srgbClr>
-            </a:outerShdw>
-          </a:effectLst>
-        </p:spPr>
-        <p:txBody>
-          <a:bodyPr lIns="50800" tIns="50800" rIns="50800" bIns="50800" anchor="ctr"/>
-          <a:lstStyle/>
-          <a:p>
-            <a:pPr>
-              <a:defRPr sz="2400">
-                <a:solidFill>
-                  <a:srgbClr val="FFFFFF"/>
-                </a:solidFill>
-              </a:defRPr>
-            </a:pPr>
-          </a:p>
-        </p:txBody>
-      </p:sp>
-    </p:spTree>
-  </p:cSld>
-  <p:clrMapOvr>
-    <a:masterClrMapping/>
-  </p:clrMapOvr>
-  <p:transition xmlns:p14="http://schemas.microsoft.com/office/powerpoint/2010/main" spd="med" advClick="1"/>
-</p:sld>
-</file>
-
-<file path=ppt/slides/slide9.xml><?xml version="1.0" encoding="utf-8"?>
-<p:sld xmlns:a="http://schemas.openxmlformats.org/drawingml/2006/main" xmlns:r="http://schemas.openxmlformats.org/officeDocument/2006/relationships" xmlns:p="http://schemas.openxmlformats.org/presentationml/2006/main" showMasterSp="1" showMasterPhAnim="1">
-  <p:cSld>
-    <p:bg>
-      <p:bgPr>
-        <a:solidFill>
-          <a:srgbClr val="DCDEE0"/>
-        </a:solidFill>
-      </p:bgPr>
-    </p:bg>
-    <p:spTree>
-      <p:nvGrpSpPr>
-        <p:cNvPr id="1" name=""/>
-        <p:cNvGrpSpPr/>
-        <p:nvPr/>
-      </p:nvGrpSpPr>
-      <p:grpSpPr>
-        <a:xfrm>
-          <a:off x="0" y="0"/>
-          <a:ext cx="0" cy="0"/>
-          <a:chOff x="0" y="0"/>
-          <a:chExt cx="0" cy="0"/>
-        </a:xfrm>
-      </p:grpSpPr>
-      <p:sp>
-        <p:nvSpPr>
-          <p:cNvPr id="150" name="שימוש באפליקציה"/>
-          <p:cNvSpPr txBox="1"/>
-          <p:nvPr>
-            <p:ph type="title"/>
-          </p:nvPr>
-        </p:nvSpPr>
-        <p:spPr>
-          <a:xfrm>
-            <a:off x="952500" y="444500"/>
-            <a:ext cx="11099800" cy="2159000"/>
-          </a:xfrm>
-          <a:prstGeom prst="rect">
-            <a:avLst/>
-          </a:prstGeom>
-        </p:spPr>
-        <p:txBody>
-          <a:bodyPr/>
-          <a:lstStyle>
-            <a:lvl1pPr rtl="1">
-              <a:defRPr/>
-            </a:lvl1pPr>
-          </a:lstStyle>
-          <a:p>
-            <a:pPr/>
-            <a:r>
-              <a:t>שימוש באפליקציה</a:t>
-            </a:r>
-          </a:p>
-        </p:txBody>
-      </p:sp>
-      <p:sp>
-        <p:nvSpPr>
-          <p:cNvPr id="151" name="כעת בטאב המקורות יופיעו המקורות, מפולטרים על ידי ״מדרשי אגדה״."/>
-          <p:cNvSpPr txBox="1"/>
-          <p:nvPr/>
-        </p:nvSpPr>
-        <p:spPr>
-          <a:xfrm>
-            <a:off x="1917519" y="2463800"/>
-            <a:ext cx="7907105" cy="406401"/>
-          </a:xfrm>
-          <a:prstGeom prst="rect">
-            <a:avLst/>
-          </a:prstGeom>
-          <a:ln w="12700">
-            <a:miter lim="400000"/>
-          </a:ln>
-          <a:extLst>
-            <a:ext uri="{C572A759-6A51-4108-AA02-DFA0A04FC94B}">
-              <ma14:wrappingTextBoxFlag xmlns:ma14="http://schemas.microsoft.com/office/mac/drawingml/2011/main" val="1"/>
-            </a:ext>
-          </a:extLst>
-        </p:spPr>
-        <p:txBody>
-          <a:bodyPr lIns="50800" tIns="50800" rIns="50800" bIns="50800" anchor="ctr">
-            <a:spAutoFit/>
-          </a:bodyPr>
-          <a:lstStyle>
-            <a:lvl1pPr algn="r" rtl="1">
-              <a:defRPr sz="2000"/>
-            </a:lvl1pPr>
-          </a:lstStyle>
-          <a:p>
-            <a:pPr/>
-            <a:r>
-              <a:t>כעת בטאב המקורות יופיעו המקורות, מפולטרים על ידי ״מדרשי אגדה״.</a:t>
-            </a:r>
-          </a:p>
-        </p:txBody>
-      </p:sp>
-      <p:pic>
-        <p:nvPicPr>
-          <p:cNvPr id="152" name="Image" descr="Image"/>
-          <p:cNvPicPr>
-            <a:picLocks noChangeAspect="1"/>
-          </p:cNvPicPr>
-          <p:nvPr/>
-        </p:nvPicPr>
-        <p:blipFill>
-          <a:blip r:embed="rId2">
-            <a:extLst/>
-          </a:blip>
-          <a:stretch>
-            <a:fillRect/>
-          </a:stretch>
-        </p:blipFill>
-        <p:spPr>
-          <a:xfrm>
-            <a:off x="4137616" y="3287812"/>
-            <a:ext cx="3466911" cy="5463977"/>
-          </a:xfrm>
-          <a:prstGeom prst="rect">
-            <a:avLst/>
-          </a:prstGeom>
-          <a:ln w="12700">
-            <a:miter lim="400000"/>
-          </a:ln>
-        </p:spPr>
-      </p:pic>
-    </p:spTree>
-  </p:cSld>
-  <p:clrMapOvr>
-    <a:masterClrMapping/>
-  </p:clrMapOvr>
-  <p:transition xmlns:p14="http://schemas.microsoft.com/office/powerpoint/2010/main" spd="med" advClick="1"/>
+  <p:transition spd="med"/>
+  <p:timing>
+    <p:tnLst>
+      <p:par>
+        <p:cTn id="1" dur="indefinite" restart="never" nodeType="tmRoot"/>
+      </p:par>
+    </p:tnLst>
+  </p:timing>
 </p:sld>
 </file>
 
 <file path=ppt/theme/theme1.xml><?xml version="1.0" encoding="utf-8"?>
-<a:theme xmlns:a="http://schemas.openxmlformats.org/drawingml/2006/main" xmlns:r="http://schemas.openxmlformats.org/officeDocument/2006/relationships" name="Default">
+<a:theme xmlns:a="http://schemas.openxmlformats.org/drawingml/2006/main" name="Default">
   <a:themeElements>
     <a:clrScheme name="Default">
       <a:dk1>
@@ -6473,7 +9268,7 @@
       <a:effectStyleLst>
         <a:effectStyle>
           <a:effectLst>
-            <a:outerShdw sx="100000" sy="100000" kx="0" ky="0" algn="b" rotWithShape="0" blurRad="38100" dist="25400" dir="5400000">
+            <a:outerShdw blurRad="38100" dist="25400" dir="5400000" rotWithShape="0">
               <a:srgbClr val="000000">
                 <a:alpha val="50000"/>
               </a:srgbClr>
@@ -6482,7 +9277,7 @@
         </a:effectStyle>
         <a:effectStyle>
           <a:effectLst>
-            <a:outerShdw sx="100000" sy="100000" kx="0" ky="0" algn="b" rotWithShape="0" blurRad="38100" dist="25400" dir="5400000">
+            <a:outerShdw blurRad="38100" dist="25400" dir="5400000" rotWithShape="0">
               <a:srgbClr val="000000">
                 <a:alpha val="50000"/>
               </a:srgbClr>
@@ -6491,7 +9286,7 @@
         </a:effectStyle>
         <a:effectStyle>
           <a:effectLst>
-            <a:outerShdw sx="100000" sy="100000" kx="0" ky="0" algn="b" rotWithShape="0" blurRad="38100" dist="25400" dir="5400000">
+            <a:outerShdw blurRad="38100" dist="25400" dir="5400000" rotWithShape="0">
               <a:srgbClr val="000000">
                 <a:alpha val="50000"/>
               </a:srgbClr>
@@ -6565,7 +9360,7 @@
           <a:bevel/>
         </a:ln>
         <a:effectLst>
-          <a:outerShdw sx="100000" sy="100000" kx="0" ky="0" algn="b" rotWithShape="0" blurRad="38100" dist="25400" dir="5400000">
+          <a:outerShdw blurRad="38100" dist="25400" dir="5400000" rotWithShape="0">
             <a:srgbClr val="000000">
               <a:alpha val="50000"/>
             </a:srgbClr>
@@ -6573,7 +9368,7 @@
         </a:effectLst>
         <a:sp3d/>
       </a:spPr>
-      <a:bodyPr rot="0" spcFirstLastPara="1" vertOverflow="overflow" horzOverflow="overflow" vert="horz" wrap="square" lIns="50800" tIns="50800" rIns="50800" bIns="50800" numCol="1" spcCol="38100" rtlCol="0" anchor="ctr" upright="0">
+      <a:bodyPr rot="0" spcFirstLastPara="1" vertOverflow="overflow" horzOverflow="overflow" vert="horz" wrap="square" lIns="50800" tIns="50800" rIns="50800" bIns="50800" numCol="1" spcCol="38100" rtlCol="0" anchor="ctr">
         <a:spAutoFit/>
       </a:bodyPr>
       <a:lstStyle>
@@ -6592,7 +9387,7 @@
           <a:buFontTx/>
           <a:buNone/>
           <a:tabLst/>
-          <a:defRPr b="0" baseline="0" cap="none" i="0" spc="0" strike="noStrike" sz="3600" u="none" kumimoji="0" normalizeH="0">
+          <a:defRPr kumimoji="0" sz="3600" b="0" i="0" u="none" strike="noStrike" cap="none" spc="0" normalizeH="0" baseline="0">
             <a:ln>
               <a:noFill/>
             </a:ln>
@@ -6622,7 +9417,7 @@
           <a:buFontTx/>
           <a:buNone/>
           <a:tabLst/>
-          <a:defRPr b="0" baseline="0" cap="none" i="0" spc="0" strike="noStrike" sz="1800" u="none" kumimoji="0" normalizeH="0">
+          <a:defRPr kumimoji="0" sz="1800" b="0" i="0" u="none" strike="noStrike" cap="none" spc="0" normalizeH="0" baseline="0">
             <a:ln>
               <a:noFill/>
             </a:ln>
@@ -6648,7 +9443,7 @@
           <a:buFontTx/>
           <a:buNone/>
           <a:tabLst/>
-          <a:defRPr b="0" baseline="0" cap="none" i="0" spc="0" strike="noStrike" sz="1800" u="none" kumimoji="0" normalizeH="0">
+          <a:defRPr kumimoji="0" sz="1800" b="0" i="0" u="none" strike="noStrike" cap="none" spc="0" normalizeH="0" baseline="0">
             <a:ln>
               <a:noFill/>
             </a:ln>
@@ -6674,7 +9469,7 @@
           <a:buFontTx/>
           <a:buNone/>
           <a:tabLst/>
-          <a:defRPr b="0" baseline="0" cap="none" i="0" spc="0" strike="noStrike" sz="1800" u="none" kumimoji="0" normalizeH="0">
+          <a:defRPr kumimoji="0" sz="1800" b="0" i="0" u="none" strike="noStrike" cap="none" spc="0" normalizeH="0" baseline="0">
             <a:ln>
               <a:noFill/>
             </a:ln>
@@ -6700,7 +9495,7 @@
           <a:buFontTx/>
           <a:buNone/>
           <a:tabLst/>
-          <a:defRPr b="0" baseline="0" cap="none" i="0" spc="0" strike="noStrike" sz="1800" u="none" kumimoji="0" normalizeH="0">
+          <a:defRPr kumimoji="0" sz="1800" b="0" i="0" u="none" strike="noStrike" cap="none" spc="0" normalizeH="0" baseline="0">
             <a:ln>
               <a:noFill/>
             </a:ln>
@@ -6726,7 +9521,7 @@
           <a:buFontTx/>
           <a:buNone/>
           <a:tabLst/>
-          <a:defRPr b="0" baseline="0" cap="none" i="0" spc="0" strike="noStrike" sz="1800" u="none" kumimoji="0" normalizeH="0">
+          <a:defRPr kumimoji="0" sz="1800" b="0" i="0" u="none" strike="noStrike" cap="none" spc="0" normalizeH="0" baseline="0">
             <a:ln>
               <a:noFill/>
             </a:ln>
@@ -6752,7 +9547,7 @@
           <a:buFontTx/>
           <a:buNone/>
           <a:tabLst/>
-          <a:defRPr b="0" baseline="0" cap="none" i="0" spc="0" strike="noStrike" sz="1800" u="none" kumimoji="0" normalizeH="0">
+          <a:defRPr kumimoji="0" sz="1800" b="0" i="0" u="none" strike="noStrike" cap="none" spc="0" normalizeH="0" baseline="0">
             <a:ln>
               <a:noFill/>
             </a:ln>
@@ -6778,7 +9573,7 @@
           <a:buFontTx/>
           <a:buNone/>
           <a:tabLst/>
-          <a:defRPr b="0" baseline="0" cap="none" i="0" spc="0" strike="noStrike" sz="1800" u="none" kumimoji="0" normalizeH="0">
+          <a:defRPr kumimoji="0" sz="1800" b="0" i="0" u="none" strike="noStrike" cap="none" spc="0" normalizeH="0" baseline="0">
             <a:ln>
               <a:noFill/>
             </a:ln>
@@ -6804,7 +9599,7 @@
           <a:buFontTx/>
           <a:buNone/>
           <a:tabLst/>
-          <a:defRPr b="0" baseline="0" cap="none" i="0" spc="0" strike="noStrike" sz="1800" u="none" kumimoji="0" normalizeH="0">
+          <a:defRPr kumimoji="0" sz="1800" b="0" i="0" u="none" strike="noStrike" cap="none" spc="0" normalizeH="0" baseline="0">
             <a:ln>
               <a:noFill/>
             </a:ln>
@@ -6830,7 +9625,7 @@
           <a:buFontTx/>
           <a:buNone/>
           <a:tabLst/>
-          <a:defRPr b="0" baseline="0" cap="none" i="0" spc="0" strike="noStrike" sz="1800" u="none" kumimoji="0" normalizeH="0">
+          <a:defRPr kumimoji="0" sz="1800" b="0" i="0" u="none" strike="noStrike" cap="none" spc="0" normalizeH="0" baseline="0">
             <a:ln>
               <a:noFill/>
             </a:ln>
@@ -6843,9 +9638,15 @@
         </a:lvl9pPr>
       </a:lstStyle>
       <a:style>
-        <a:lnRef idx="0"/>
-        <a:fillRef idx="0"/>
-        <a:effectRef idx="0"/>
+        <a:lnRef idx="0">
+          <a:scrgbClr r="0" g="0" b="0"/>
+        </a:lnRef>
+        <a:fillRef idx="0">
+          <a:scrgbClr r="0" g="0" b="0"/>
+        </a:fillRef>
+        <a:effectRef idx="0">
+          <a:scrgbClr r="0" g="0" b="0"/>
+        </a:effectRef>
         <a:fontRef idx="none"/>
       </a:style>
     </a:spDef>
@@ -6860,7 +9661,7 @@
           <a:bevel/>
         </a:ln>
         <a:effectLst>
-          <a:outerShdw sx="100000" sy="100000" kx="0" ky="0" algn="b" rotWithShape="0" blurRad="38100" dist="25400" dir="5400000">
+          <a:outerShdw blurRad="38100" dist="25400" dir="5400000" rotWithShape="0">
             <a:srgbClr val="000000">
               <a:alpha val="50000"/>
             </a:srgbClr>
@@ -6868,7 +9669,7 @@
         </a:effectLst>
         <a:sp3d/>
       </a:spPr>
-      <a:bodyPr rot="0" spcFirstLastPara="1" vertOverflow="overflow" horzOverflow="overflow" vert="horz" wrap="square" lIns="91439" tIns="45719" rIns="91439" bIns="45719" numCol="1" spcCol="38100" rtlCol="0" anchor="t" upright="0">
+      <a:bodyPr rot="0" spcFirstLastPara="1" vertOverflow="overflow" horzOverflow="overflow" vert="horz" wrap="square" lIns="91439" tIns="45719" rIns="91439" bIns="45719" numCol="1" spcCol="38100" rtlCol="0" anchor="t">
         <a:noAutofit/>
       </a:bodyPr>
       <a:lstStyle>
@@ -6887,7 +9688,7 @@
           <a:buFontTx/>
           <a:buNone/>
           <a:tabLst/>
-          <a:defRPr b="0" baseline="0" cap="none" i="0" spc="0" strike="noStrike" sz="1800" u="none" kumimoji="0" normalizeH="0">
+          <a:defRPr kumimoji="0" sz="1800" b="0" i="0" u="none" strike="noStrike" cap="none" spc="0" normalizeH="0" baseline="0">
             <a:ln>
               <a:noFill/>
             </a:ln>
@@ -6913,7 +9714,7 @@
           <a:buFontTx/>
           <a:buNone/>
           <a:tabLst/>
-          <a:defRPr b="0" baseline="0" cap="none" i="0" spc="0" strike="noStrike" sz="1800" u="none" kumimoji="0" normalizeH="0">
+          <a:defRPr kumimoji="0" sz="1800" b="0" i="0" u="none" strike="noStrike" cap="none" spc="0" normalizeH="0" baseline="0">
             <a:ln>
               <a:noFill/>
             </a:ln>
@@ -6939,7 +9740,7 @@
           <a:buFontTx/>
           <a:buNone/>
           <a:tabLst/>
-          <a:defRPr b="0" baseline="0" cap="none" i="0" spc="0" strike="noStrike" sz="1800" u="none" kumimoji="0" normalizeH="0">
+          <a:defRPr kumimoji="0" sz="1800" b="0" i="0" u="none" strike="noStrike" cap="none" spc="0" normalizeH="0" baseline="0">
             <a:ln>
               <a:noFill/>
             </a:ln>
@@ -6965,7 +9766,7 @@
           <a:buFontTx/>
           <a:buNone/>
           <a:tabLst/>
-          <a:defRPr b="0" baseline="0" cap="none" i="0" spc="0" strike="noStrike" sz="1800" u="none" kumimoji="0" normalizeH="0">
+          <a:defRPr kumimoji="0" sz="1800" b="0" i="0" u="none" strike="noStrike" cap="none" spc="0" normalizeH="0" baseline="0">
             <a:ln>
               <a:noFill/>
             </a:ln>
@@ -6991,7 +9792,7 @@
           <a:buFontTx/>
           <a:buNone/>
           <a:tabLst/>
-          <a:defRPr b="0" baseline="0" cap="none" i="0" spc="0" strike="noStrike" sz="1800" u="none" kumimoji="0" normalizeH="0">
+          <a:defRPr kumimoji="0" sz="1800" b="0" i="0" u="none" strike="noStrike" cap="none" spc="0" normalizeH="0" baseline="0">
             <a:ln>
               <a:noFill/>
             </a:ln>
@@ -7017,7 +9818,7 @@
           <a:buFontTx/>
           <a:buNone/>
           <a:tabLst/>
-          <a:defRPr b="0" baseline="0" cap="none" i="0" spc="0" strike="noStrike" sz="1800" u="none" kumimoji="0" normalizeH="0">
+          <a:defRPr kumimoji="0" sz="1800" b="0" i="0" u="none" strike="noStrike" cap="none" spc="0" normalizeH="0" baseline="0">
             <a:ln>
               <a:noFill/>
             </a:ln>
@@ -7043,7 +9844,7 @@
           <a:buFontTx/>
           <a:buNone/>
           <a:tabLst/>
-          <a:defRPr b="0" baseline="0" cap="none" i="0" spc="0" strike="noStrike" sz="1800" u="none" kumimoji="0" normalizeH="0">
+          <a:defRPr kumimoji="0" sz="1800" b="0" i="0" u="none" strike="noStrike" cap="none" spc="0" normalizeH="0" baseline="0">
             <a:ln>
               <a:noFill/>
             </a:ln>
@@ -7069,7 +9870,7 @@
           <a:buFontTx/>
           <a:buNone/>
           <a:tabLst/>
-          <a:defRPr b="0" baseline="0" cap="none" i="0" spc="0" strike="noStrike" sz="1800" u="none" kumimoji="0" normalizeH="0">
+          <a:defRPr kumimoji="0" sz="1800" b="0" i="0" u="none" strike="noStrike" cap="none" spc="0" normalizeH="0" baseline="0">
             <a:ln>
               <a:noFill/>
             </a:ln>
@@ -7095,7 +9896,7 @@
           <a:buFontTx/>
           <a:buNone/>
           <a:tabLst/>
-          <a:defRPr b="0" baseline="0" cap="none" i="0" spc="0" strike="noStrike" sz="1800" u="none" kumimoji="0" normalizeH="0">
+          <a:defRPr kumimoji="0" sz="1800" b="0" i="0" u="none" strike="noStrike" cap="none" spc="0" normalizeH="0" baseline="0">
             <a:ln>
               <a:noFill/>
             </a:ln>
@@ -7121,7 +9922,7 @@
           <a:buFontTx/>
           <a:buNone/>
           <a:tabLst/>
-          <a:defRPr b="0" baseline="0" cap="none" i="0" spc="0" strike="noStrike" sz="1800" u="none" kumimoji="0" normalizeH="0">
+          <a:defRPr kumimoji="0" sz="1800" b="0" i="0" u="none" strike="noStrike" cap="none" spc="0" normalizeH="0" baseline="0">
             <a:ln>
               <a:noFill/>
             </a:ln>
@@ -7134,9 +9935,15 @@
         </a:lvl9pPr>
       </a:lstStyle>
       <a:style>
-        <a:lnRef idx="0"/>
-        <a:fillRef idx="0"/>
-        <a:effectRef idx="0"/>
+        <a:lnRef idx="0">
+          <a:scrgbClr r="0" g="0" b="0"/>
+        </a:lnRef>
+        <a:fillRef idx="0">
+          <a:scrgbClr r="0" g="0" b="0"/>
+        </a:fillRef>
+        <a:effectRef idx="0">
+          <a:scrgbClr r="0" g="0" b="0"/>
+        </a:effectRef>
         <a:fontRef idx="none"/>
       </a:style>
     </a:lnDef>
@@ -7150,7 +9957,7 @@
         <a:effectLst/>
         <a:sp3d/>
       </a:spPr>
-      <a:bodyPr rot="0" spcFirstLastPara="1" vertOverflow="overflow" horzOverflow="overflow" vert="horz" wrap="square" lIns="50800" tIns="50800" rIns="50800" bIns="50800" numCol="1" spcCol="38100" rtlCol="0" anchor="ctr" upright="0">
+      <a:bodyPr rot="0" spcFirstLastPara="1" vertOverflow="overflow" horzOverflow="overflow" vert="horz" wrap="square" lIns="50800" tIns="50800" rIns="50800" bIns="50800" numCol="1" spcCol="38100" rtlCol="0" anchor="ctr">
         <a:spAutoFit/>
       </a:bodyPr>
       <a:lstStyle>
@@ -7169,7 +9976,7 @@
           <a:buFontTx/>
           <a:buNone/>
           <a:tabLst/>
-          <a:defRPr b="0" baseline="0" cap="none" i="0" spc="0" strike="noStrike" sz="3600" u="none" kumimoji="0" normalizeH="0">
+          <a:defRPr kumimoji="0" sz="3600" b="0" i="0" u="none" strike="noStrike" cap="none" spc="0" normalizeH="0" baseline="0">
             <a:ln>
               <a:noFill/>
             </a:ln>
@@ -7199,7 +10006,7 @@
           <a:buFontTx/>
           <a:buNone/>
           <a:tabLst/>
-          <a:defRPr b="0" baseline="0" cap="none" i="0" spc="0" strike="noStrike" sz="1800" u="none" kumimoji="0" normalizeH="0">
+          <a:defRPr kumimoji="0" sz="1800" b="0" i="0" u="none" strike="noStrike" cap="none" spc="0" normalizeH="0" baseline="0">
             <a:ln>
               <a:noFill/>
             </a:ln>
@@ -7225,7 +10032,7 @@
           <a:buFontTx/>
           <a:buNone/>
           <a:tabLst/>
-          <a:defRPr b="0" baseline="0" cap="none" i="0" spc="0" strike="noStrike" sz="1800" u="none" kumimoji="0" normalizeH="0">
+          <a:defRPr kumimoji="0" sz="1800" b="0" i="0" u="none" strike="noStrike" cap="none" spc="0" normalizeH="0" baseline="0">
             <a:ln>
               <a:noFill/>
             </a:ln>
@@ -7251,7 +10058,7 @@
           <a:buFontTx/>
           <a:buNone/>
           <a:tabLst/>
-          <a:defRPr b="0" baseline="0" cap="none" i="0" spc="0" strike="noStrike" sz="1800" u="none" kumimoji="0" normalizeH="0">
+          <a:defRPr kumimoji="0" sz="1800" b="0" i="0" u="none" strike="noStrike" cap="none" spc="0" normalizeH="0" baseline="0">
             <a:ln>
               <a:noFill/>
             </a:ln>
@@ -7277,7 +10084,7 @@
           <a:buFontTx/>
           <a:buNone/>
           <a:tabLst/>
-          <a:defRPr b="0" baseline="0" cap="none" i="0" spc="0" strike="noStrike" sz="1800" u="none" kumimoji="0" normalizeH="0">
+          <a:defRPr kumimoji="0" sz="1800" b="0" i="0" u="none" strike="noStrike" cap="none" spc="0" normalizeH="0" baseline="0">
             <a:ln>
               <a:noFill/>
             </a:ln>
@@ -7303,7 +10110,7 @@
           <a:buFontTx/>
           <a:buNone/>
           <a:tabLst/>
-          <a:defRPr b="0" baseline="0" cap="none" i="0" spc="0" strike="noStrike" sz="1800" u="none" kumimoji="0" normalizeH="0">
+          <a:defRPr kumimoji="0" sz="1800" b="0" i="0" u="none" strike="noStrike" cap="none" spc="0" normalizeH="0" baseline="0">
             <a:ln>
               <a:noFill/>
             </a:ln>
@@ -7329,7 +10136,7 @@
           <a:buFontTx/>
           <a:buNone/>
           <a:tabLst/>
-          <a:defRPr b="0" baseline="0" cap="none" i="0" spc="0" strike="noStrike" sz="1800" u="none" kumimoji="0" normalizeH="0">
+          <a:defRPr kumimoji="0" sz="1800" b="0" i="0" u="none" strike="noStrike" cap="none" spc="0" normalizeH="0" baseline="0">
             <a:ln>
               <a:noFill/>
             </a:ln>
@@ -7355,7 +10162,7 @@
           <a:buFontTx/>
           <a:buNone/>
           <a:tabLst/>
-          <a:defRPr b="0" baseline="0" cap="none" i="0" spc="0" strike="noStrike" sz="1800" u="none" kumimoji="0" normalizeH="0">
+          <a:defRPr kumimoji="0" sz="1800" b="0" i="0" u="none" strike="noStrike" cap="none" spc="0" normalizeH="0" baseline="0">
             <a:ln>
               <a:noFill/>
             </a:ln>
@@ -7381,7 +10188,7 @@
           <a:buFontTx/>
           <a:buNone/>
           <a:tabLst/>
-          <a:defRPr b="0" baseline="0" cap="none" i="0" spc="0" strike="noStrike" sz="1800" u="none" kumimoji="0" normalizeH="0">
+          <a:defRPr kumimoji="0" sz="1800" b="0" i="0" u="none" strike="noStrike" cap="none" spc="0" normalizeH="0" baseline="0">
             <a:ln>
               <a:noFill/>
             </a:ln>
@@ -7407,7 +10214,7 @@
           <a:buFontTx/>
           <a:buNone/>
           <a:tabLst/>
-          <a:defRPr b="0" baseline="0" cap="none" i="0" spc="0" strike="noStrike" sz="1800" u="none" kumimoji="0" normalizeH="0">
+          <a:defRPr kumimoji="0" sz="1800" b="0" i="0" u="none" strike="noStrike" cap="none" spc="0" normalizeH="0" baseline="0">
             <a:ln>
               <a:noFill/>
             </a:ln>
@@ -7420,18 +10227,25 @@
         </a:lvl9pPr>
       </a:lstStyle>
       <a:style>
-        <a:lnRef idx="0"/>
-        <a:fillRef idx="0"/>
-        <a:effectRef idx="0"/>
+        <a:lnRef idx="0">
+          <a:scrgbClr r="0" g="0" b="0"/>
+        </a:lnRef>
+        <a:fillRef idx="0">
+          <a:scrgbClr r="0" g="0" b="0"/>
+        </a:fillRef>
+        <a:effectRef idx="0">
+          <a:scrgbClr r="0" g="0" b="0"/>
+        </a:effectRef>
         <a:fontRef idx="none"/>
       </a:style>
     </a:txDef>
   </a:objectDefaults>
+  <a:extraClrSchemeLst/>
 </a:theme>
 </file>
 
 <file path=ppt/theme/theme2.xml><?xml version="1.0" encoding="utf-8"?>
-<a:theme xmlns:a="http://schemas.openxmlformats.org/drawingml/2006/main" xmlns:r="http://schemas.openxmlformats.org/officeDocument/2006/relationships" name="Default">
+<a:theme xmlns:a="http://schemas.openxmlformats.org/drawingml/2006/main" name="Default">
   <a:themeElements>
     <a:clrScheme name="Default">
       <a:dk1>
@@ -7557,7 +10371,7 @@
       <a:effectStyleLst>
         <a:effectStyle>
           <a:effectLst>
-            <a:outerShdw sx="100000" sy="100000" kx="0" ky="0" algn="b" rotWithShape="0" blurRad="38100" dist="25400" dir="5400000">
+            <a:outerShdw blurRad="38100" dist="25400" dir="5400000" rotWithShape="0">
               <a:srgbClr val="000000">
                 <a:alpha val="50000"/>
               </a:srgbClr>
@@ -7566,7 +10380,7 @@
         </a:effectStyle>
         <a:effectStyle>
           <a:effectLst>
-            <a:outerShdw sx="100000" sy="100000" kx="0" ky="0" algn="b" rotWithShape="0" blurRad="38100" dist="25400" dir="5400000">
+            <a:outerShdw blurRad="38100" dist="25400" dir="5400000" rotWithShape="0">
               <a:srgbClr val="000000">
                 <a:alpha val="50000"/>
               </a:srgbClr>
@@ -7575,7 +10389,7 @@
         </a:effectStyle>
         <a:effectStyle>
           <a:effectLst>
-            <a:outerShdw sx="100000" sy="100000" kx="0" ky="0" algn="b" rotWithShape="0" blurRad="38100" dist="25400" dir="5400000">
+            <a:outerShdw blurRad="38100" dist="25400" dir="5400000" rotWithShape="0">
               <a:srgbClr val="000000">
                 <a:alpha val="50000"/>
               </a:srgbClr>
@@ -7649,7 +10463,7 @@
           <a:bevel/>
         </a:ln>
         <a:effectLst>
-          <a:outerShdw sx="100000" sy="100000" kx="0" ky="0" algn="b" rotWithShape="0" blurRad="38100" dist="25400" dir="5400000">
+          <a:outerShdw blurRad="38100" dist="25400" dir="5400000" rotWithShape="0">
             <a:srgbClr val="000000">
               <a:alpha val="50000"/>
             </a:srgbClr>
@@ -7657,7 +10471,7 @@
         </a:effectLst>
         <a:sp3d/>
       </a:spPr>
-      <a:bodyPr rot="0" spcFirstLastPara="1" vertOverflow="overflow" horzOverflow="overflow" vert="horz" wrap="square" lIns="50800" tIns="50800" rIns="50800" bIns="50800" numCol="1" spcCol="38100" rtlCol="0" anchor="ctr" upright="0">
+      <a:bodyPr rot="0" spcFirstLastPara="1" vertOverflow="overflow" horzOverflow="overflow" vert="horz" wrap="square" lIns="50800" tIns="50800" rIns="50800" bIns="50800" numCol="1" spcCol="38100" rtlCol="0" anchor="ctr">
         <a:spAutoFit/>
       </a:bodyPr>
       <a:lstStyle>
@@ -7676,7 +10490,7 @@
           <a:buFontTx/>
           <a:buNone/>
           <a:tabLst/>
-          <a:defRPr b="0" baseline="0" cap="none" i="0" spc="0" strike="noStrike" sz="3600" u="none" kumimoji="0" normalizeH="0">
+          <a:defRPr kumimoji="0" sz="3600" b="0" i="0" u="none" strike="noStrike" cap="none" spc="0" normalizeH="0" baseline="0">
             <a:ln>
               <a:noFill/>
             </a:ln>
@@ -7706,7 +10520,7 @@
           <a:buFontTx/>
           <a:buNone/>
           <a:tabLst/>
-          <a:defRPr b="0" baseline="0" cap="none" i="0" spc="0" strike="noStrike" sz="1800" u="none" kumimoji="0" normalizeH="0">
+          <a:defRPr kumimoji="0" sz="1800" b="0" i="0" u="none" strike="noStrike" cap="none" spc="0" normalizeH="0" baseline="0">
             <a:ln>
               <a:noFill/>
             </a:ln>
@@ -7732,7 +10546,7 @@
           <a:buFontTx/>
           <a:buNone/>
           <a:tabLst/>
-          <a:defRPr b="0" baseline="0" cap="none" i="0" spc="0" strike="noStrike" sz="1800" u="none" kumimoji="0" normalizeH="0">
+          <a:defRPr kumimoji="0" sz="1800" b="0" i="0" u="none" strike="noStrike" cap="none" spc="0" normalizeH="0" baseline="0">
             <a:ln>
               <a:noFill/>
             </a:ln>
@@ -7758,7 +10572,7 @@
           <a:buFontTx/>
           <a:buNone/>
           <a:tabLst/>
-          <a:defRPr b="0" baseline="0" cap="none" i="0" spc="0" strike="noStrike" sz="1800" u="none" kumimoji="0" normalizeH="0">
+          <a:defRPr kumimoji="0" sz="1800" b="0" i="0" u="none" strike="noStrike" cap="none" spc="0" normalizeH="0" baseline="0">
             <a:ln>
               <a:noFill/>
             </a:ln>
@@ -7784,7 +10598,7 @@
           <a:buFontTx/>
           <a:buNone/>
           <a:tabLst/>
-          <a:defRPr b="0" baseline="0" cap="none" i="0" spc="0" strike="noStrike" sz="1800" u="none" kumimoji="0" normalizeH="0">
+          <a:defRPr kumimoji="0" sz="1800" b="0" i="0" u="none" strike="noStrike" cap="none" spc="0" normalizeH="0" baseline="0">
             <a:ln>
               <a:noFill/>
             </a:ln>
@@ -7810,7 +10624,7 @@
           <a:buFontTx/>
           <a:buNone/>
           <a:tabLst/>
-          <a:defRPr b="0" baseline="0" cap="none" i="0" spc="0" strike="noStrike" sz="1800" u="none" kumimoji="0" normalizeH="0">
+          <a:defRPr kumimoji="0" sz="1800" b="0" i="0" u="none" strike="noStrike" cap="none" spc="0" normalizeH="0" baseline="0">
             <a:ln>
               <a:noFill/>
             </a:ln>
@@ -7836,7 +10650,7 @@
           <a:buFontTx/>
           <a:buNone/>
           <a:tabLst/>
-          <a:defRPr b="0" baseline="0" cap="none" i="0" spc="0" strike="noStrike" sz="1800" u="none" kumimoji="0" normalizeH="0">
+          <a:defRPr kumimoji="0" sz="1800" b="0" i="0" u="none" strike="noStrike" cap="none" spc="0" normalizeH="0" baseline="0">
             <a:ln>
               <a:noFill/>
             </a:ln>
@@ -7862,7 +10676,7 @@
           <a:buFontTx/>
           <a:buNone/>
           <a:tabLst/>
-          <a:defRPr b="0" baseline="0" cap="none" i="0" spc="0" strike="noStrike" sz="1800" u="none" kumimoji="0" normalizeH="0">
+          <a:defRPr kumimoji="0" sz="1800" b="0" i="0" u="none" strike="noStrike" cap="none" spc="0" normalizeH="0" baseline="0">
             <a:ln>
               <a:noFill/>
             </a:ln>
@@ -7888,7 +10702,7 @@
           <a:buFontTx/>
           <a:buNone/>
           <a:tabLst/>
-          <a:defRPr b="0" baseline="0" cap="none" i="0" spc="0" strike="noStrike" sz="1800" u="none" kumimoji="0" normalizeH="0">
+          <a:defRPr kumimoji="0" sz="1800" b="0" i="0" u="none" strike="noStrike" cap="none" spc="0" normalizeH="0" baseline="0">
             <a:ln>
               <a:noFill/>
             </a:ln>
@@ -7914,7 +10728,7 @@
           <a:buFontTx/>
           <a:buNone/>
           <a:tabLst/>
-          <a:defRPr b="0" baseline="0" cap="none" i="0" spc="0" strike="noStrike" sz="1800" u="none" kumimoji="0" normalizeH="0">
+          <a:defRPr kumimoji="0" sz="1800" b="0" i="0" u="none" strike="noStrike" cap="none" spc="0" normalizeH="0" baseline="0">
             <a:ln>
               <a:noFill/>
             </a:ln>
@@ -7927,9 +10741,15 @@
         </a:lvl9pPr>
       </a:lstStyle>
       <a:style>
-        <a:lnRef idx="0"/>
-        <a:fillRef idx="0"/>
-        <a:effectRef idx="0"/>
+        <a:lnRef idx="0">
+          <a:scrgbClr r="0" g="0" b="0"/>
+        </a:lnRef>
+        <a:fillRef idx="0">
+          <a:scrgbClr r="0" g="0" b="0"/>
+        </a:fillRef>
+        <a:effectRef idx="0">
+          <a:scrgbClr r="0" g="0" b="0"/>
+        </a:effectRef>
         <a:fontRef idx="none"/>
       </a:style>
     </a:spDef>
@@ -7944,7 +10764,7 @@
           <a:bevel/>
         </a:ln>
         <a:effectLst>
-          <a:outerShdw sx="100000" sy="100000" kx="0" ky="0" algn="b" rotWithShape="0" blurRad="38100" dist="25400" dir="5400000">
+          <a:outerShdw blurRad="38100" dist="25400" dir="5400000" rotWithShape="0">
             <a:srgbClr val="000000">
               <a:alpha val="50000"/>
             </a:srgbClr>
@@ -7952,7 +10772,7 @@
         </a:effectLst>
         <a:sp3d/>
       </a:spPr>
-      <a:bodyPr rot="0" spcFirstLastPara="1" vertOverflow="overflow" horzOverflow="overflow" vert="horz" wrap="square" lIns="91439" tIns="45719" rIns="91439" bIns="45719" numCol="1" spcCol="38100" rtlCol="0" anchor="t" upright="0">
+      <a:bodyPr rot="0" spcFirstLastPara="1" vertOverflow="overflow" horzOverflow="overflow" vert="horz" wrap="square" lIns="91439" tIns="45719" rIns="91439" bIns="45719" numCol="1" spcCol="38100" rtlCol="0" anchor="t">
         <a:noAutofit/>
       </a:bodyPr>
       <a:lstStyle>
@@ -7971,7 +10791,7 @@
           <a:buFontTx/>
           <a:buNone/>
           <a:tabLst/>
-          <a:defRPr b="0" baseline="0" cap="none" i="0" spc="0" strike="noStrike" sz="1800" u="none" kumimoji="0" normalizeH="0">
+          <a:defRPr kumimoji="0" sz="1800" b="0" i="0" u="none" strike="noStrike" cap="none" spc="0" normalizeH="0" baseline="0">
             <a:ln>
               <a:noFill/>
             </a:ln>
@@ -7997,7 +10817,7 @@
           <a:buFontTx/>
           <a:buNone/>
           <a:tabLst/>
-          <a:defRPr b="0" baseline="0" cap="none" i="0" spc="0" strike="noStrike" sz="1800" u="none" kumimoji="0" normalizeH="0">
+          <a:defRPr kumimoji="0" sz="1800" b="0" i="0" u="none" strike="noStrike" cap="none" spc="0" normalizeH="0" baseline="0">
             <a:ln>
               <a:noFill/>
             </a:ln>
@@ -8023,7 +10843,7 @@
           <a:buFontTx/>
           <a:buNone/>
           <a:tabLst/>
-          <a:defRPr b="0" baseline="0" cap="none" i="0" spc="0" strike="noStrike" sz="1800" u="none" kumimoji="0" normalizeH="0">
+          <a:defRPr kumimoji="0" sz="1800" b="0" i="0" u="none" strike="noStrike" cap="none" spc="0" normalizeH="0" baseline="0">
             <a:ln>
               <a:noFill/>
             </a:ln>
@@ -8049,7 +10869,7 @@
           <a:buFontTx/>
           <a:buNone/>
           <a:tabLst/>
-          <a:defRPr b="0" baseline="0" cap="none" i="0" spc="0" strike="noStrike" sz="1800" u="none" kumimoji="0" normalizeH="0">
+          <a:defRPr kumimoji="0" sz="1800" b="0" i="0" u="none" strike="noStrike" cap="none" spc="0" normalizeH="0" baseline="0">
             <a:ln>
               <a:noFill/>
             </a:ln>
@@ -8075,7 +10895,7 @@
           <a:buFontTx/>
           <a:buNone/>
           <a:tabLst/>
-          <a:defRPr b="0" baseline="0" cap="none" i="0" spc="0" strike="noStrike" sz="1800" u="none" kumimoji="0" normalizeH="0">
+          <a:defRPr kumimoji="0" sz="1800" b="0" i="0" u="none" strike="noStrike" cap="none" spc="0" normalizeH="0" baseline="0">
             <a:ln>
               <a:noFill/>
             </a:ln>
@@ -8101,7 +10921,7 @@
           <a:buFontTx/>
           <a:buNone/>
           <a:tabLst/>
-          <a:defRPr b="0" baseline="0" cap="none" i="0" spc="0" strike="noStrike" sz="1800" u="none" kumimoji="0" normalizeH="0">
+          <a:defRPr kumimoji="0" sz="1800" b="0" i="0" u="none" strike="noStrike" cap="none" spc="0" normalizeH="0" baseline="0">
             <a:ln>
               <a:noFill/>
             </a:ln>
@@ -8127,7 +10947,7 @@
           <a:buFontTx/>
           <a:buNone/>
           <a:tabLst/>
-          <a:defRPr b="0" baseline="0" cap="none" i="0" spc="0" strike="noStrike" sz="1800" u="none" kumimoji="0" normalizeH="0">
+          <a:defRPr kumimoji="0" sz="1800" b="0" i="0" u="none" strike="noStrike" cap="none" spc="0" normalizeH="0" baseline="0">
             <a:ln>
               <a:noFill/>
             </a:ln>
@@ -8153,7 +10973,7 @@
           <a:buFontTx/>
           <a:buNone/>
           <a:tabLst/>
-          <a:defRPr b="0" baseline="0" cap="none" i="0" spc="0" strike="noStrike" sz="1800" u="none" kumimoji="0" normalizeH="0">
+          <a:defRPr kumimoji="0" sz="1800" b="0" i="0" u="none" strike="noStrike" cap="none" spc="0" normalizeH="0" baseline="0">
             <a:ln>
               <a:noFill/>
             </a:ln>
@@ -8179,7 +10999,7 @@
           <a:buFontTx/>
           <a:buNone/>
           <a:tabLst/>
-          <a:defRPr b="0" baseline="0" cap="none" i="0" spc="0" strike="noStrike" sz="1800" u="none" kumimoji="0" normalizeH="0">
+          <a:defRPr kumimoji="0" sz="1800" b="0" i="0" u="none" strike="noStrike" cap="none" spc="0" normalizeH="0" baseline="0">
             <a:ln>
               <a:noFill/>
             </a:ln>
@@ -8205,7 +11025,7 @@
           <a:buFontTx/>
           <a:buNone/>
           <a:tabLst/>
-          <a:defRPr b="0" baseline="0" cap="none" i="0" spc="0" strike="noStrike" sz="1800" u="none" kumimoji="0" normalizeH="0">
+          <a:defRPr kumimoji="0" sz="1800" b="0" i="0" u="none" strike="noStrike" cap="none" spc="0" normalizeH="0" baseline="0">
             <a:ln>
               <a:noFill/>
             </a:ln>
@@ -8218,9 +11038,15 @@
         </a:lvl9pPr>
       </a:lstStyle>
       <a:style>
-        <a:lnRef idx="0"/>
-        <a:fillRef idx="0"/>
-        <a:effectRef idx="0"/>
+        <a:lnRef idx="0">
+          <a:scrgbClr r="0" g="0" b="0"/>
+        </a:lnRef>
+        <a:fillRef idx="0">
+          <a:scrgbClr r="0" g="0" b="0"/>
+        </a:fillRef>
+        <a:effectRef idx="0">
+          <a:scrgbClr r="0" g="0" b="0"/>
+        </a:effectRef>
         <a:fontRef idx="none"/>
       </a:style>
     </a:lnDef>
@@ -8234,7 +11060,7 @@
         <a:effectLst/>
         <a:sp3d/>
       </a:spPr>
-      <a:bodyPr rot="0" spcFirstLastPara="1" vertOverflow="overflow" horzOverflow="overflow" vert="horz" wrap="square" lIns="50800" tIns="50800" rIns="50800" bIns="50800" numCol="1" spcCol="38100" rtlCol="0" anchor="ctr" upright="0">
+      <a:bodyPr rot="0" spcFirstLastPara="1" vertOverflow="overflow" horzOverflow="overflow" vert="horz" wrap="square" lIns="50800" tIns="50800" rIns="50800" bIns="50800" numCol="1" spcCol="38100" rtlCol="0" anchor="ctr">
         <a:spAutoFit/>
       </a:bodyPr>
       <a:lstStyle>
@@ -8253,7 +11079,7 @@
           <a:buFontTx/>
           <a:buNone/>
           <a:tabLst/>
-          <a:defRPr b="0" baseline="0" cap="none" i="0" spc="0" strike="noStrike" sz="3600" u="none" kumimoji="0" normalizeH="0">
+          <a:defRPr kumimoji="0" sz="3600" b="0" i="0" u="none" strike="noStrike" cap="none" spc="0" normalizeH="0" baseline="0">
             <a:ln>
               <a:noFill/>
             </a:ln>
@@ -8283,7 +11109,7 @@
           <a:buFontTx/>
           <a:buNone/>
           <a:tabLst/>
-          <a:defRPr b="0" baseline="0" cap="none" i="0" spc="0" strike="noStrike" sz="1800" u="none" kumimoji="0" normalizeH="0">
+          <a:defRPr kumimoji="0" sz="1800" b="0" i="0" u="none" strike="noStrike" cap="none" spc="0" normalizeH="0" baseline="0">
             <a:ln>
               <a:noFill/>
             </a:ln>
@@ -8309,7 +11135,7 @@
           <a:buFontTx/>
           <a:buNone/>
           <a:tabLst/>
-          <a:defRPr b="0" baseline="0" cap="none" i="0" spc="0" strike="noStrike" sz="1800" u="none" kumimoji="0" normalizeH="0">
+          <a:defRPr kumimoji="0" sz="1800" b="0" i="0" u="none" strike="noStrike" cap="none" spc="0" normalizeH="0" baseline="0">
             <a:ln>
               <a:noFill/>
             </a:ln>
@@ -8335,7 +11161,7 @@
           <a:buFontTx/>
           <a:buNone/>
           <a:tabLst/>
-          <a:defRPr b="0" baseline="0" cap="none" i="0" spc="0" strike="noStrike" sz="1800" u="none" kumimoji="0" normalizeH="0">
+          <a:defRPr kumimoji="0" sz="1800" b="0" i="0" u="none" strike="noStrike" cap="none" spc="0" normalizeH="0" baseline="0">
             <a:ln>
               <a:noFill/>
             </a:ln>
@@ -8361,7 +11187,7 @@
           <a:buFontTx/>
           <a:buNone/>
           <a:tabLst/>
-          <a:defRPr b="0" baseline="0" cap="none" i="0" spc="0" strike="noStrike" sz="1800" u="none" kumimoji="0" normalizeH="0">
+          <a:defRPr kumimoji="0" sz="1800" b="0" i="0" u="none" strike="noStrike" cap="none" spc="0" normalizeH="0" baseline="0">
             <a:ln>
               <a:noFill/>
             </a:ln>
@@ -8387,7 +11213,7 @@
           <a:buFontTx/>
           <a:buNone/>
           <a:tabLst/>
-          <a:defRPr b="0" baseline="0" cap="none" i="0" spc="0" strike="noStrike" sz="1800" u="none" kumimoji="0" normalizeH="0">
+          <a:defRPr kumimoji="0" sz="1800" b="0" i="0" u="none" strike="noStrike" cap="none" spc="0" normalizeH="0" baseline="0">
             <a:ln>
               <a:noFill/>
             </a:ln>
@@ -8413,7 +11239,7 @@
           <a:buFontTx/>
           <a:buNone/>
           <a:tabLst/>
-          <a:defRPr b="0" baseline="0" cap="none" i="0" spc="0" strike="noStrike" sz="1800" u="none" kumimoji="0" normalizeH="0">
+          <a:defRPr kumimoji="0" sz="1800" b="0" i="0" u="none" strike="noStrike" cap="none" spc="0" normalizeH="0" baseline="0">
             <a:ln>
               <a:noFill/>
             </a:ln>
@@ -8439,7 +11265,7 @@
           <a:buFontTx/>
           <a:buNone/>
           <a:tabLst/>
-          <a:defRPr b="0" baseline="0" cap="none" i="0" spc="0" strike="noStrike" sz="1800" u="none" kumimoji="0" normalizeH="0">
+          <a:defRPr kumimoji="0" sz="1800" b="0" i="0" u="none" strike="noStrike" cap="none" spc="0" normalizeH="0" baseline="0">
             <a:ln>
               <a:noFill/>
             </a:ln>
@@ -8465,7 +11291,7 @@
           <a:buFontTx/>
           <a:buNone/>
           <a:tabLst/>
-          <a:defRPr b="0" baseline="0" cap="none" i="0" spc="0" strike="noStrike" sz="1800" u="none" kumimoji="0" normalizeH="0">
+          <a:defRPr kumimoji="0" sz="1800" b="0" i="0" u="none" strike="noStrike" cap="none" spc="0" normalizeH="0" baseline="0">
             <a:ln>
               <a:noFill/>
             </a:ln>
@@ -8491,7 +11317,7 @@
           <a:buFontTx/>
           <a:buNone/>
           <a:tabLst/>
-          <a:defRPr b="0" baseline="0" cap="none" i="0" spc="0" strike="noStrike" sz="1800" u="none" kumimoji="0" normalizeH="0">
+          <a:defRPr kumimoji="0" sz="1800" b="0" i="0" u="none" strike="noStrike" cap="none" spc="0" normalizeH="0" baseline="0">
             <a:ln>
               <a:noFill/>
             </a:ln>
@@ -8504,12 +11330,19 @@
         </a:lvl9pPr>
       </a:lstStyle>
       <a:style>
-        <a:lnRef idx="0"/>
-        <a:fillRef idx="0"/>
-        <a:effectRef idx="0"/>
+        <a:lnRef idx="0">
+          <a:scrgbClr r="0" g="0" b="0"/>
+        </a:lnRef>
+        <a:fillRef idx="0">
+          <a:scrgbClr r="0" g="0" b="0"/>
+        </a:fillRef>
+        <a:effectRef idx="0">
+          <a:scrgbClr r="0" g="0" b="0"/>
+        </a:effectRef>
         <a:fontRef idx="none"/>
       </a:style>
     </a:txDef>
   </a:objectDefaults>
+  <a:extraClrSchemeLst/>
 </a:theme>
 </file>